--- a/marktoberdorf_slides/Marktoberdorf2014_1.pptx
+++ b/marktoberdorf_slides/Marktoberdorf2014_1.pptx
@@ -7,10 +7,10 @@
     <p:sldMasterId id="2147483674" r:id="rId6"/>
   </p:sldMasterIdLst>
   <p:notesMasterIdLst>
-    <p:notesMasterId r:id="rId60"/>
+    <p:notesMasterId r:id="rId58"/>
   </p:notesMasterIdLst>
   <p:handoutMasterIdLst>
-    <p:handoutMasterId r:id="rId61"/>
+    <p:handoutMasterId r:id="rId59"/>
   </p:handoutMasterIdLst>
   <p:sldIdLst>
     <p:sldId id="257" r:id="rId7"/>
@@ -33,39 +33,37 @@
     <p:sldId id="350" r:id="rId24"/>
     <p:sldId id="351" r:id="rId25"/>
     <p:sldId id="352" r:id="rId26"/>
-    <p:sldId id="353" r:id="rId27"/>
-    <p:sldId id="354" r:id="rId28"/>
-    <p:sldId id="261" r:id="rId29"/>
-    <p:sldId id="305" r:id="rId30"/>
-    <p:sldId id="337" r:id="rId31"/>
-    <p:sldId id="318" r:id="rId32"/>
-    <p:sldId id="319" r:id="rId33"/>
-    <p:sldId id="320" r:id="rId34"/>
-    <p:sldId id="321" r:id="rId35"/>
-    <p:sldId id="322" r:id="rId36"/>
-    <p:sldId id="323" r:id="rId37"/>
-    <p:sldId id="324" r:id="rId38"/>
-    <p:sldId id="325" r:id="rId39"/>
-    <p:sldId id="326" r:id="rId40"/>
-    <p:sldId id="327" r:id="rId41"/>
-    <p:sldId id="328" r:id="rId42"/>
-    <p:sldId id="329" r:id="rId43"/>
-    <p:sldId id="330" r:id="rId44"/>
-    <p:sldId id="331" r:id="rId45"/>
-    <p:sldId id="332" r:id="rId46"/>
-    <p:sldId id="334" r:id="rId47"/>
-    <p:sldId id="307" r:id="rId48"/>
-    <p:sldId id="269" r:id="rId49"/>
-    <p:sldId id="270" r:id="rId50"/>
-    <p:sldId id="309" r:id="rId51"/>
-    <p:sldId id="310" r:id="rId52"/>
-    <p:sldId id="314" r:id="rId53"/>
-    <p:sldId id="265" r:id="rId54"/>
-    <p:sldId id="312" r:id="rId55"/>
-    <p:sldId id="268" r:id="rId56"/>
-    <p:sldId id="313" r:id="rId57"/>
-    <p:sldId id="336" r:id="rId58"/>
-    <p:sldId id="463" r:id="rId59"/>
+    <p:sldId id="354" r:id="rId27"/>
+    <p:sldId id="305" r:id="rId28"/>
+    <p:sldId id="337" r:id="rId29"/>
+    <p:sldId id="318" r:id="rId30"/>
+    <p:sldId id="319" r:id="rId31"/>
+    <p:sldId id="320" r:id="rId32"/>
+    <p:sldId id="321" r:id="rId33"/>
+    <p:sldId id="322" r:id="rId34"/>
+    <p:sldId id="323" r:id="rId35"/>
+    <p:sldId id="324" r:id="rId36"/>
+    <p:sldId id="325" r:id="rId37"/>
+    <p:sldId id="326" r:id="rId38"/>
+    <p:sldId id="327" r:id="rId39"/>
+    <p:sldId id="328" r:id="rId40"/>
+    <p:sldId id="329" r:id="rId41"/>
+    <p:sldId id="330" r:id="rId42"/>
+    <p:sldId id="331" r:id="rId43"/>
+    <p:sldId id="332" r:id="rId44"/>
+    <p:sldId id="334" r:id="rId45"/>
+    <p:sldId id="307" r:id="rId46"/>
+    <p:sldId id="269" r:id="rId47"/>
+    <p:sldId id="270" r:id="rId48"/>
+    <p:sldId id="309" r:id="rId49"/>
+    <p:sldId id="310" r:id="rId50"/>
+    <p:sldId id="314" r:id="rId51"/>
+    <p:sldId id="265" r:id="rId52"/>
+    <p:sldId id="312" r:id="rId53"/>
+    <p:sldId id="268" r:id="rId54"/>
+    <p:sldId id="313" r:id="rId55"/>
+    <p:sldId id="336" r:id="rId56"/>
+    <p:sldId id="463" r:id="rId57"/>
   </p:sldIdLst>
   <p:sldSz cx="12192000" cy="6858000"/>
   <p:notesSz cx="6858000" cy="9144000"/>
@@ -257,7 +255,7 @@
           <a:p>
             <a:fld id="{F27A0118-0129-43BE-AFF1-F74F24B48B7E}" type="datetimeFigureOut">
               <a:rPr lang="en-US" smtClean="0"/>
-              <a:t>7/2/2014</a:t>
+              <a:t>7/31/2014</a:t>
             </a:fld>
             <a:endParaRPr lang="en-US"/>
           </a:p>
@@ -422,7 +420,7 @@
           <a:p>
             <a:fld id="{1CE4E7E7-6C21-4546-B32A-0D383DE387B2}" type="datetimeFigureOut">
               <a:rPr lang="en-US" smtClean="0"/>
-              <a:t>7/2/2014</a:t>
+              <a:t>7/31/2014</a:t>
             </a:fld>
             <a:endParaRPr lang="en-US"/>
           </a:p>
@@ -709,49 +707,21 @@
       </p:grpSpPr>
       <p:sp>
         <p:nvSpPr>
-          <p:cNvPr id="7" name="Rectangle 7"/>
+          <p:cNvPr id="2" name="Slide Image Placeholder 1"/>
           <p:cNvSpPr>
-            <a:spLocks noGrp="1" noChangeArrowheads="1"/>
-          </p:cNvSpPr>
-          <p:nvPr>
-            <p:ph type="sldNum" sz="quarter" idx="5"/>
-          </p:nvPr>
-        </p:nvSpPr>
-        <p:spPr>
-          <a:ln/>
-        </p:spPr>
-        <p:txBody>
-          <a:bodyPr/>
-          <a:lstStyle/>
-          <a:p>
-            <a:fld id="{88F37B1C-AD8A-4944-B7B9-B14865016608}" type="slidenum">
-              <a:rPr lang="en-US"/>
-              <a:pPr/>
-              <a:t>7</a:t>
-            </a:fld>
-            <a:endParaRPr lang="en-US"/>
-          </a:p>
-        </p:txBody>
-      </p:sp>
-      <p:sp>
-        <p:nvSpPr>
-          <p:cNvPr id="95234" name="Rectangle 2"/>
-          <p:cNvSpPr>
-            <a:spLocks noGrp="1" noRot="1" noChangeAspect="1" noChangeArrowheads="1" noTextEdit="1"/>
+            <a:spLocks noGrp="1" noRot="1" noChangeAspect="1"/>
           </p:cNvSpPr>
           <p:nvPr>
             <p:ph type="sldImg"/>
           </p:nvPr>
         </p:nvSpPr>
-        <p:spPr>
-          <a:ln/>
-        </p:spPr>
-      </p:sp>
-      <p:sp>
-        <p:nvSpPr>
-          <p:cNvPr id="95235" name="Rectangle 3"/>
+        <p:spPr/>
+      </p:sp>
+      <p:sp>
+        <p:nvSpPr>
+          <p:cNvPr id="3" name="Notes Placeholder 2"/>
           <p:cNvSpPr>
-            <a:spLocks noGrp="1" noChangeArrowheads="1"/>
+            <a:spLocks noGrp="1"/>
           </p:cNvSpPr>
           <p:nvPr>
             <p:ph type="body" idx="1"/>
@@ -766,10 +736,33 @@
           </a:p>
         </p:txBody>
       </p:sp>
+      <p:sp>
+        <p:nvSpPr>
+          <p:cNvPr id="4" name="Slide Number Placeholder 3"/>
+          <p:cNvSpPr>
+            <a:spLocks noGrp="1"/>
+          </p:cNvSpPr>
+          <p:nvPr>
+            <p:ph type="sldNum" sz="quarter" idx="10"/>
+          </p:nvPr>
+        </p:nvSpPr>
+        <p:spPr/>
+        <p:txBody>
+          <a:bodyPr/>
+          <a:lstStyle/>
+          <a:p>
+            <a:fld id="{EBA7EB3C-5F80-452D-B4B8-FC755A965A76}" type="slidenum">
+              <a:rPr lang="en-US" smtClean="0"/>
+              <a:t>1</a:t>
+            </a:fld>
+            <a:endParaRPr lang="en-US"/>
+          </a:p>
+        </p:txBody>
+      </p:sp>
     </p:spTree>
     <p:extLst>
       <p:ext uri="{BB962C8B-B14F-4D97-AF65-F5344CB8AC3E}">
-        <p14:creationId xmlns:p14="http://schemas.microsoft.com/office/powerpoint/2010/main" val="2043800710"/>
+        <p14:creationId xmlns:p14="http://schemas.microsoft.com/office/powerpoint/2010/main" val="694643672"/>
       </p:ext>
     </p:extLst>
   </p:cSld>
@@ -813,10 +806,10 @@
           <a:bodyPr/>
           <a:lstStyle/>
           <a:p>
-            <a:fld id="{A740A212-D04D-424D-8C75-8E2DF0B8BA01}" type="slidenum">
+            <a:fld id="{DB936A3C-7E50-474B-9072-94873BDF0A22}" type="slidenum">
               <a:rPr lang="en-US"/>
               <a:pPr/>
-              <a:t>50</a:t>
+              <a:t>41</a:t>
             </a:fld>
             <a:endParaRPr lang="en-US"/>
           </a:p>
@@ -824,7 +817,7 @@
       </p:sp>
       <p:sp>
         <p:nvSpPr>
-          <p:cNvPr id="789506" name="Rectangle 2"/>
+          <p:cNvPr id="793602" name="Rectangle 2"/>
           <p:cNvSpPr>
             <a:spLocks noGrp="1" noRot="1" noChangeAspect="1" noChangeArrowheads="1" noTextEdit="1"/>
           </p:cNvSpPr>
@@ -838,7 +831,7 @@
       </p:sp>
       <p:sp>
         <p:nvSpPr>
-          <p:cNvPr id="789507" name="Rectangle 3"/>
+          <p:cNvPr id="793603" name="Rectangle 3"/>
           <p:cNvSpPr>
             <a:spLocks noGrp="1" noChangeArrowheads="1"/>
           </p:cNvSpPr>
@@ -851,20 +844,22 @@
           <a:bodyPr/>
           <a:lstStyle/>
           <a:p>
-            <a:endParaRPr lang="en-US"/>
-          </a:p>
-          <a:p>
-            <a:r>
-              <a:rPr lang="en-US"/>
-              <a:t>[Vigilante: given an execution trace where an attack is observed, Vigilante attempts to generate alternative executions traces witnessing the same attack; and then blocks all these inputs.] </a:t>
-            </a:r>
+            <a:r>
+              <a:rPr lang="en-US" dirty="0" smtClean="0"/>
+              <a:t>A very old</a:t>
+            </a:r>
+            <a:r>
+              <a:rPr lang="en-US" baseline="0" dirty="0" smtClean="0"/>
+              <a:t> idea from the 70ties.</a:t>
+            </a:r>
+            <a:endParaRPr lang="en-US" dirty="0"/>
           </a:p>
         </p:txBody>
       </p:sp>
     </p:spTree>
     <p:extLst>
       <p:ext uri="{BB962C8B-B14F-4D97-AF65-F5344CB8AC3E}">
-        <p14:creationId xmlns:p14="http://schemas.microsoft.com/office/powerpoint/2010/main" val="4024760986"/>
+        <p14:creationId xmlns:p14="http://schemas.microsoft.com/office/powerpoint/2010/main" val="1946357227"/>
       </p:ext>
     </p:extLst>
   </p:cSld>
@@ -939,7 +934,290 @@
           <a:p>
             <a:fld id="{EBA7EB3C-5F80-452D-B4B8-FC755A965A76}" type="slidenum">
               <a:rPr lang="en-US" smtClean="0"/>
-              <a:t>52</a:t>
+              <a:t>44</a:t>
+            </a:fld>
+            <a:endParaRPr lang="en-US"/>
+          </a:p>
+        </p:txBody>
+      </p:sp>
+    </p:spTree>
+    <p:extLst>
+      <p:ext uri="{BB962C8B-B14F-4D97-AF65-F5344CB8AC3E}">
+        <p14:creationId xmlns:p14="http://schemas.microsoft.com/office/powerpoint/2010/main" val="1749971107"/>
+      </p:ext>
+    </p:extLst>
+  </p:cSld>
+  <p:clrMapOvr>
+    <a:masterClrMapping/>
+  </p:clrMapOvr>
+</p:notes>
+</file>
+
+<file path=ppt/notesSlides/notesSlide12.xml><?xml version="1.0" encoding="utf-8"?>
+<p:notes xmlns:a="http://schemas.openxmlformats.org/drawingml/2006/main" xmlns:r="http://schemas.openxmlformats.org/officeDocument/2006/relationships" xmlns:p="http://schemas.openxmlformats.org/presentationml/2006/main">
+  <p:cSld>
+    <p:spTree>
+      <p:nvGrpSpPr>
+        <p:cNvPr id="1" name=""/>
+        <p:cNvGrpSpPr/>
+        <p:nvPr/>
+      </p:nvGrpSpPr>
+      <p:grpSpPr>
+        <a:xfrm>
+          <a:off x="0" y="0"/>
+          <a:ext cx="0" cy="0"/>
+          <a:chOff x="0" y="0"/>
+          <a:chExt cx="0" cy="0"/>
+        </a:xfrm>
+      </p:grpSpPr>
+      <p:sp>
+        <p:nvSpPr>
+          <p:cNvPr id="2" name="Slide Image Placeholder 1"/>
+          <p:cNvSpPr>
+            <a:spLocks noGrp="1" noRot="1" noChangeAspect="1"/>
+          </p:cNvSpPr>
+          <p:nvPr>
+            <p:ph type="sldImg"/>
+          </p:nvPr>
+        </p:nvSpPr>
+        <p:spPr/>
+      </p:sp>
+      <p:sp>
+        <p:nvSpPr>
+          <p:cNvPr id="3" name="Notes Placeholder 2"/>
+          <p:cNvSpPr>
+            <a:spLocks noGrp="1"/>
+          </p:cNvSpPr>
+          <p:nvPr>
+            <p:ph type="body" idx="1"/>
+          </p:nvPr>
+        </p:nvSpPr>
+        <p:spPr/>
+        <p:txBody>
+          <a:bodyPr>
+            <a:normAutofit/>
+          </a:bodyPr>
+          <a:lstStyle/>
+          <a:p>
+            <a:r>
+              <a:rPr lang="en-US" dirty="0" smtClean="0"/>
+              <a:t>Note that  </a:t>
+            </a:r>
+            <a:r>
+              <a:rPr lang="en-US" dirty="0" err="1" smtClean="0"/>
+              <a:t>neg</a:t>
+            </a:r>
+            <a:r>
+              <a:rPr lang="en-US" dirty="0" smtClean="0"/>
+              <a:t>(F) is in CNF!</a:t>
+            </a:r>
+            <a:endParaRPr lang="en-US" dirty="0"/>
+          </a:p>
+        </p:txBody>
+      </p:sp>
+      <p:sp>
+        <p:nvSpPr>
+          <p:cNvPr id="4" name="Slide Number Placeholder 3"/>
+          <p:cNvSpPr>
+            <a:spLocks noGrp="1"/>
+          </p:cNvSpPr>
+          <p:nvPr>
+            <p:ph type="sldNum" sz="quarter" idx="10"/>
+          </p:nvPr>
+        </p:nvSpPr>
+        <p:spPr/>
+        <p:txBody>
+          <a:bodyPr/>
+          <a:lstStyle/>
+          <a:p>
+            <a:pPr>
+              <a:defRPr/>
+            </a:pPr>
+            <a:fld id="{CC76187E-C4F0-476C-90BC-34C61DB82759}" type="slidenum">
+              <a:rPr lang="en-US" smtClean="0"/>
+              <a:pPr>
+                <a:defRPr/>
+              </a:pPr>
+              <a:t>47</a:t>
+            </a:fld>
+            <a:endParaRPr lang="en-US"/>
+          </a:p>
+        </p:txBody>
+      </p:sp>
+    </p:spTree>
+    <p:extLst>
+      <p:ext uri="{BB962C8B-B14F-4D97-AF65-F5344CB8AC3E}">
+        <p14:creationId xmlns:p14="http://schemas.microsoft.com/office/powerpoint/2010/main" val="3598322956"/>
+      </p:ext>
+    </p:extLst>
+  </p:cSld>
+  <p:clrMapOvr>
+    <a:masterClrMapping/>
+  </p:clrMapOvr>
+</p:notes>
+</file>
+
+<file path=ppt/notesSlides/notesSlide13.xml><?xml version="1.0" encoding="utf-8"?>
+<p:notes xmlns:a="http://schemas.openxmlformats.org/drawingml/2006/main" xmlns:r="http://schemas.openxmlformats.org/officeDocument/2006/relationships" xmlns:p="http://schemas.openxmlformats.org/presentationml/2006/main">
+  <p:cSld>
+    <p:spTree>
+      <p:nvGrpSpPr>
+        <p:cNvPr id="1" name=""/>
+        <p:cNvGrpSpPr/>
+        <p:nvPr/>
+      </p:nvGrpSpPr>
+      <p:grpSpPr>
+        <a:xfrm>
+          <a:off x="0" y="0"/>
+          <a:ext cx="0" cy="0"/>
+          <a:chOff x="0" y="0"/>
+          <a:chExt cx="0" cy="0"/>
+        </a:xfrm>
+      </p:grpSpPr>
+      <p:sp>
+        <p:nvSpPr>
+          <p:cNvPr id="7" name="Rectangle 7"/>
+          <p:cNvSpPr>
+            <a:spLocks noGrp="1" noChangeArrowheads="1"/>
+          </p:cNvSpPr>
+          <p:nvPr>
+            <p:ph type="sldNum" sz="quarter" idx="5"/>
+          </p:nvPr>
+        </p:nvSpPr>
+        <p:spPr>
+          <a:ln/>
+        </p:spPr>
+        <p:txBody>
+          <a:bodyPr/>
+          <a:lstStyle/>
+          <a:p>
+            <a:fld id="{A740A212-D04D-424D-8C75-8E2DF0B8BA01}" type="slidenum">
+              <a:rPr lang="en-US"/>
+              <a:pPr/>
+              <a:t>48</a:t>
+            </a:fld>
+            <a:endParaRPr lang="en-US"/>
+          </a:p>
+        </p:txBody>
+      </p:sp>
+      <p:sp>
+        <p:nvSpPr>
+          <p:cNvPr id="789506" name="Rectangle 2"/>
+          <p:cNvSpPr>
+            <a:spLocks noGrp="1" noRot="1" noChangeAspect="1" noChangeArrowheads="1" noTextEdit="1"/>
+          </p:cNvSpPr>
+          <p:nvPr>
+            <p:ph type="sldImg"/>
+          </p:nvPr>
+        </p:nvSpPr>
+        <p:spPr>
+          <a:ln/>
+        </p:spPr>
+      </p:sp>
+      <p:sp>
+        <p:nvSpPr>
+          <p:cNvPr id="789507" name="Rectangle 3"/>
+          <p:cNvSpPr>
+            <a:spLocks noGrp="1" noChangeArrowheads="1"/>
+          </p:cNvSpPr>
+          <p:nvPr>
+            <p:ph type="body" idx="1"/>
+          </p:nvPr>
+        </p:nvSpPr>
+        <p:spPr/>
+        <p:txBody>
+          <a:bodyPr/>
+          <a:lstStyle/>
+          <a:p>
+            <a:endParaRPr lang="en-US"/>
+          </a:p>
+          <a:p>
+            <a:r>
+              <a:rPr lang="en-US"/>
+              <a:t>[Vigilante: given an execution trace where an attack is observed, Vigilante attempts to generate alternative executions traces witnessing the same attack; and then blocks all these inputs.] </a:t>
+            </a:r>
+          </a:p>
+        </p:txBody>
+      </p:sp>
+    </p:spTree>
+    <p:extLst>
+      <p:ext uri="{BB962C8B-B14F-4D97-AF65-F5344CB8AC3E}">
+        <p14:creationId xmlns:p14="http://schemas.microsoft.com/office/powerpoint/2010/main" val="4024760986"/>
+      </p:ext>
+    </p:extLst>
+  </p:cSld>
+  <p:clrMapOvr>
+    <a:masterClrMapping/>
+  </p:clrMapOvr>
+</p:notes>
+</file>
+
+<file path=ppt/notesSlides/notesSlide14.xml><?xml version="1.0" encoding="utf-8"?>
+<p:notes xmlns:a="http://schemas.openxmlformats.org/drawingml/2006/main" xmlns:r="http://schemas.openxmlformats.org/officeDocument/2006/relationships" xmlns:p="http://schemas.openxmlformats.org/presentationml/2006/main">
+  <p:cSld>
+    <p:spTree>
+      <p:nvGrpSpPr>
+        <p:cNvPr id="1" name=""/>
+        <p:cNvGrpSpPr/>
+        <p:nvPr/>
+      </p:nvGrpSpPr>
+      <p:grpSpPr>
+        <a:xfrm>
+          <a:off x="0" y="0"/>
+          <a:ext cx="0" cy="0"/>
+          <a:chOff x="0" y="0"/>
+          <a:chExt cx="0" cy="0"/>
+        </a:xfrm>
+      </p:grpSpPr>
+      <p:sp>
+        <p:nvSpPr>
+          <p:cNvPr id="2" name="Slide Image Placeholder 1"/>
+          <p:cNvSpPr>
+            <a:spLocks noGrp="1" noRot="1" noChangeAspect="1"/>
+          </p:cNvSpPr>
+          <p:nvPr>
+            <p:ph type="sldImg"/>
+          </p:nvPr>
+        </p:nvSpPr>
+        <p:spPr/>
+      </p:sp>
+      <p:sp>
+        <p:nvSpPr>
+          <p:cNvPr id="3" name="Notes Placeholder 2"/>
+          <p:cNvSpPr>
+            <a:spLocks noGrp="1"/>
+          </p:cNvSpPr>
+          <p:nvPr>
+            <p:ph type="body" idx="1"/>
+          </p:nvPr>
+        </p:nvSpPr>
+        <p:spPr/>
+        <p:txBody>
+          <a:bodyPr/>
+          <a:lstStyle/>
+          <a:p>
+            <a:endParaRPr lang="en-US" dirty="0"/>
+          </a:p>
+        </p:txBody>
+      </p:sp>
+      <p:sp>
+        <p:nvSpPr>
+          <p:cNvPr id="4" name="Slide Number Placeholder 3"/>
+          <p:cNvSpPr>
+            <a:spLocks noGrp="1"/>
+          </p:cNvSpPr>
+          <p:nvPr>
+            <p:ph type="sldNum" sz="quarter" idx="10"/>
+          </p:nvPr>
+        </p:nvSpPr>
+        <p:spPr/>
+        <p:txBody>
+          <a:bodyPr/>
+          <a:lstStyle/>
+          <a:p>
+            <a:fld id="{EBA7EB3C-5F80-452D-B4B8-FC755A965A76}" type="slidenum">
+              <a:rPr lang="en-US" smtClean="0"/>
+              <a:t>50</a:t>
             </a:fld>
             <a:endParaRPr lang="en-US"/>
           </a:p>
@@ -977,7 +1255,7 @@
       </p:grpSpPr>
       <p:sp>
         <p:nvSpPr>
-          <p:cNvPr id="60417" name="Rectangle 7"/>
+          <p:cNvPr id="7" name="Rectangle 7"/>
           <p:cNvSpPr>
             <a:spLocks noGrp="1" noChangeArrowheads="1"/>
           </p:cNvSpPr>
@@ -986,119 +1264,58 @@
           </p:nvPr>
         </p:nvSpPr>
         <p:spPr>
-          <a:noFill/>
+          <a:ln/>
         </p:spPr>
         <p:txBody>
           <a:bodyPr/>
           <a:lstStyle/>
           <a:p>
-            <a:fld id="{76B956A3-9285-478B-B509-72C91172FE1F}" type="slidenum">
-              <a:rPr lang="en-US" smtClean="0"/>
+            <a:fld id="{88F37B1C-AD8A-4944-B7B9-B14865016608}" type="slidenum">
+              <a:rPr lang="en-US"/>
               <a:pPr/>
-              <a:t>15</a:t>
+              <a:t>7</a:t>
             </a:fld>
-            <a:endParaRPr lang="en-US" smtClean="0"/>
-          </a:p>
-        </p:txBody>
-      </p:sp>
-      <p:sp>
-        <p:nvSpPr>
-          <p:cNvPr id="60418" name="Slide Image Placeholder 1"/>
+            <a:endParaRPr lang="en-US"/>
+          </a:p>
+        </p:txBody>
+      </p:sp>
+      <p:sp>
+        <p:nvSpPr>
+          <p:cNvPr id="95234" name="Rectangle 2"/>
           <p:cNvSpPr>
-            <a:spLocks noGrp="1" noRot="1" noChangeAspect="1" noTextEdit="1"/>
+            <a:spLocks noGrp="1" noRot="1" noChangeAspect="1" noChangeArrowheads="1" noTextEdit="1"/>
           </p:cNvSpPr>
           <p:nvPr>
             <p:ph type="sldImg"/>
           </p:nvPr>
         </p:nvSpPr>
         <p:spPr>
-          <a:xfrm>
-            <a:off x="409575" y="695325"/>
-            <a:ext cx="6178550" cy="3476625"/>
-          </a:xfrm>
           <a:ln/>
         </p:spPr>
       </p:sp>
       <p:sp>
         <p:nvSpPr>
-          <p:cNvPr id="60419" name="Notes Placeholder 2"/>
+          <p:cNvPr id="95235" name="Rectangle 3"/>
           <p:cNvSpPr>
-            <a:spLocks noGrp="1"/>
+            <a:spLocks noGrp="1" noChangeArrowheads="1"/>
           </p:cNvSpPr>
           <p:nvPr>
             <p:ph type="body" idx="1"/>
           </p:nvPr>
         </p:nvSpPr>
-        <p:spPr>
-          <a:xfrm>
-            <a:off x="700088" y="4403725"/>
-            <a:ext cx="5597525" cy="4171950"/>
-          </a:xfrm>
-          <a:noFill/>
-          <a:ln/>
-        </p:spPr>
-        <p:txBody>
-          <a:bodyPr lIns="93023" tIns="46511" rIns="93023" bIns="46511"/>
+        <p:spPr/>
+        <p:txBody>
+          <a:bodyPr/>
           <a:lstStyle/>
           <a:p>
-            <a:pPr defTabSz="914400" eaLnBrk="1" hangingPunct="1">
-              <a:spcBef>
-                <a:spcPct val="0"/>
-              </a:spcBef>
-            </a:pPr>
-            <a:r>
-              <a:rPr lang="en-US" smtClean="0"/>
-              <a:t>Strf shows up here for the first time.</a:t>
-            </a:r>
-          </a:p>
-        </p:txBody>
-      </p:sp>
-      <p:sp>
-        <p:nvSpPr>
-          <p:cNvPr id="60420" name="Slide Number Placeholder 3"/>
-          <p:cNvSpPr txBox="1">
-            <a:spLocks noGrp="1"/>
-          </p:cNvSpPr>
-          <p:nvPr/>
-        </p:nvSpPr>
-        <p:spPr bwMode="auto">
-          <a:xfrm>
-            <a:off x="3962400" y="8805863"/>
-            <a:ext cx="3033713" cy="463550"/>
-          </a:xfrm>
-          <a:prstGeom prst="rect">
-            <a:avLst/>
-          </a:prstGeom>
-          <a:noFill/>
-          <a:ln w="9525">
-            <a:noFill/>
-            <a:miter lim="800000"/>
-            <a:headEnd/>
-            <a:tailEnd/>
-          </a:ln>
-        </p:spPr>
-        <p:txBody>
-          <a:bodyPr lIns="93023" tIns="46511" rIns="93023" bIns="46511" anchor="b"/>
-          <a:lstStyle/>
-          <a:p>
-            <a:pPr algn="r" defTabSz="930275"/>
-            <a:fld id="{616A649A-F87C-4C97-BB84-798E5B54B868}" type="slidenum">
-              <a:rPr lang="en-US" sz="1300">
-                <a:latin typeface="Calibri" pitchFamily="34" charset="0"/>
-              </a:rPr>
-              <a:pPr algn="r" defTabSz="930275"/>
-              <a:t>15</a:t>
-            </a:fld>
-            <a:endParaRPr lang="en-US" sz="1300">
-              <a:latin typeface="Calibri" pitchFamily="34" charset="0"/>
-            </a:endParaRPr>
+            <a:endParaRPr lang="en-US" dirty="0"/>
           </a:p>
         </p:txBody>
       </p:sp>
     </p:spTree>
     <p:extLst>
       <p:ext uri="{BB962C8B-B14F-4D97-AF65-F5344CB8AC3E}">
-        <p14:creationId xmlns:p14="http://schemas.microsoft.com/office/powerpoint/2010/main" val="1272905698"/>
+        <p14:creationId xmlns:p14="http://schemas.microsoft.com/office/powerpoint/2010/main" val="2043800710"/>
       </p:ext>
     </p:extLst>
   </p:cSld>
@@ -1127,51 +1344,19 @@
       </p:grpSpPr>
       <p:sp>
         <p:nvSpPr>
-          <p:cNvPr id="65537" name="Rectangle 7"/>
+          <p:cNvPr id="2" name="Slide Image Placeholder 1"/>
           <p:cNvSpPr>
-            <a:spLocks noGrp="1" noChangeArrowheads="1"/>
-          </p:cNvSpPr>
-          <p:nvPr>
-            <p:ph type="sldNum" sz="quarter" idx="5"/>
-          </p:nvPr>
-        </p:nvSpPr>
-        <p:spPr>
-          <a:noFill/>
-        </p:spPr>
-        <p:txBody>
-          <a:bodyPr/>
-          <a:lstStyle/>
-          <a:p>
-            <a:fld id="{9AE7CBDF-E665-4AE7-94DA-74842FEB9BAC}" type="slidenum">
-              <a:rPr lang="en-US" smtClean="0"/>
-              <a:pPr/>
-              <a:t>19</a:t>
-            </a:fld>
-            <a:endParaRPr lang="en-US" smtClean="0"/>
-          </a:p>
-        </p:txBody>
-      </p:sp>
-      <p:sp>
-        <p:nvSpPr>
-          <p:cNvPr id="65538" name="Slide Image Placeholder 1"/>
-          <p:cNvSpPr>
-            <a:spLocks noGrp="1" noRot="1" noChangeAspect="1" noTextEdit="1"/>
+            <a:spLocks noGrp="1" noRot="1" noChangeAspect="1"/>
           </p:cNvSpPr>
           <p:nvPr>
             <p:ph type="sldImg"/>
           </p:nvPr>
         </p:nvSpPr>
-        <p:spPr>
-          <a:xfrm>
-            <a:off x="409575" y="695325"/>
-            <a:ext cx="6178550" cy="3476625"/>
-          </a:xfrm>
-          <a:ln/>
-        </p:spPr>
-      </p:sp>
-      <p:sp>
-        <p:nvSpPr>
-          <p:cNvPr id="65539" name="Notes Placeholder 2"/>
+        <p:spPr/>
+      </p:sp>
+      <p:sp>
+        <p:nvSpPr>
+          <p:cNvPr id="3" name="Notes Placeholder 2"/>
           <p:cNvSpPr>
             <a:spLocks noGrp="1"/>
           </p:cNvSpPr>
@@ -1179,76 +1364,42 @@
             <p:ph type="body" idx="1"/>
           </p:nvPr>
         </p:nvSpPr>
-        <p:spPr>
-          <a:xfrm>
-            <a:off x="700088" y="4403725"/>
-            <a:ext cx="5597525" cy="4171950"/>
-          </a:xfrm>
-          <a:noFill/>
-          <a:ln/>
-        </p:spPr>
-        <p:txBody>
-          <a:bodyPr lIns="93023" tIns="46511" rIns="93023" bIns="46511"/>
+        <p:spPr/>
+        <p:txBody>
+          <a:bodyPr/>
           <a:lstStyle/>
           <a:p>
-            <a:pPr defTabSz="914400" eaLnBrk="1" hangingPunct="1">
-              <a:spcBef>
-                <a:spcPct val="0"/>
-              </a:spcBef>
-            </a:pPr>
-            <a:r>
-              <a:rPr lang="en-US" smtClean="0"/>
-              <a:t>Recall that MSRC 7051 was an error in validating the length field of strf records. </a:t>
-            </a:r>
-          </a:p>
-        </p:txBody>
-      </p:sp>
-      <p:sp>
-        <p:nvSpPr>
-          <p:cNvPr id="65540" name="Slide Number Placeholder 3"/>
-          <p:cNvSpPr txBox="1">
+            <a:endParaRPr lang="en-US" dirty="0"/>
+          </a:p>
+        </p:txBody>
+      </p:sp>
+      <p:sp>
+        <p:nvSpPr>
+          <p:cNvPr id="4" name="Slide Number Placeholder 3"/>
+          <p:cNvSpPr>
             <a:spLocks noGrp="1"/>
           </p:cNvSpPr>
-          <p:nvPr/>
-        </p:nvSpPr>
-        <p:spPr bwMode="auto">
-          <a:xfrm>
-            <a:off x="3962400" y="8805863"/>
-            <a:ext cx="3033713" cy="463550"/>
-          </a:xfrm>
-          <a:prstGeom prst="rect">
-            <a:avLst/>
-          </a:prstGeom>
-          <a:noFill/>
-          <a:ln w="9525">
-            <a:noFill/>
-            <a:miter lim="800000"/>
-            <a:headEnd/>
-            <a:tailEnd/>
-          </a:ln>
-        </p:spPr>
-        <p:txBody>
-          <a:bodyPr lIns="93023" tIns="46511" rIns="93023" bIns="46511" anchor="b"/>
+          <p:nvPr>
+            <p:ph type="sldNum" sz="quarter" idx="10"/>
+          </p:nvPr>
+        </p:nvSpPr>
+        <p:spPr/>
+        <p:txBody>
+          <a:bodyPr/>
           <a:lstStyle/>
           <a:p>
-            <a:pPr algn="r" defTabSz="930275"/>
-            <a:fld id="{642D7E51-E03C-4477-907A-118E33734783}" type="slidenum">
-              <a:rPr lang="en-US" sz="1300">
-                <a:latin typeface="Calibri" pitchFamily="34" charset="0"/>
-              </a:rPr>
-              <a:pPr algn="r" defTabSz="930275"/>
-              <a:t>19</a:t>
+            <a:fld id="{EBA7EB3C-5F80-452D-B4B8-FC755A965A76}" type="slidenum">
+              <a:rPr lang="en-US" smtClean="0"/>
+              <a:t>8</a:t>
             </a:fld>
-            <a:endParaRPr lang="en-US" sz="1300">
-              <a:latin typeface="Calibri" pitchFamily="34" charset="0"/>
-            </a:endParaRPr>
+            <a:endParaRPr lang="en-US"/>
           </a:p>
         </p:txBody>
       </p:sp>
     </p:spTree>
     <p:extLst>
       <p:ext uri="{BB962C8B-B14F-4D97-AF65-F5344CB8AC3E}">
-        <p14:creationId xmlns:p14="http://schemas.microsoft.com/office/powerpoint/2010/main" val="2519310686"/>
+        <p14:creationId xmlns:p14="http://schemas.microsoft.com/office/powerpoint/2010/main" val="1161523815"/>
       </p:ext>
     </p:extLst>
   </p:cSld>
@@ -1277,7 +1428,33 @@
       </p:grpSpPr>
       <p:sp>
         <p:nvSpPr>
-          <p:cNvPr id="38913" name="Slide Image Placeholder 1"/>
+          <p:cNvPr id="60417" name="Rectangle 7"/>
+          <p:cNvSpPr>
+            <a:spLocks noGrp="1" noChangeArrowheads="1"/>
+          </p:cNvSpPr>
+          <p:nvPr>
+            <p:ph type="sldNum" sz="quarter" idx="5"/>
+          </p:nvPr>
+        </p:nvSpPr>
+        <p:spPr>
+          <a:noFill/>
+        </p:spPr>
+        <p:txBody>
+          <a:bodyPr/>
+          <a:lstStyle/>
+          <a:p>
+            <a:fld id="{76B956A3-9285-478B-B509-72C91172FE1F}" type="slidenum">
+              <a:rPr lang="en-US" smtClean="0"/>
+              <a:pPr/>
+              <a:t>15</a:t>
+            </a:fld>
+            <a:endParaRPr lang="en-US" smtClean="0"/>
+          </a:p>
+        </p:txBody>
+      </p:sp>
+      <p:sp>
+        <p:nvSpPr>
+          <p:cNvPr id="60418" name="Slide Image Placeholder 1"/>
           <p:cNvSpPr>
             <a:spLocks noGrp="1" noRot="1" noChangeAspect="1" noTextEdit="1"/>
           </p:cNvSpPr>
@@ -1295,7 +1472,7 @@
       </p:sp>
       <p:sp>
         <p:nvSpPr>
-          <p:cNvPr id="38914" name="Notes Placeholder 2"/>
+          <p:cNvPr id="60419" name="Notes Placeholder 2"/>
           <p:cNvSpPr>
             <a:spLocks noGrp="1"/>
           </p:cNvSpPr>
@@ -1312,21 +1489,24 @@
           <a:ln/>
         </p:spPr>
         <p:txBody>
-          <a:bodyPr lIns="93022" tIns="46511" rIns="93022" bIns="46511"/>
+          <a:bodyPr lIns="93023" tIns="46511" rIns="93023" bIns="46511"/>
           <a:lstStyle/>
           <a:p>
-            <a:pPr defTabSz="912813" eaLnBrk="1" hangingPunct="1">
+            <a:pPr defTabSz="914400" eaLnBrk="1" hangingPunct="1">
               <a:spcBef>
                 <a:spcPct val="0"/>
               </a:spcBef>
             </a:pPr>
-            <a:endParaRPr lang="en-US" smtClean="0"/>
-          </a:p>
-        </p:txBody>
-      </p:sp>
-      <p:sp>
-        <p:nvSpPr>
-          <p:cNvPr id="38915" name="Slide Number Placeholder 3"/>
+            <a:r>
+              <a:rPr lang="en-US" smtClean="0"/>
+              <a:t>Strf shows up here for the first time.</a:t>
+            </a:r>
+          </a:p>
+        </p:txBody>
+      </p:sp>
+      <p:sp>
+        <p:nvSpPr>
+          <p:cNvPr id="60420" name="Slide Number Placeholder 3"/>
           <p:cNvSpPr txBox="1">
             <a:spLocks noGrp="1"/>
           </p:cNvSpPr>
@@ -1334,8 +1514,8 @@
         </p:nvSpPr>
         <p:spPr bwMode="auto">
           <a:xfrm>
-            <a:off x="3963988" y="8805863"/>
-            <a:ext cx="3032125" cy="463550"/>
+            <a:off x="3962400" y="8805863"/>
+            <a:ext cx="3033713" cy="463550"/>
           </a:xfrm>
           <a:prstGeom prst="rect">
             <a:avLst/>
@@ -1349,37 +1529,19 @@
           </a:ln>
         </p:spPr>
         <p:txBody>
-          <a:bodyPr lIns="93022" tIns="46511" rIns="93022" bIns="46511" anchor="b"/>
+          <a:bodyPr lIns="93023" tIns="46511" rIns="93023" bIns="46511" anchor="b"/>
           <a:lstStyle/>
           <a:p>
-            <a:pPr algn="r" defTabSz="930275" fontAlgn="base">
-              <a:spcBef>
-                <a:spcPct val="0"/>
-              </a:spcBef>
-              <a:spcAft>
-                <a:spcPct val="0"/>
-              </a:spcAft>
-            </a:pPr>
-            <a:fld id="{BA1367C5-A2A2-4C1E-ABB5-64C099FD7265}" type="slidenum">
-              <a:rPr lang="en-US" sz="1200">
-                <a:solidFill>
-                  <a:srgbClr val="000000"/>
-                </a:solidFill>
-              </a:rPr>
-              <a:pPr algn="r" defTabSz="930275" fontAlgn="base">
-                <a:spcBef>
-                  <a:spcPct val="0"/>
-                </a:spcBef>
-                <a:spcAft>
-                  <a:spcPct val="0"/>
-                </a:spcAft>
-              </a:pPr>
-              <a:t>20</a:t>
+            <a:pPr algn="r" defTabSz="930275"/>
+            <a:fld id="{616A649A-F87C-4C97-BB84-798E5B54B868}" type="slidenum">
+              <a:rPr lang="en-US" sz="1300">
+                <a:latin typeface="Calibri" pitchFamily="34" charset="0"/>
+              </a:rPr>
+              <a:pPr algn="r" defTabSz="930275"/>
+              <a:t>15</a:t>
             </a:fld>
-            <a:endParaRPr lang="en-US" sz="1200">
-              <a:solidFill>
-                <a:srgbClr val="000000"/>
-              </a:solidFill>
+            <a:endParaRPr lang="en-US" sz="1300">
+              <a:latin typeface="Calibri" pitchFamily="34" charset="0"/>
             </a:endParaRPr>
           </a:p>
         </p:txBody>
@@ -1387,7 +1549,7 @@
     </p:spTree>
     <p:extLst>
       <p:ext uri="{BB962C8B-B14F-4D97-AF65-F5344CB8AC3E}">
-        <p14:creationId xmlns:p14="http://schemas.microsoft.com/office/powerpoint/2010/main" val="989647722"/>
+        <p14:creationId xmlns:p14="http://schemas.microsoft.com/office/powerpoint/2010/main" val="1272905698"/>
       </p:ext>
     </p:extLst>
   </p:cSld>
@@ -1416,19 +1578,51 @@
       </p:grpSpPr>
       <p:sp>
         <p:nvSpPr>
-          <p:cNvPr id="2" name="Slide Image Placeholder 1"/>
+          <p:cNvPr id="65537" name="Rectangle 7"/>
           <p:cNvSpPr>
-            <a:spLocks noGrp="1" noRot="1" noChangeAspect="1"/>
+            <a:spLocks noGrp="1" noChangeArrowheads="1"/>
+          </p:cNvSpPr>
+          <p:nvPr>
+            <p:ph type="sldNum" sz="quarter" idx="5"/>
+          </p:nvPr>
+        </p:nvSpPr>
+        <p:spPr>
+          <a:noFill/>
+        </p:spPr>
+        <p:txBody>
+          <a:bodyPr/>
+          <a:lstStyle/>
+          <a:p>
+            <a:fld id="{9AE7CBDF-E665-4AE7-94DA-74842FEB9BAC}" type="slidenum">
+              <a:rPr lang="en-US" smtClean="0"/>
+              <a:pPr/>
+              <a:t>19</a:t>
+            </a:fld>
+            <a:endParaRPr lang="en-US" smtClean="0"/>
+          </a:p>
+        </p:txBody>
+      </p:sp>
+      <p:sp>
+        <p:nvSpPr>
+          <p:cNvPr id="65538" name="Slide Image Placeholder 1"/>
+          <p:cNvSpPr>
+            <a:spLocks noGrp="1" noRot="1" noChangeAspect="1" noTextEdit="1"/>
           </p:cNvSpPr>
           <p:nvPr>
             <p:ph type="sldImg"/>
           </p:nvPr>
         </p:nvSpPr>
-        <p:spPr/>
-      </p:sp>
-      <p:sp>
-        <p:nvSpPr>
-          <p:cNvPr id="3" name="Notes Placeholder 2"/>
+        <p:spPr>
+          <a:xfrm>
+            <a:off x="409575" y="695325"/>
+            <a:ext cx="6178550" cy="3476625"/>
+          </a:xfrm>
+          <a:ln/>
+        </p:spPr>
+      </p:sp>
+      <p:sp>
+        <p:nvSpPr>
+          <p:cNvPr id="65539" name="Notes Placeholder 2"/>
           <p:cNvSpPr>
             <a:spLocks noGrp="1"/>
           </p:cNvSpPr>
@@ -1436,265 +1630,76 @@
             <p:ph type="body" idx="1"/>
           </p:nvPr>
         </p:nvSpPr>
-        <p:spPr/>
-        <p:txBody>
-          <a:bodyPr/>
+        <p:spPr>
+          <a:xfrm>
+            <a:off x="700088" y="4403725"/>
+            <a:ext cx="5597525" cy="4171950"/>
+          </a:xfrm>
+          <a:noFill/>
+          <a:ln/>
+        </p:spPr>
+        <p:txBody>
+          <a:bodyPr lIns="93023" tIns="46511" rIns="93023" bIns="46511"/>
           <a:lstStyle/>
           <a:p>
-            <a:pPr marL="0" marR="0" lvl="1" indent="0" algn="l" defTabSz="949325" rtl="0" eaLnBrk="0" fontAlgn="base" latinLnBrk="0" hangingPunct="0">
-              <a:lnSpc>
-                <a:spcPct val="100000"/>
-              </a:lnSpc>
+            <a:pPr defTabSz="914400" eaLnBrk="1" hangingPunct="1">
               <a:spcBef>
-                <a:spcPct val="30000"/>
+                <a:spcPct val="0"/>
               </a:spcBef>
-              <a:spcAft>
-                <a:spcPct val="0"/>
-              </a:spcAft>
-              <a:buClrTx/>
-              <a:buSzTx/>
-              <a:buFontTx/>
-              <a:buNone/>
-              <a:tabLst/>
-              <a:defRPr/>
             </a:pPr>
             <a:r>
-              <a:rPr lang="en-US" dirty="0" smtClean="0"/>
-              <a:t>Test generation is</a:t>
-            </a:r>
-            <a:r>
-              <a:rPr lang="en-US" baseline="0" dirty="0" smtClean="0"/>
-              <a:t> big business</a:t>
-            </a:r>
-            <a:endParaRPr lang="en-US" dirty="0" smtClean="0"/>
-          </a:p>
-          <a:p>
-            <a:pPr marL="0" marR="0" lvl="1" indent="0" algn="l" defTabSz="949325" rtl="0" eaLnBrk="0" fontAlgn="base" latinLnBrk="0" hangingPunct="0">
-              <a:lnSpc>
-                <a:spcPct val="100000"/>
-              </a:lnSpc>
-              <a:spcBef>
-                <a:spcPct val="30000"/>
-              </a:spcBef>
-              <a:spcAft>
-                <a:spcPct val="0"/>
-              </a:spcAft>
-              <a:buClrTx/>
-              <a:buSzTx/>
-              <a:buFontTx/>
-              <a:buNone/>
-              <a:tabLst/>
-              <a:defRPr/>
-            </a:pPr>
-            <a:endParaRPr lang="en-US" dirty="0" smtClean="0"/>
-          </a:p>
-          <a:p>
-            <a:pPr marL="0" marR="0" lvl="1" indent="0" algn="l" defTabSz="949325" rtl="0" eaLnBrk="0" fontAlgn="base" latinLnBrk="0" hangingPunct="0">
-              <a:lnSpc>
-                <a:spcPct val="100000"/>
-              </a:lnSpc>
-              <a:spcBef>
-                <a:spcPct val="30000"/>
-              </a:spcBef>
-              <a:spcAft>
-                <a:spcPct val="0"/>
-              </a:spcAft>
-              <a:buClrTx/>
-              <a:buSzTx/>
-              <a:buFontTx/>
-              <a:buNone/>
-              <a:tabLst/>
-              <a:defRPr/>
-            </a:pPr>
-            <a:r>
-              <a:rPr lang="en-US" dirty="0" smtClean="0"/>
-              <a:t>What is the #1 application of SMT solvers</a:t>
-            </a:r>
-            <a:r>
-              <a:rPr lang="en-US" baseline="0" dirty="0" smtClean="0"/>
-              <a:t> today measured by CPU usage? Test Generation</a:t>
-            </a:r>
-          </a:p>
-          <a:p>
-            <a:pPr marL="0" marR="0" lvl="1" indent="0" algn="l" defTabSz="949325" rtl="0" eaLnBrk="0" fontAlgn="base" latinLnBrk="0" hangingPunct="0">
-              <a:lnSpc>
-                <a:spcPct val="100000"/>
-              </a:lnSpc>
-              <a:spcBef>
-                <a:spcPct val="30000"/>
-              </a:spcBef>
-              <a:spcAft>
-                <a:spcPct val="0"/>
-              </a:spcAft>
-              <a:buClrTx/>
-              <a:buSzTx/>
-              <a:buFontTx/>
-              <a:buNone/>
-              <a:tabLst/>
-              <a:defRPr/>
-            </a:pPr>
-            <a:endParaRPr lang="en-US" baseline="0" dirty="0" smtClean="0"/>
-          </a:p>
-          <a:p>
-            <a:pPr marL="0" marR="0" lvl="1" indent="0" algn="l" defTabSz="949325" rtl="0" eaLnBrk="0" fontAlgn="base" latinLnBrk="0" hangingPunct="0">
-              <a:lnSpc>
-                <a:spcPct val="100000"/>
-              </a:lnSpc>
-              <a:spcBef>
-                <a:spcPct val="30000"/>
-              </a:spcBef>
-              <a:spcAft>
-                <a:spcPct val="0"/>
-              </a:spcAft>
-              <a:buClrTx/>
-              <a:buSzTx/>
-              <a:buFontTx/>
-              <a:buNone/>
-              <a:tabLst/>
-              <a:defRPr/>
-            </a:pPr>
-            <a:r>
-              <a:rPr lang="en-US" baseline="0" dirty="0" smtClean="0"/>
-              <a:t>Specifically, at Microsoft, we are using this tool named SAGE for finding security bugs using automatic test </a:t>
-            </a:r>
-            <a:r>
-              <a:rPr lang="en-US" baseline="0" smtClean="0"/>
-              <a:t>generation techniques</a:t>
-            </a:r>
-            <a:endParaRPr lang="en-US" baseline="0" dirty="0" smtClean="0"/>
-          </a:p>
-          <a:p>
-            <a:pPr marL="0" marR="0" lvl="1" indent="0" algn="l" defTabSz="949325" rtl="0" eaLnBrk="0" fontAlgn="base" latinLnBrk="0" hangingPunct="0">
-              <a:lnSpc>
-                <a:spcPct val="100000"/>
-              </a:lnSpc>
-              <a:spcBef>
-                <a:spcPct val="30000"/>
-              </a:spcBef>
-              <a:spcAft>
-                <a:spcPct val="0"/>
-              </a:spcAft>
-              <a:buClrTx/>
-              <a:buSzTx/>
-              <a:buFontTx/>
-              <a:buNone/>
-              <a:tabLst/>
-              <a:defRPr/>
-            </a:pPr>
-            <a:endParaRPr lang="en-US" baseline="0" dirty="0" smtClean="0"/>
-          </a:p>
-          <a:p>
-            <a:pPr marL="0" marR="0" lvl="1" indent="0" algn="l" defTabSz="949325" rtl="0" eaLnBrk="0" fontAlgn="base" latinLnBrk="0" hangingPunct="0">
-              <a:lnSpc>
-                <a:spcPct val="100000"/>
-              </a:lnSpc>
-              <a:spcBef>
-                <a:spcPct val="30000"/>
-              </a:spcBef>
-              <a:spcAft>
-                <a:spcPct val="0"/>
-              </a:spcAft>
-              <a:buClrTx/>
-              <a:buSzTx/>
-              <a:buFontTx/>
-              <a:buNone/>
-              <a:tabLst/>
-              <a:defRPr/>
-            </a:pPr>
-            <a:r>
-              <a:rPr lang="en-US" dirty="0" smtClean="0"/>
-              <a:t>Missed by static analysis, </a:t>
-            </a:r>
-            <a:r>
-              <a:rPr lang="en-US" dirty="0" err="1" smtClean="0"/>
-              <a:t>blackbox</a:t>
-            </a:r>
-            <a:r>
-              <a:rPr lang="en-US" dirty="0" smtClean="0"/>
-              <a:t> fuzzing</a:t>
-            </a:r>
-          </a:p>
-          <a:p>
-            <a:pPr marL="0" marR="0" lvl="1" indent="0" algn="l" defTabSz="949325" rtl="0" eaLnBrk="0" fontAlgn="base" latinLnBrk="0" hangingPunct="0">
-              <a:lnSpc>
-                <a:spcPct val="100000"/>
-              </a:lnSpc>
-              <a:spcBef>
-                <a:spcPct val="30000"/>
-              </a:spcBef>
-              <a:spcAft>
-                <a:spcPct val="0"/>
-              </a:spcAft>
-              <a:buClrTx/>
-              <a:buSzTx/>
-              <a:buFontTx/>
-              <a:buNone/>
-              <a:tabLst/>
-              <a:defRPr/>
-            </a:pPr>
-            <a:endParaRPr lang="en-US" dirty="0" smtClean="0"/>
-          </a:p>
-          <a:p>
-            <a:pPr marL="0" marR="0" lvl="1" indent="0" algn="l" defTabSz="949325" rtl="0" eaLnBrk="0" fontAlgn="base" latinLnBrk="0" hangingPunct="0">
-              <a:lnSpc>
-                <a:spcPct val="100000"/>
-              </a:lnSpc>
-              <a:spcBef>
-                <a:spcPct val="30000"/>
-              </a:spcBef>
-              <a:spcAft>
-                <a:spcPct val="0"/>
-              </a:spcAft>
-              <a:buClrTx/>
-              <a:buSzTx/>
-              <a:buFontTx/>
-              <a:buNone/>
-              <a:tabLst/>
-              <a:defRPr/>
-            </a:pPr>
-            <a:r>
-              <a:rPr lang="en-US" dirty="0" smtClean="0"/>
-              <a:t>Bug fixes shipped quietly (no MSRCs) to 1 Billion+ PCs</a:t>
-            </a:r>
-          </a:p>
-          <a:p>
-            <a:endParaRPr lang="en-US" dirty="0"/>
-          </a:p>
-        </p:txBody>
-      </p:sp>
-      <p:sp>
-        <p:nvSpPr>
-          <p:cNvPr id="4" name="Slide Number Placeholder 3"/>
-          <p:cNvSpPr>
+              <a:rPr lang="en-US" smtClean="0"/>
+              <a:t>Recall that MSRC 7051 was an error in validating the length field of strf records. </a:t>
+            </a:r>
+          </a:p>
+        </p:txBody>
+      </p:sp>
+      <p:sp>
+        <p:nvSpPr>
+          <p:cNvPr id="65540" name="Slide Number Placeholder 3"/>
+          <p:cNvSpPr txBox="1">
             <a:spLocks noGrp="1"/>
           </p:cNvSpPr>
-          <p:nvPr>
-            <p:ph type="sldNum" sz="quarter" idx="10"/>
-          </p:nvPr>
-        </p:nvSpPr>
-        <p:spPr/>
-        <p:txBody>
-          <a:bodyPr/>
+          <p:nvPr/>
+        </p:nvSpPr>
+        <p:spPr bwMode="auto">
+          <a:xfrm>
+            <a:off x="3962400" y="8805863"/>
+            <a:ext cx="3033713" cy="463550"/>
+          </a:xfrm>
+          <a:prstGeom prst="rect">
+            <a:avLst/>
+          </a:prstGeom>
+          <a:noFill/>
+          <a:ln w="9525">
+            <a:noFill/>
+            <a:miter lim="800000"/>
+            <a:headEnd/>
+            <a:tailEnd/>
+          </a:ln>
+        </p:spPr>
+        <p:txBody>
+          <a:bodyPr lIns="93023" tIns="46511" rIns="93023" bIns="46511" anchor="b"/>
           <a:lstStyle/>
           <a:p>
-            <a:pPr>
-              <a:defRPr/>
-            </a:pPr>
-            <a:fld id="{AD4F4EA6-5845-44FF-A607-F66F4E3D93D5}" type="slidenum">
-              <a:rPr lang="en-US" smtClean="0"/>
-              <a:pPr>
-                <a:defRPr/>
-              </a:pPr>
-              <a:t>22</a:t>
+            <a:pPr algn="r" defTabSz="930275"/>
+            <a:fld id="{642D7E51-E03C-4477-907A-118E33734783}" type="slidenum">
+              <a:rPr lang="en-US" sz="1300">
+                <a:latin typeface="Calibri" pitchFamily="34" charset="0"/>
+              </a:rPr>
+              <a:pPr algn="r" defTabSz="930275"/>
+              <a:t>19</a:t>
             </a:fld>
-            <a:endParaRPr lang="en-US"/>
+            <a:endParaRPr lang="en-US" sz="1300">
+              <a:latin typeface="Calibri" pitchFamily="34" charset="0"/>
+            </a:endParaRPr>
           </a:p>
         </p:txBody>
       </p:sp>
     </p:spTree>
     <p:extLst>
       <p:ext uri="{BB962C8B-B14F-4D97-AF65-F5344CB8AC3E}">
-        <p14:creationId xmlns:p14="http://schemas.microsoft.com/office/powerpoint/2010/main" val="48286060"/>
+        <p14:creationId xmlns:p14="http://schemas.microsoft.com/office/powerpoint/2010/main" val="2519310686"/>
       </p:ext>
     </p:extLst>
   </p:cSld>
@@ -1723,19 +1728,25 @@
       </p:grpSpPr>
       <p:sp>
         <p:nvSpPr>
-          <p:cNvPr id="2" name="Slide Image Placeholder 1"/>
+          <p:cNvPr id="38913" name="Slide Image Placeholder 1"/>
           <p:cNvSpPr>
-            <a:spLocks noGrp="1" noRot="1" noChangeAspect="1"/>
+            <a:spLocks noGrp="1" noRot="1" noChangeAspect="1" noTextEdit="1"/>
           </p:cNvSpPr>
           <p:nvPr>
             <p:ph type="sldImg"/>
           </p:nvPr>
         </p:nvSpPr>
-        <p:spPr/>
-      </p:sp>
-      <p:sp>
-        <p:nvSpPr>
-          <p:cNvPr id="3" name="Notes Placeholder 2"/>
+        <p:spPr>
+          <a:xfrm>
+            <a:off x="409575" y="695325"/>
+            <a:ext cx="6178550" cy="3476625"/>
+          </a:xfrm>
+          <a:ln/>
+        </p:spPr>
+      </p:sp>
+      <p:sp>
+        <p:nvSpPr>
+          <p:cNvPr id="38914" name="Notes Placeholder 2"/>
           <p:cNvSpPr>
             <a:spLocks noGrp="1"/>
           </p:cNvSpPr>
@@ -1743,42 +1754,91 @@
             <p:ph type="body" idx="1"/>
           </p:nvPr>
         </p:nvSpPr>
-        <p:spPr/>
-        <p:txBody>
-          <a:bodyPr/>
+        <p:spPr>
+          <a:xfrm>
+            <a:off x="700088" y="4403725"/>
+            <a:ext cx="5597525" cy="4171950"/>
+          </a:xfrm>
+          <a:noFill/>
+          <a:ln/>
+        </p:spPr>
+        <p:txBody>
+          <a:bodyPr lIns="93022" tIns="46511" rIns="93022" bIns="46511"/>
           <a:lstStyle/>
           <a:p>
-            <a:endParaRPr lang="en-US" dirty="0"/>
-          </a:p>
-        </p:txBody>
-      </p:sp>
-      <p:sp>
-        <p:nvSpPr>
-          <p:cNvPr id="4" name="Slide Number Placeholder 3"/>
-          <p:cNvSpPr>
+            <a:pPr defTabSz="912813" eaLnBrk="1" hangingPunct="1">
+              <a:spcBef>
+                <a:spcPct val="0"/>
+              </a:spcBef>
+            </a:pPr>
+            <a:endParaRPr lang="en-US" smtClean="0"/>
+          </a:p>
+        </p:txBody>
+      </p:sp>
+      <p:sp>
+        <p:nvSpPr>
+          <p:cNvPr id="38915" name="Slide Number Placeholder 3"/>
+          <p:cNvSpPr txBox="1">
             <a:spLocks noGrp="1"/>
           </p:cNvSpPr>
-          <p:nvPr>
-            <p:ph type="sldNum" sz="quarter" idx="10"/>
-          </p:nvPr>
-        </p:nvSpPr>
-        <p:spPr/>
-        <p:txBody>
-          <a:bodyPr/>
+          <p:nvPr/>
+        </p:nvSpPr>
+        <p:spPr bwMode="auto">
+          <a:xfrm>
+            <a:off x="3963988" y="8805863"/>
+            <a:ext cx="3032125" cy="463550"/>
+          </a:xfrm>
+          <a:prstGeom prst="rect">
+            <a:avLst/>
+          </a:prstGeom>
+          <a:noFill/>
+          <a:ln w="9525">
+            <a:noFill/>
+            <a:miter lim="800000"/>
+            <a:headEnd/>
+            <a:tailEnd/>
+          </a:ln>
+        </p:spPr>
+        <p:txBody>
+          <a:bodyPr lIns="93022" tIns="46511" rIns="93022" bIns="46511" anchor="b"/>
           <a:lstStyle/>
           <a:p>
-            <a:fld id="{EBA7EB3C-5F80-452D-B4B8-FC755A965A76}" type="slidenum">
-              <a:rPr lang="en-US" smtClean="0"/>
-              <a:t>26</a:t>
+            <a:pPr algn="r" defTabSz="930275" fontAlgn="base">
+              <a:spcBef>
+                <a:spcPct val="0"/>
+              </a:spcBef>
+              <a:spcAft>
+                <a:spcPct val="0"/>
+              </a:spcAft>
+            </a:pPr>
+            <a:fld id="{BA1367C5-A2A2-4C1E-ABB5-64C099FD7265}" type="slidenum">
+              <a:rPr lang="en-US" sz="1200">
+                <a:solidFill>
+                  <a:srgbClr val="000000"/>
+                </a:solidFill>
+              </a:rPr>
+              <a:pPr algn="r" defTabSz="930275" fontAlgn="base">
+                <a:spcBef>
+                  <a:spcPct val="0"/>
+                </a:spcBef>
+                <a:spcAft>
+                  <a:spcPct val="0"/>
+                </a:spcAft>
+              </a:pPr>
+              <a:t>20</a:t>
             </a:fld>
-            <a:endParaRPr lang="en-US"/>
+            <a:endParaRPr lang="en-US" sz="1200">
+              <a:solidFill>
+                <a:srgbClr val="000000"/>
+              </a:solidFill>
+            </a:endParaRPr>
           </a:p>
         </p:txBody>
       </p:sp>
     </p:spTree>
     <p:extLst>
       <p:ext uri="{BB962C8B-B14F-4D97-AF65-F5344CB8AC3E}">
-        <p14:creationId xmlns:p14="http://schemas.microsoft.com/office/powerpoint/2010/main" val="4198219801"/>
+        <p14:creationId xmlns:p14="http://schemas.microsoft.com/office/powerpoint/2010/main" val="989647722"/>
       </p:ext>
     </p:extLst>
   </p:cSld>
@@ -1807,49 +1867,21 @@
       </p:grpSpPr>
       <p:sp>
         <p:nvSpPr>
-          <p:cNvPr id="7" name="Rectangle 7"/>
+          <p:cNvPr id="2" name="Slide Image Placeholder 1"/>
           <p:cNvSpPr>
-            <a:spLocks noGrp="1" noChangeArrowheads="1"/>
-          </p:cNvSpPr>
-          <p:nvPr>
-            <p:ph type="sldNum" sz="quarter" idx="5"/>
-          </p:nvPr>
-        </p:nvSpPr>
-        <p:spPr>
-          <a:ln/>
-        </p:spPr>
-        <p:txBody>
-          <a:bodyPr/>
-          <a:lstStyle/>
-          <a:p>
-            <a:fld id="{DB936A3C-7E50-474B-9072-94873BDF0A22}" type="slidenum">
-              <a:rPr lang="en-US"/>
-              <a:pPr/>
-              <a:t>43</a:t>
-            </a:fld>
-            <a:endParaRPr lang="en-US"/>
-          </a:p>
-        </p:txBody>
-      </p:sp>
-      <p:sp>
-        <p:nvSpPr>
-          <p:cNvPr id="793602" name="Rectangle 2"/>
-          <p:cNvSpPr>
-            <a:spLocks noGrp="1" noRot="1" noChangeAspect="1" noChangeArrowheads="1" noTextEdit="1"/>
+            <a:spLocks noGrp="1" noRot="1" noChangeAspect="1"/>
           </p:cNvSpPr>
           <p:nvPr>
             <p:ph type="sldImg"/>
           </p:nvPr>
         </p:nvSpPr>
-        <p:spPr>
-          <a:ln/>
-        </p:spPr>
-      </p:sp>
-      <p:sp>
-        <p:nvSpPr>
-          <p:cNvPr id="793603" name="Rectangle 3"/>
+        <p:spPr/>
+      </p:sp>
+      <p:sp>
+        <p:nvSpPr>
+          <p:cNvPr id="3" name="Notes Placeholder 2"/>
           <p:cNvSpPr>
-            <a:spLocks noGrp="1" noChangeArrowheads="1"/>
+            <a:spLocks noGrp="1"/>
           </p:cNvSpPr>
           <p:nvPr>
             <p:ph type="body" idx="1"/>
@@ -1860,22 +1892,260 @@
           <a:bodyPr/>
           <a:lstStyle/>
           <a:p>
+            <a:pPr marL="0" marR="0" lvl="1" indent="0" algn="l" defTabSz="949325" rtl="0" eaLnBrk="0" fontAlgn="base" latinLnBrk="0" hangingPunct="0">
+              <a:lnSpc>
+                <a:spcPct val="100000"/>
+              </a:lnSpc>
+              <a:spcBef>
+                <a:spcPct val="30000"/>
+              </a:spcBef>
+              <a:spcAft>
+                <a:spcPct val="0"/>
+              </a:spcAft>
+              <a:buClrTx/>
+              <a:buSzTx/>
+              <a:buFontTx/>
+              <a:buNone/>
+              <a:tabLst/>
+              <a:defRPr/>
+            </a:pPr>
             <a:r>
               <a:rPr lang="en-US" dirty="0" smtClean="0"/>
-              <a:t>A very old</a:t>
+              <a:t>Test generation is</a:t>
             </a:r>
             <a:r>
               <a:rPr lang="en-US" baseline="0" dirty="0" smtClean="0"/>
-              <a:t> idea from the 70ties.</a:t>
-            </a:r>
+              <a:t> big business</a:t>
+            </a:r>
+            <a:endParaRPr lang="en-US" dirty="0" smtClean="0"/>
+          </a:p>
+          <a:p>
+            <a:pPr marL="0" marR="0" lvl="1" indent="0" algn="l" defTabSz="949325" rtl="0" eaLnBrk="0" fontAlgn="base" latinLnBrk="0" hangingPunct="0">
+              <a:lnSpc>
+                <a:spcPct val="100000"/>
+              </a:lnSpc>
+              <a:spcBef>
+                <a:spcPct val="30000"/>
+              </a:spcBef>
+              <a:spcAft>
+                <a:spcPct val="0"/>
+              </a:spcAft>
+              <a:buClrTx/>
+              <a:buSzTx/>
+              <a:buFontTx/>
+              <a:buNone/>
+              <a:tabLst/>
+              <a:defRPr/>
+            </a:pPr>
+            <a:endParaRPr lang="en-US" dirty="0" smtClean="0"/>
+          </a:p>
+          <a:p>
+            <a:pPr marL="0" marR="0" lvl="1" indent="0" algn="l" defTabSz="949325" rtl="0" eaLnBrk="0" fontAlgn="base" latinLnBrk="0" hangingPunct="0">
+              <a:lnSpc>
+                <a:spcPct val="100000"/>
+              </a:lnSpc>
+              <a:spcBef>
+                <a:spcPct val="30000"/>
+              </a:spcBef>
+              <a:spcAft>
+                <a:spcPct val="0"/>
+              </a:spcAft>
+              <a:buClrTx/>
+              <a:buSzTx/>
+              <a:buFontTx/>
+              <a:buNone/>
+              <a:tabLst/>
+              <a:defRPr/>
+            </a:pPr>
+            <a:r>
+              <a:rPr lang="en-US" dirty="0" smtClean="0"/>
+              <a:t>What is the #1 application of SMT solvers</a:t>
+            </a:r>
+            <a:r>
+              <a:rPr lang="en-US" baseline="0" dirty="0" smtClean="0"/>
+              <a:t> today measured by CPU usage? Test Generation</a:t>
+            </a:r>
+          </a:p>
+          <a:p>
+            <a:pPr marL="0" marR="0" lvl="1" indent="0" algn="l" defTabSz="949325" rtl="0" eaLnBrk="0" fontAlgn="base" latinLnBrk="0" hangingPunct="0">
+              <a:lnSpc>
+                <a:spcPct val="100000"/>
+              </a:lnSpc>
+              <a:spcBef>
+                <a:spcPct val="30000"/>
+              </a:spcBef>
+              <a:spcAft>
+                <a:spcPct val="0"/>
+              </a:spcAft>
+              <a:buClrTx/>
+              <a:buSzTx/>
+              <a:buFontTx/>
+              <a:buNone/>
+              <a:tabLst/>
+              <a:defRPr/>
+            </a:pPr>
+            <a:endParaRPr lang="en-US" baseline="0" dirty="0" smtClean="0"/>
+          </a:p>
+          <a:p>
+            <a:pPr marL="0" marR="0" lvl="1" indent="0" algn="l" defTabSz="949325" rtl="0" eaLnBrk="0" fontAlgn="base" latinLnBrk="0" hangingPunct="0">
+              <a:lnSpc>
+                <a:spcPct val="100000"/>
+              </a:lnSpc>
+              <a:spcBef>
+                <a:spcPct val="30000"/>
+              </a:spcBef>
+              <a:spcAft>
+                <a:spcPct val="0"/>
+              </a:spcAft>
+              <a:buClrTx/>
+              <a:buSzTx/>
+              <a:buFontTx/>
+              <a:buNone/>
+              <a:tabLst/>
+              <a:defRPr/>
+            </a:pPr>
+            <a:r>
+              <a:rPr lang="en-US" baseline="0" dirty="0" smtClean="0"/>
+              <a:t>Specifically, at Microsoft, we are using this tool named SAGE for finding security bugs using automatic test </a:t>
+            </a:r>
+            <a:r>
+              <a:rPr lang="en-US" baseline="0" smtClean="0"/>
+              <a:t>generation techniques</a:t>
+            </a:r>
+            <a:endParaRPr lang="en-US" baseline="0" dirty="0" smtClean="0"/>
+          </a:p>
+          <a:p>
+            <a:pPr marL="0" marR="0" lvl="1" indent="0" algn="l" defTabSz="949325" rtl="0" eaLnBrk="0" fontAlgn="base" latinLnBrk="0" hangingPunct="0">
+              <a:lnSpc>
+                <a:spcPct val="100000"/>
+              </a:lnSpc>
+              <a:spcBef>
+                <a:spcPct val="30000"/>
+              </a:spcBef>
+              <a:spcAft>
+                <a:spcPct val="0"/>
+              </a:spcAft>
+              <a:buClrTx/>
+              <a:buSzTx/>
+              <a:buFontTx/>
+              <a:buNone/>
+              <a:tabLst/>
+              <a:defRPr/>
+            </a:pPr>
+            <a:endParaRPr lang="en-US" baseline="0" dirty="0" smtClean="0"/>
+          </a:p>
+          <a:p>
+            <a:pPr marL="0" marR="0" lvl="1" indent="0" algn="l" defTabSz="949325" rtl="0" eaLnBrk="0" fontAlgn="base" latinLnBrk="0" hangingPunct="0">
+              <a:lnSpc>
+                <a:spcPct val="100000"/>
+              </a:lnSpc>
+              <a:spcBef>
+                <a:spcPct val="30000"/>
+              </a:spcBef>
+              <a:spcAft>
+                <a:spcPct val="0"/>
+              </a:spcAft>
+              <a:buClrTx/>
+              <a:buSzTx/>
+              <a:buFontTx/>
+              <a:buNone/>
+              <a:tabLst/>
+              <a:defRPr/>
+            </a:pPr>
+            <a:r>
+              <a:rPr lang="en-US" dirty="0" smtClean="0"/>
+              <a:t>Missed by static analysis, </a:t>
+            </a:r>
+            <a:r>
+              <a:rPr lang="en-US" dirty="0" err="1" smtClean="0"/>
+              <a:t>blackbox</a:t>
+            </a:r>
+            <a:r>
+              <a:rPr lang="en-US" dirty="0" smtClean="0"/>
+              <a:t> fuzzing</a:t>
+            </a:r>
+          </a:p>
+          <a:p>
+            <a:pPr marL="0" marR="0" lvl="1" indent="0" algn="l" defTabSz="949325" rtl="0" eaLnBrk="0" fontAlgn="base" latinLnBrk="0" hangingPunct="0">
+              <a:lnSpc>
+                <a:spcPct val="100000"/>
+              </a:lnSpc>
+              <a:spcBef>
+                <a:spcPct val="30000"/>
+              </a:spcBef>
+              <a:spcAft>
+                <a:spcPct val="0"/>
+              </a:spcAft>
+              <a:buClrTx/>
+              <a:buSzTx/>
+              <a:buFontTx/>
+              <a:buNone/>
+              <a:tabLst/>
+              <a:defRPr/>
+            </a:pPr>
+            <a:endParaRPr lang="en-US" dirty="0" smtClean="0"/>
+          </a:p>
+          <a:p>
+            <a:pPr marL="0" marR="0" lvl="1" indent="0" algn="l" defTabSz="949325" rtl="0" eaLnBrk="0" fontAlgn="base" latinLnBrk="0" hangingPunct="0">
+              <a:lnSpc>
+                <a:spcPct val="100000"/>
+              </a:lnSpc>
+              <a:spcBef>
+                <a:spcPct val="30000"/>
+              </a:spcBef>
+              <a:spcAft>
+                <a:spcPct val="0"/>
+              </a:spcAft>
+              <a:buClrTx/>
+              <a:buSzTx/>
+              <a:buFontTx/>
+              <a:buNone/>
+              <a:tabLst/>
+              <a:defRPr/>
+            </a:pPr>
+            <a:r>
+              <a:rPr lang="en-US" dirty="0" smtClean="0"/>
+              <a:t>Bug fixes shipped quietly (no MSRCs) to 1 Billion+ PCs</a:t>
+            </a:r>
+          </a:p>
+          <a:p>
             <a:endParaRPr lang="en-US" dirty="0"/>
+          </a:p>
+        </p:txBody>
+      </p:sp>
+      <p:sp>
+        <p:nvSpPr>
+          <p:cNvPr id="4" name="Slide Number Placeholder 3"/>
+          <p:cNvSpPr>
+            <a:spLocks noGrp="1"/>
+          </p:cNvSpPr>
+          <p:nvPr>
+            <p:ph type="sldNum" sz="quarter" idx="10"/>
+          </p:nvPr>
+        </p:nvSpPr>
+        <p:spPr/>
+        <p:txBody>
+          <a:bodyPr/>
+          <a:lstStyle/>
+          <a:p>
+            <a:pPr>
+              <a:defRPr/>
+            </a:pPr>
+            <a:fld id="{AD4F4EA6-5845-44FF-A607-F66F4E3D93D5}" type="slidenum">
+              <a:rPr lang="en-US" smtClean="0"/>
+              <a:pPr>
+                <a:defRPr/>
+              </a:pPr>
+              <a:t>21</a:t>
+            </a:fld>
+            <a:endParaRPr lang="en-US"/>
           </a:p>
         </p:txBody>
       </p:sp>
     </p:spTree>
     <p:extLst>
       <p:ext uri="{BB962C8B-B14F-4D97-AF65-F5344CB8AC3E}">
-        <p14:creationId xmlns:p14="http://schemas.microsoft.com/office/powerpoint/2010/main" val="1946357227"/>
+        <p14:creationId xmlns:p14="http://schemas.microsoft.com/office/powerpoint/2010/main" val="48286060"/>
       </p:ext>
     </p:extLst>
   </p:cSld>
@@ -1950,7 +2220,7 @@
           <a:p>
             <a:fld id="{EBA7EB3C-5F80-452D-B4B8-FC755A965A76}" type="slidenum">
               <a:rPr lang="en-US" smtClean="0"/>
-              <a:t>46</a:t>
+              <a:t>24</a:t>
             </a:fld>
             <a:endParaRPr lang="en-US"/>
           </a:p>
@@ -1959,7 +2229,7 @@
     </p:spTree>
     <p:extLst>
       <p:ext uri="{BB962C8B-B14F-4D97-AF65-F5344CB8AC3E}">
-        <p14:creationId xmlns:p14="http://schemas.microsoft.com/office/powerpoint/2010/main" val="1749971107"/>
+        <p14:creationId xmlns:p14="http://schemas.microsoft.com/office/powerpoint/2010/main" val="4198219801"/>
       </p:ext>
     </p:extLst>
   </p:cSld>
@@ -2010,23 +2280,9 @@
         </p:nvSpPr>
         <p:spPr/>
         <p:txBody>
-          <a:bodyPr>
-            <a:normAutofit/>
-          </a:bodyPr>
+          <a:bodyPr/>
           <a:lstStyle/>
           <a:p>
-            <a:r>
-              <a:rPr lang="en-US" dirty="0" smtClean="0"/>
-              <a:t>Note that  </a:t>
-            </a:r>
-            <a:r>
-              <a:rPr lang="en-US" dirty="0" err="1" smtClean="0"/>
-              <a:t>neg</a:t>
-            </a:r>
-            <a:r>
-              <a:rPr lang="en-US" dirty="0" smtClean="0"/>
-              <a:t>(F) is in CNF!</a:t>
-            </a:r>
             <a:endParaRPr lang="en-US" dirty="0"/>
           </a:p>
         </p:txBody>
@@ -2046,15 +2302,9 @@
           <a:bodyPr/>
           <a:lstStyle/>
           <a:p>
-            <a:pPr>
-              <a:defRPr/>
-            </a:pPr>
-            <a:fld id="{CC76187E-C4F0-476C-90BC-34C61DB82759}" type="slidenum">
+            <a:fld id="{EBA7EB3C-5F80-452D-B4B8-FC755A965A76}" type="slidenum">
               <a:rPr lang="en-US" smtClean="0"/>
-              <a:pPr>
-                <a:defRPr/>
-              </a:pPr>
-              <a:t>49</a:t>
+              <a:t>31</a:t>
             </a:fld>
             <a:endParaRPr lang="en-US"/>
           </a:p>
@@ -2063,7 +2313,7 @@
     </p:spTree>
     <p:extLst>
       <p:ext uri="{BB962C8B-B14F-4D97-AF65-F5344CB8AC3E}">
-        <p14:creationId xmlns:p14="http://schemas.microsoft.com/office/powerpoint/2010/main" val="3598322956"/>
+        <p14:creationId xmlns:p14="http://schemas.microsoft.com/office/powerpoint/2010/main" val="2028063220"/>
       </p:ext>
     </p:extLst>
   </p:cSld>
@@ -2204,7 +2454,7 @@
           <a:p>
             <a:fld id="{A752D9B3-807F-4B33-9646-5B5D18043D19}" type="datetimeFigureOut">
               <a:rPr lang="en-US" smtClean="0"/>
-              <a:t>7/2/2014</a:t>
+              <a:t>7/31/2014</a:t>
             </a:fld>
             <a:endParaRPr lang="en-US"/>
           </a:p>
@@ -2374,7 +2624,7 @@
           <a:p>
             <a:fld id="{A752D9B3-807F-4B33-9646-5B5D18043D19}" type="datetimeFigureOut">
               <a:rPr lang="en-US" smtClean="0"/>
-              <a:t>7/2/2014</a:t>
+              <a:t>7/31/2014</a:t>
             </a:fld>
             <a:endParaRPr lang="en-US"/>
           </a:p>
@@ -2554,7 +2804,7 @@
           <a:p>
             <a:fld id="{A752D9B3-807F-4B33-9646-5B5D18043D19}" type="datetimeFigureOut">
               <a:rPr lang="en-US" smtClean="0"/>
-              <a:t>7/2/2014</a:t>
+              <a:t>7/31/2014</a:t>
             </a:fld>
             <a:endParaRPr lang="en-US"/>
           </a:p>
@@ -4906,7 +5156,7 @@
           <a:p>
             <a:fld id="{A752D9B3-807F-4B33-9646-5B5D18043D19}" type="datetimeFigureOut">
               <a:rPr lang="en-US" smtClean="0"/>
-              <a:t>7/2/2014</a:t>
+              <a:t>7/31/2014</a:t>
             </a:fld>
             <a:endParaRPr lang="en-US"/>
           </a:p>
@@ -6799,7 +7049,7 @@
           <a:p>
             <a:fld id="{A752D9B3-807F-4B33-9646-5B5D18043D19}" type="datetimeFigureOut">
               <a:rPr lang="en-US" smtClean="0"/>
-              <a:t>7/2/2014</a:t>
+              <a:t>7/31/2014</a:t>
             </a:fld>
             <a:endParaRPr lang="en-US"/>
           </a:p>
@@ -7682,7 +7932,7 @@
           <a:p>
             <a:fld id="{A752D9B3-807F-4B33-9646-5B5D18043D19}" type="datetimeFigureOut">
               <a:rPr lang="en-US" smtClean="0"/>
-              <a:t>7/2/2014</a:t>
+              <a:t>7/31/2014</a:t>
             </a:fld>
             <a:endParaRPr lang="en-US"/>
           </a:p>
@@ -8049,7 +8299,7 @@
           <a:p>
             <a:fld id="{A752D9B3-807F-4B33-9646-5B5D18043D19}" type="datetimeFigureOut">
               <a:rPr lang="en-US" smtClean="0"/>
-              <a:t>7/2/2014</a:t>
+              <a:t>7/31/2014</a:t>
             </a:fld>
             <a:endParaRPr lang="en-US"/>
           </a:p>
@@ -8167,7 +8417,7 @@
           <a:p>
             <a:fld id="{A752D9B3-807F-4B33-9646-5B5D18043D19}" type="datetimeFigureOut">
               <a:rPr lang="en-US" smtClean="0"/>
-              <a:t>7/2/2014</a:t>
+              <a:t>7/31/2014</a:t>
             </a:fld>
             <a:endParaRPr lang="en-US"/>
           </a:p>
@@ -8262,7 +8512,7 @@
           <a:p>
             <a:fld id="{A752D9B3-807F-4B33-9646-5B5D18043D19}" type="datetimeFigureOut">
               <a:rPr lang="en-US" smtClean="0"/>
-              <a:t>7/2/2014</a:t>
+              <a:t>7/31/2014</a:t>
             </a:fld>
             <a:endParaRPr lang="en-US"/>
           </a:p>
@@ -8539,7 +8789,7 @@
           <a:p>
             <a:fld id="{A752D9B3-807F-4B33-9646-5B5D18043D19}" type="datetimeFigureOut">
               <a:rPr lang="en-US" smtClean="0"/>
-              <a:t>7/2/2014</a:t>
+              <a:t>7/31/2014</a:t>
             </a:fld>
             <a:endParaRPr lang="en-US"/>
           </a:p>
@@ -8792,7 +9042,7 @@
           <a:p>
             <a:fld id="{A752D9B3-807F-4B33-9646-5B5D18043D19}" type="datetimeFigureOut">
               <a:rPr lang="en-US" smtClean="0"/>
-              <a:t>7/2/2014</a:t>
+              <a:t>7/31/2014</a:t>
             </a:fld>
             <a:endParaRPr lang="en-US"/>
           </a:p>
@@ -9005,7 +9255,7 @@
           <a:p>
             <a:fld id="{A752D9B3-807F-4B33-9646-5B5D18043D19}" type="datetimeFigureOut">
               <a:rPr lang="en-US" smtClean="0"/>
-              <a:t>7/2/2014</a:t>
+              <a:t>7/31/2014</a:t>
             </a:fld>
             <a:endParaRPr lang="en-US"/>
           </a:p>
@@ -10849,7 +11099,7 @@
           <p:nvPr/>
         </p:nvPicPr>
         <p:blipFill>
-          <a:blip r:embed="rId2" cstate="print"/>
+          <a:blip r:embed="rId3" cstate="print"/>
           <a:stretch>
             <a:fillRect/>
           </a:stretch>
@@ -10873,7 +11123,7 @@
           <p:nvPr/>
         </p:nvPicPr>
         <p:blipFill>
-          <a:blip r:embed="rId3" cstate="print"/>
+          <a:blip r:embed="rId4" cstate="print"/>
           <a:srcRect/>
           <a:stretch>
             <a:fillRect/>
@@ -14392,7 +14642,7 @@
               <a:buFontTx/>
               <a:buNone/>
             </a:pPr>
-            <a:endParaRPr lang="en-US" sz="1400" b="1">
+            <a:endParaRPr lang="en-US" sz="1400" b="1" dirty="0">
               <a:latin typeface="Courier New" pitchFamily="49" charset="0"/>
             </a:endParaRPr>
           </a:p>
@@ -14402,7 +14652,7 @@
               <a:buNone/>
             </a:pPr>
             <a:r>
-              <a:rPr lang="en-US" sz="1800">
+              <a:rPr lang="en-US" sz="1800" dirty="0">
                 <a:latin typeface="Lucida Console" pitchFamily="49" charset="0"/>
               </a:rPr>
               <a:t>void top(char input[4]) </a:t>
@@ -14414,7 +14664,7 @@
               <a:buNone/>
             </a:pPr>
             <a:r>
-              <a:rPr lang="en-US" sz="1800">
+              <a:rPr lang="en-US" sz="1800" dirty="0">
                 <a:latin typeface="Lucida Console" pitchFamily="49" charset="0"/>
               </a:rPr>
               <a:t>{</a:t>
@@ -14426,10 +14676,34 @@
               <a:buNone/>
             </a:pPr>
             <a:r>
-              <a:rPr lang="en-US" sz="1800">
+              <a:rPr lang="en-US" sz="1800" dirty="0">
                 <a:latin typeface="Lucida Console" pitchFamily="49" charset="0"/>
               </a:rPr>
-              <a:t>   int cnt = 0;</a:t>
+              <a:t>   </a:t>
+            </a:r>
+            <a:r>
+              <a:rPr lang="en-US" sz="1800" dirty="0" err="1">
+                <a:latin typeface="Lucida Console" pitchFamily="49" charset="0"/>
+              </a:rPr>
+              <a:t>int</a:t>
+            </a:r>
+            <a:r>
+              <a:rPr lang="en-US" sz="1800" dirty="0">
+                <a:latin typeface="Lucida Console" pitchFamily="49" charset="0"/>
+              </a:rPr>
+              <a:t> </a:t>
+            </a:r>
+            <a:r>
+              <a:rPr lang="en-US" sz="1800" dirty="0" err="1">
+                <a:latin typeface="Lucida Console" pitchFamily="49" charset="0"/>
+              </a:rPr>
+              <a:t>cnt</a:t>
+            </a:r>
+            <a:r>
+              <a:rPr lang="en-US" sz="1800" dirty="0">
+                <a:latin typeface="Lucida Console" pitchFamily="49" charset="0"/>
+              </a:rPr>
+              <a:t> = 0;</a:t>
             </a:r>
           </a:p>
           <a:p>
@@ -14438,10 +14712,22 @@
               <a:buNone/>
             </a:pPr>
             <a:r>
-              <a:rPr lang="en-US" sz="1800">
+              <a:rPr lang="en-US" sz="1800" dirty="0">
                 <a:latin typeface="Lucida Console" pitchFamily="49" charset="0"/>
               </a:rPr>
-              <a:t>   if (input[0] == ‘b’) cnt++;</a:t>
+              <a:t>   if (input[0] == ‘b’) </a:t>
+            </a:r>
+            <a:r>
+              <a:rPr lang="en-US" sz="1800" dirty="0" err="1">
+                <a:latin typeface="Lucida Console" pitchFamily="49" charset="0"/>
+              </a:rPr>
+              <a:t>cnt</a:t>
+            </a:r>
+            <a:r>
+              <a:rPr lang="en-US" sz="1800" dirty="0">
+                <a:latin typeface="Lucida Console" pitchFamily="49" charset="0"/>
+              </a:rPr>
+              <a:t>++;</a:t>
             </a:r>
           </a:p>
           <a:p>
@@ -14450,10 +14736,22 @@
               <a:buNone/>
             </a:pPr>
             <a:r>
-              <a:rPr lang="en-US" sz="1800">
+              <a:rPr lang="en-US" sz="1800" dirty="0">
                 <a:latin typeface="Lucida Console" pitchFamily="49" charset="0"/>
               </a:rPr>
-              <a:t>   if (input[1] == ‘a’) cnt++;</a:t>
+              <a:t>   if (input[1] == ‘a’) </a:t>
+            </a:r>
+            <a:r>
+              <a:rPr lang="en-US" sz="1800" dirty="0" err="1">
+                <a:latin typeface="Lucida Console" pitchFamily="49" charset="0"/>
+              </a:rPr>
+              <a:t>cnt</a:t>
+            </a:r>
+            <a:r>
+              <a:rPr lang="en-US" sz="1800" dirty="0">
+                <a:latin typeface="Lucida Console" pitchFamily="49" charset="0"/>
+              </a:rPr>
+              <a:t>++;</a:t>
             </a:r>
           </a:p>
           <a:p>
@@ -14462,10 +14760,22 @@
               <a:buNone/>
             </a:pPr>
             <a:r>
-              <a:rPr lang="en-US" sz="1800">
+              <a:rPr lang="en-US" sz="1800" dirty="0">
                 <a:latin typeface="Lucida Console" pitchFamily="49" charset="0"/>
               </a:rPr>
-              <a:t>   if (input[2] == ‘d’) cnt++;</a:t>
+              <a:t>   if (input[2] == ‘d’) </a:t>
+            </a:r>
+            <a:r>
+              <a:rPr lang="en-US" sz="1800" dirty="0" err="1">
+                <a:latin typeface="Lucida Console" pitchFamily="49" charset="0"/>
+              </a:rPr>
+              <a:t>cnt</a:t>
+            </a:r>
+            <a:r>
+              <a:rPr lang="en-US" sz="1800" dirty="0">
+                <a:latin typeface="Lucida Console" pitchFamily="49" charset="0"/>
+              </a:rPr>
+              <a:t>++;</a:t>
             </a:r>
           </a:p>
           <a:p>
@@ -14474,10 +14784,22 @@
               <a:buNone/>
             </a:pPr>
             <a:r>
-              <a:rPr lang="en-US" sz="1800">
+              <a:rPr lang="en-US" sz="1800" dirty="0">
                 <a:latin typeface="Lucida Console" pitchFamily="49" charset="0"/>
               </a:rPr>
-              <a:t>   if (input[3] == ‘!’) cnt++;</a:t>
+              <a:t>   if (input[3] == ‘!’) </a:t>
+            </a:r>
+            <a:r>
+              <a:rPr lang="en-US" sz="1800" dirty="0" err="1">
+                <a:latin typeface="Lucida Console" pitchFamily="49" charset="0"/>
+              </a:rPr>
+              <a:t>cnt</a:t>
+            </a:r>
+            <a:r>
+              <a:rPr lang="en-US" sz="1800" dirty="0">
+                <a:latin typeface="Lucida Console" pitchFamily="49" charset="0"/>
+              </a:rPr>
+              <a:t>++;</a:t>
             </a:r>
           </a:p>
           <a:p>
@@ -14486,10 +14808,34 @@
               <a:buNone/>
             </a:pPr>
             <a:r>
+              <a:rPr lang="en-US" sz="1800" dirty="0">
+                <a:latin typeface="Lucida Console" pitchFamily="49" charset="0"/>
+              </a:rPr>
+              <a:t>   if (</a:t>
+            </a:r>
+            <a:r>
+              <a:rPr lang="en-US" sz="1800" dirty="0" err="1">
+                <a:latin typeface="Lucida Console" pitchFamily="49" charset="0"/>
+              </a:rPr>
+              <a:t>cnt</a:t>
+            </a:r>
+            <a:r>
               <a:rPr lang="en-US" sz="1800">
                 <a:latin typeface="Lucida Console" pitchFamily="49" charset="0"/>
               </a:rPr>
-              <a:t>   if (cnt &gt;= 3) crash();</a:t>
+              <a:t> </a:t>
+            </a:r>
+            <a:r>
+              <a:rPr lang="en-US" sz="1800" smtClean="0">
+                <a:latin typeface="Lucida Console" pitchFamily="49" charset="0"/>
+              </a:rPr>
+              <a:t>&gt;3</a:t>
+            </a:r>
+            <a:r>
+              <a:rPr lang="en-US" sz="1800">
+                <a:latin typeface="Lucida Console" pitchFamily="49" charset="0"/>
+              </a:rPr>
+              <a:t>) crash();</a:t>
             </a:r>
           </a:p>
           <a:p>
@@ -14498,7 +14844,7 @@
               <a:buNone/>
             </a:pPr>
             <a:r>
-              <a:rPr lang="en-US" sz="1800">
+              <a:rPr lang="en-US" sz="1800" dirty="0">
                 <a:latin typeface="Lucida Console" pitchFamily="49" charset="0"/>
               </a:rPr>
               <a:t>}</a:t>
@@ -16763,320 +17109,6 @@
       </p:grpSpPr>
       <p:sp>
         <p:nvSpPr>
-          <p:cNvPr id="799746" name="Title 1"/>
-          <p:cNvSpPr>
-            <a:spLocks noGrp="1"/>
-          </p:cNvSpPr>
-          <p:nvPr>
-            <p:ph type="title" idx="4294967295"/>
-          </p:nvPr>
-        </p:nvSpPr>
-        <p:spPr/>
-        <p:txBody>
-          <a:bodyPr vert="horz" wrap="square" lIns="91440" tIns="45720" rIns="91440" bIns="45720" numCol="1" anchor="ctr" anchorCtr="0" compatLnSpc="1">
-            <a:prstTxWarp prst="textNoShape">
-              <a:avLst/>
-            </a:prstTxWarp>
-          </a:bodyPr>
-          <a:lstStyle/>
-          <a:p>
-            <a:pPr eaLnBrk="1" hangingPunct="1">
-              <a:defRPr/>
-            </a:pPr>
-            <a:r>
-              <a:rPr lang="en-US"/>
-              <a:t>The Search Space</a:t>
-            </a:r>
-          </a:p>
-        </p:txBody>
-      </p:sp>
-      <p:sp>
-        <p:nvSpPr>
-          <p:cNvPr id="39938" name="Rectangle 3"/>
-          <p:cNvSpPr txBox="1">
-            <a:spLocks noChangeArrowheads="1"/>
-          </p:cNvSpPr>
-          <p:nvPr/>
-        </p:nvSpPr>
-        <p:spPr bwMode="auto">
-          <a:xfrm>
-            <a:off x="1676400" y="1143000"/>
-            <a:ext cx="3048000" cy="2078038"/>
-          </a:xfrm>
-          <a:prstGeom prst="rect">
-            <a:avLst/>
-          </a:prstGeom>
-          <a:noFill/>
-          <a:ln w="9525">
-            <a:noFill/>
-            <a:miter lim="800000"/>
-            <a:headEnd/>
-            <a:tailEnd/>
-          </a:ln>
-        </p:spPr>
-        <p:txBody>
-          <a:bodyPr/>
-          <a:lstStyle/>
-          <a:p>
-            <a:pPr marL="342900" indent="-342900" fontAlgn="base">
-              <a:spcBef>
-                <a:spcPct val="20000"/>
-              </a:spcBef>
-              <a:spcAft>
-                <a:spcPct val="0"/>
-              </a:spcAft>
-            </a:pPr>
-            <a:endParaRPr lang="en-US" sz="1100" b="1">
-              <a:solidFill>
-                <a:srgbClr val="000000"/>
-              </a:solidFill>
-              <a:latin typeface="Courier New" pitchFamily="49" charset="0"/>
-            </a:endParaRPr>
-          </a:p>
-          <a:p>
-            <a:pPr marL="342900" indent="-342900" fontAlgn="base">
-              <a:spcBef>
-                <a:spcPct val="20000"/>
-              </a:spcBef>
-              <a:spcAft>
-                <a:spcPct val="0"/>
-              </a:spcAft>
-            </a:pPr>
-            <a:r>
-              <a:rPr lang="en-US" sz="1100">
-                <a:solidFill>
-                  <a:srgbClr val="000000"/>
-                </a:solidFill>
-                <a:latin typeface="Lucida Console" pitchFamily="49" charset="0"/>
-              </a:rPr>
-              <a:t>void top(char input[4]) </a:t>
-            </a:r>
-          </a:p>
-          <a:p>
-            <a:pPr marL="342900" indent="-342900" fontAlgn="base">
-              <a:spcBef>
-                <a:spcPct val="20000"/>
-              </a:spcBef>
-              <a:spcAft>
-                <a:spcPct val="0"/>
-              </a:spcAft>
-            </a:pPr>
-            <a:r>
-              <a:rPr lang="en-US" sz="1100">
-                <a:solidFill>
-                  <a:srgbClr val="000000"/>
-                </a:solidFill>
-                <a:latin typeface="Lucida Console" pitchFamily="49" charset="0"/>
-              </a:rPr>
-              <a:t>{</a:t>
-            </a:r>
-          </a:p>
-          <a:p>
-            <a:pPr marL="342900" indent="-342900" fontAlgn="base">
-              <a:spcBef>
-                <a:spcPct val="20000"/>
-              </a:spcBef>
-              <a:spcAft>
-                <a:spcPct val="0"/>
-              </a:spcAft>
-            </a:pPr>
-            <a:r>
-              <a:rPr lang="en-US" sz="1100">
-                <a:solidFill>
-                  <a:srgbClr val="000000"/>
-                </a:solidFill>
-                <a:latin typeface="Lucida Console" pitchFamily="49" charset="0"/>
-              </a:rPr>
-              <a:t>   int cnt = 0;</a:t>
-            </a:r>
-          </a:p>
-          <a:p>
-            <a:pPr marL="342900" indent="-342900" fontAlgn="base">
-              <a:spcBef>
-                <a:spcPct val="20000"/>
-              </a:spcBef>
-              <a:spcAft>
-                <a:spcPct val="0"/>
-              </a:spcAft>
-            </a:pPr>
-            <a:r>
-              <a:rPr lang="en-US" sz="1100">
-                <a:solidFill>
-                  <a:srgbClr val="000000"/>
-                </a:solidFill>
-                <a:latin typeface="Lucida Console" pitchFamily="49" charset="0"/>
-              </a:rPr>
-              <a:t>   if (input[0] == ‘b’) cnt++;</a:t>
-            </a:r>
-          </a:p>
-          <a:p>
-            <a:pPr marL="342900" indent="-342900" fontAlgn="base">
-              <a:spcBef>
-                <a:spcPct val="20000"/>
-              </a:spcBef>
-              <a:spcAft>
-                <a:spcPct val="0"/>
-              </a:spcAft>
-            </a:pPr>
-            <a:r>
-              <a:rPr lang="en-US" sz="1100">
-                <a:solidFill>
-                  <a:srgbClr val="000000"/>
-                </a:solidFill>
-                <a:latin typeface="Lucida Console" pitchFamily="49" charset="0"/>
-              </a:rPr>
-              <a:t>   if (input[1] == ‘a’) cnt++;</a:t>
-            </a:r>
-          </a:p>
-          <a:p>
-            <a:pPr marL="342900" indent="-342900" fontAlgn="base">
-              <a:spcBef>
-                <a:spcPct val="20000"/>
-              </a:spcBef>
-              <a:spcAft>
-                <a:spcPct val="0"/>
-              </a:spcAft>
-            </a:pPr>
-            <a:r>
-              <a:rPr lang="en-US" sz="1100">
-                <a:solidFill>
-                  <a:srgbClr val="000000"/>
-                </a:solidFill>
-                <a:latin typeface="Lucida Console" pitchFamily="49" charset="0"/>
-              </a:rPr>
-              <a:t>   if (input[2] == ‘d’) cnt++;</a:t>
-            </a:r>
-          </a:p>
-          <a:p>
-            <a:pPr marL="342900" indent="-342900" fontAlgn="base">
-              <a:spcBef>
-                <a:spcPct val="20000"/>
-              </a:spcBef>
-              <a:spcAft>
-                <a:spcPct val="0"/>
-              </a:spcAft>
-            </a:pPr>
-            <a:r>
-              <a:rPr lang="en-US" sz="1100">
-                <a:solidFill>
-                  <a:srgbClr val="000000"/>
-                </a:solidFill>
-                <a:latin typeface="Lucida Console" pitchFamily="49" charset="0"/>
-              </a:rPr>
-              <a:t>   if (input[3] == ‘!’) cnt++;</a:t>
-            </a:r>
-          </a:p>
-          <a:p>
-            <a:pPr marL="342900" indent="-342900" fontAlgn="base">
-              <a:spcBef>
-                <a:spcPct val="20000"/>
-              </a:spcBef>
-              <a:spcAft>
-                <a:spcPct val="0"/>
-              </a:spcAft>
-            </a:pPr>
-            <a:r>
-              <a:rPr lang="en-US" sz="1100">
-                <a:solidFill>
-                  <a:srgbClr val="000000"/>
-                </a:solidFill>
-                <a:latin typeface="Lucida Console" pitchFamily="49" charset="0"/>
-              </a:rPr>
-              <a:t>   if (cnt &gt;= 3) crash();</a:t>
-            </a:r>
-          </a:p>
-          <a:p>
-            <a:pPr marL="342900" indent="-342900" fontAlgn="base">
-              <a:spcBef>
-                <a:spcPct val="20000"/>
-              </a:spcBef>
-              <a:spcAft>
-                <a:spcPct val="0"/>
-              </a:spcAft>
-            </a:pPr>
-            <a:r>
-              <a:rPr lang="en-US" sz="1100">
-                <a:solidFill>
-                  <a:srgbClr val="000000"/>
-                </a:solidFill>
-                <a:latin typeface="Lucida Console" pitchFamily="49" charset="0"/>
-              </a:rPr>
-              <a:t>}</a:t>
-            </a:r>
-          </a:p>
-        </p:txBody>
-      </p:sp>
-      <p:pic>
-        <p:nvPicPr>
-          <p:cNvPr id="39939" name="Picture 20" descr="ex-search-space.eps"/>
-          <p:cNvPicPr>
-            <a:picLocks noChangeAspect="1"/>
-          </p:cNvPicPr>
-          <p:nvPr/>
-        </p:nvPicPr>
-        <p:blipFill>
-          <a:blip r:embed="rId2"/>
-          <a:srcRect/>
-          <a:stretch>
-            <a:fillRect/>
-          </a:stretch>
-        </p:blipFill>
-        <p:spPr bwMode="auto">
-          <a:xfrm>
-            <a:off x="1965326" y="2209800"/>
-            <a:ext cx="8183563" cy="3733800"/>
-          </a:xfrm>
-          <a:prstGeom prst="rect">
-            <a:avLst/>
-          </a:prstGeom>
-          <a:noFill/>
-          <a:ln w="9525">
-            <a:noFill/>
-            <a:miter lim="800000"/>
-            <a:headEnd/>
-            <a:tailEnd/>
-          </a:ln>
-        </p:spPr>
-      </p:pic>
-    </p:spTree>
-    <p:extLst>
-      <p:ext uri="{BB962C8B-B14F-4D97-AF65-F5344CB8AC3E}">
-        <p14:creationId xmlns:p14="http://schemas.microsoft.com/office/powerpoint/2010/main" val="2680294685"/>
-      </p:ext>
-    </p:extLst>
-  </p:cSld>
-  <p:clrMapOvr>
-    <a:masterClrMapping/>
-  </p:clrMapOvr>
-  <p:timing>
-    <p:tnLst>
-      <p:par>
-        <p:cTn id="1" dur="indefinite" restart="never" nodeType="tmRoot"/>
-      </p:par>
-    </p:tnLst>
-  </p:timing>
-</p:sld>
-</file>
-
-<file path=ppt/slides/slide22.xml><?xml version="1.0" encoding="utf-8"?>
-<p:sld xmlns:a="http://schemas.openxmlformats.org/drawingml/2006/main" xmlns:r="http://schemas.openxmlformats.org/officeDocument/2006/relationships" xmlns:p="http://schemas.openxmlformats.org/presentationml/2006/main">
-  <p:cSld>
-    <p:spTree>
-      <p:nvGrpSpPr>
-        <p:cNvPr id="1" name=""/>
-        <p:cNvGrpSpPr/>
-        <p:nvPr/>
-      </p:nvGrpSpPr>
-      <p:grpSpPr>
-        <a:xfrm>
-          <a:off x="0" y="0"/>
-          <a:ext cx="0" cy="0"/>
-          <a:chOff x="0" y="0"/>
-          <a:chExt cx="0" cy="0"/>
-        </a:xfrm>
-      </p:grpSpPr>
-      <p:sp>
-        <p:nvSpPr>
           <p:cNvPr id="4" name="Title 3"/>
           <p:cNvSpPr>
             <a:spLocks noGrp="1"/>
@@ -17595,367 +17627,7 @@
 </p:sld>
 </file>
 
-<file path=ppt/slides/slide23.xml><?xml version="1.0" encoding="utf-8"?>
-<p:sld xmlns:a="http://schemas.openxmlformats.org/drawingml/2006/main" xmlns:r="http://schemas.openxmlformats.org/officeDocument/2006/relationships" xmlns:p="http://schemas.openxmlformats.org/presentationml/2006/main">
-  <p:cSld>
-    <p:spTree>
-      <p:nvGrpSpPr>
-        <p:cNvPr id="1" name=""/>
-        <p:cNvGrpSpPr/>
-        <p:nvPr/>
-      </p:nvGrpSpPr>
-      <p:grpSpPr>
-        <a:xfrm>
-          <a:off x="0" y="0"/>
-          <a:ext cx="0" cy="0"/>
-          <a:chOff x="0" y="0"/>
-          <a:chExt cx="0" cy="0"/>
-        </a:xfrm>
-      </p:grpSpPr>
-      <p:sp>
-        <p:nvSpPr>
-          <p:cNvPr id="2" name="Title 1"/>
-          <p:cNvSpPr>
-            <a:spLocks noGrp="1"/>
-          </p:cNvSpPr>
-          <p:nvPr>
-            <p:ph type="title"/>
-          </p:nvPr>
-        </p:nvSpPr>
-        <p:spPr>
-          <a:xfrm>
-            <a:off x="910389" y="94541"/>
-            <a:ext cx="10515600" cy="1325563"/>
-          </a:xfrm>
-        </p:spPr>
-        <p:txBody>
-          <a:bodyPr/>
-          <a:lstStyle/>
-          <a:p>
-            <a:r>
-              <a:rPr lang="en-US" dirty="0" smtClean="0"/>
-              <a:t>Parameterized Unit </a:t>
-            </a:r>
-            <a:r>
-              <a:rPr lang="en-US" dirty="0"/>
-              <a:t>Testing = </a:t>
-            </a:r>
-            <a:r>
-              <a:rPr lang="en-US" dirty="0" smtClean="0"/>
-              <a:t/>
-            </a:r>
-            <a:br>
-              <a:rPr lang="en-US" dirty="0" smtClean="0"/>
-            </a:br>
-            <a:r>
-              <a:rPr lang="en-US" dirty="0" smtClean="0"/>
-              <a:t>Unit Testing </a:t>
-            </a:r>
-            <a:r>
-              <a:rPr lang="en-US" dirty="0"/>
-              <a:t>with </a:t>
-            </a:r>
-            <a:r>
-              <a:rPr lang="en-US" i="1" dirty="0"/>
-              <a:t>Parameters</a:t>
-            </a:r>
-            <a:endParaRPr lang="en-US" dirty="0"/>
-          </a:p>
-        </p:txBody>
-      </p:sp>
-      <p:sp>
-        <p:nvSpPr>
-          <p:cNvPr id="5" name="TextBox 4"/>
-          <p:cNvSpPr txBox="1"/>
-          <p:nvPr/>
-        </p:nvSpPr>
-        <p:spPr>
-          <a:xfrm>
-            <a:off x="1005124" y="1880937"/>
-            <a:ext cx="9885405" cy="2308324"/>
-          </a:xfrm>
-          <a:prstGeom prst="rect">
-            <a:avLst/>
-          </a:prstGeom>
-        </p:spPr>
-        <p:style>
-          <a:lnRef idx="2">
-            <a:schemeClr val="dk1"/>
-          </a:lnRef>
-          <a:fillRef idx="1">
-            <a:schemeClr val="lt1"/>
-          </a:fillRef>
-          <a:effectRef idx="0">
-            <a:schemeClr val="dk1"/>
-          </a:effectRef>
-          <a:fontRef idx="minor">
-            <a:schemeClr val="dk1"/>
-          </a:fontRef>
-        </p:style>
-        <p:txBody>
-          <a:bodyPr wrap="square" rtlCol="0">
-            <a:spAutoFit/>
-          </a:bodyPr>
-          <a:lstStyle/>
-          <a:p>
-            <a:r>
-              <a:rPr lang="en-US" sz="2400" dirty="0">
-                <a:latin typeface="Consolas" pitchFamily="49" charset="0"/>
-              </a:rPr>
-              <a:t>void </a:t>
-            </a:r>
-            <a:r>
-              <a:rPr lang="en-US" sz="2400" dirty="0" err="1" smtClean="0">
-                <a:latin typeface="Consolas" pitchFamily="49" charset="0"/>
-              </a:rPr>
-              <a:t>ParameterizedAddTest</a:t>
-            </a:r>
-            <a:r>
-              <a:rPr lang="en-US" sz="2400" dirty="0" smtClean="0">
-                <a:latin typeface="Consolas" pitchFamily="49" charset="0"/>
-              </a:rPr>
-              <a:t>(List </a:t>
-            </a:r>
-            <a:r>
-              <a:rPr lang="en-US" sz="2400" dirty="0" err="1">
-                <a:latin typeface="Consolas" pitchFamily="49" charset="0"/>
-              </a:rPr>
-              <a:t>list</a:t>
-            </a:r>
-            <a:r>
-              <a:rPr lang="en-US" sz="2400" dirty="0">
-                <a:latin typeface="Consolas" pitchFamily="49" charset="0"/>
-              </a:rPr>
-              <a:t>, </a:t>
-            </a:r>
-            <a:r>
-              <a:rPr lang="en-US" sz="2400" dirty="0" err="1">
-                <a:latin typeface="Consolas" pitchFamily="49" charset="0"/>
-              </a:rPr>
-              <a:t>int</a:t>
-            </a:r>
-            <a:r>
-              <a:rPr lang="en-US" sz="2400" dirty="0">
-                <a:latin typeface="Consolas" pitchFamily="49" charset="0"/>
-              </a:rPr>
-              <a:t> item) {</a:t>
-            </a:r>
-          </a:p>
-          <a:p>
-            <a:r>
-              <a:rPr lang="en-US" sz="2400" b="1" dirty="0">
-                <a:latin typeface="Consolas" pitchFamily="49" charset="0"/>
-              </a:rPr>
-              <a:t>  </a:t>
-            </a:r>
-            <a:r>
-              <a:rPr lang="en-US" sz="2400" dirty="0" err="1">
-                <a:latin typeface="Consolas" pitchFamily="49" charset="0"/>
-              </a:rPr>
-              <a:t>Assume.IsTrue</a:t>
-            </a:r>
-            <a:r>
-              <a:rPr lang="en-US" sz="2400" dirty="0">
-                <a:latin typeface="Consolas" pitchFamily="49" charset="0"/>
-              </a:rPr>
-              <a:t>(list != null);</a:t>
-            </a:r>
-          </a:p>
-          <a:p>
-            <a:r>
-              <a:rPr lang="en-US" sz="2400" dirty="0">
-                <a:latin typeface="Consolas" pitchFamily="49" charset="0"/>
-              </a:rPr>
-              <a:t>  </a:t>
-            </a:r>
-            <a:r>
-              <a:rPr lang="en-US" sz="2400" dirty="0" err="1">
-                <a:latin typeface="Consolas" pitchFamily="49" charset="0"/>
-              </a:rPr>
-              <a:t>var</a:t>
-            </a:r>
-            <a:r>
-              <a:rPr lang="en-US" sz="2400" dirty="0">
-                <a:latin typeface="Consolas" pitchFamily="49" charset="0"/>
-              </a:rPr>
-              <a:t> count = </a:t>
-            </a:r>
-            <a:r>
-              <a:rPr lang="en-US" sz="2400" dirty="0" err="1">
-                <a:latin typeface="Consolas" pitchFamily="49" charset="0"/>
-              </a:rPr>
-              <a:t>list.Count</a:t>
-            </a:r>
-            <a:r>
-              <a:rPr lang="en-US" sz="2400" dirty="0">
-                <a:latin typeface="Consolas" pitchFamily="49" charset="0"/>
-              </a:rPr>
-              <a:t>;</a:t>
-            </a:r>
-          </a:p>
-          <a:p>
-            <a:r>
-              <a:rPr lang="en-US" sz="2400" dirty="0">
-                <a:latin typeface="Consolas" pitchFamily="49" charset="0"/>
-              </a:rPr>
-              <a:t>  </a:t>
-            </a:r>
-            <a:r>
-              <a:rPr lang="en-US" sz="2400" dirty="0" err="1">
-                <a:latin typeface="Consolas" pitchFamily="49" charset="0"/>
-              </a:rPr>
-              <a:t>list.Add</a:t>
-            </a:r>
-            <a:r>
-              <a:rPr lang="en-US" sz="2400" dirty="0">
-                <a:latin typeface="Consolas" pitchFamily="49" charset="0"/>
-              </a:rPr>
-              <a:t>(item);</a:t>
-            </a:r>
-          </a:p>
-          <a:p>
-            <a:r>
-              <a:rPr lang="en-US" sz="2400" dirty="0">
-                <a:latin typeface="Consolas" pitchFamily="49" charset="0"/>
-              </a:rPr>
-              <a:t>  </a:t>
-            </a:r>
-            <a:r>
-              <a:rPr lang="en-US" sz="2400" dirty="0" err="1">
-                <a:latin typeface="Consolas" pitchFamily="49" charset="0"/>
-              </a:rPr>
-              <a:t>Assert.AreEqual</a:t>
-            </a:r>
-            <a:r>
-              <a:rPr lang="en-US" sz="2400" dirty="0">
-                <a:latin typeface="Consolas" pitchFamily="49" charset="0"/>
-              </a:rPr>
-              <a:t>(count + 1, </a:t>
-            </a:r>
-            <a:r>
-              <a:rPr lang="en-US" sz="2400" dirty="0" err="1">
-                <a:latin typeface="Consolas" pitchFamily="49" charset="0"/>
-              </a:rPr>
-              <a:t>list.Count</a:t>
-            </a:r>
-            <a:r>
-              <a:rPr lang="en-US" sz="2400" dirty="0">
-                <a:latin typeface="Consolas" pitchFamily="49" charset="0"/>
-              </a:rPr>
-              <a:t>);</a:t>
-            </a:r>
-          </a:p>
-          <a:p>
-            <a:r>
-              <a:rPr lang="en-US" sz="2400" dirty="0">
-                <a:latin typeface="Consolas" pitchFamily="49" charset="0"/>
-              </a:rPr>
-              <a:t>}</a:t>
-            </a:r>
-          </a:p>
-        </p:txBody>
-      </p:sp>
-      <p:sp>
-        <p:nvSpPr>
-          <p:cNvPr id="3" name="Rectangle 2"/>
-          <p:cNvSpPr/>
-          <p:nvPr/>
-        </p:nvSpPr>
-        <p:spPr>
-          <a:xfrm>
-            <a:off x="1005124" y="4650094"/>
-            <a:ext cx="7776411" cy="1273169"/>
-          </a:xfrm>
-          <a:prstGeom prst="rect">
-            <a:avLst/>
-          </a:prstGeom>
-        </p:spPr>
-        <p:txBody>
-          <a:bodyPr wrap="square">
-            <a:spAutoFit/>
-          </a:bodyPr>
-          <a:lstStyle/>
-          <a:p>
-            <a:pPr lvl="0">
-              <a:lnSpc>
-                <a:spcPct val="90000"/>
-              </a:lnSpc>
-              <a:spcBef>
-                <a:spcPts val="1000"/>
-              </a:spcBef>
-            </a:pPr>
-            <a:r>
-              <a:rPr lang="en-US" sz="2800" dirty="0">
-                <a:solidFill>
-                  <a:prstClr val="black"/>
-                </a:solidFill>
-              </a:rPr>
-              <a:t>Separation of concerns</a:t>
-            </a:r>
-          </a:p>
-          <a:p>
-            <a:pPr marL="685800" lvl="1" indent="-228600">
-              <a:lnSpc>
-                <a:spcPct val="90000"/>
-              </a:lnSpc>
-              <a:spcBef>
-                <a:spcPts val="500"/>
-              </a:spcBef>
-              <a:buFont typeface="Arial" panose="020B0604020202020204" pitchFamily="34" charset="0"/>
-              <a:buChar char="•"/>
-            </a:pPr>
-            <a:r>
-              <a:rPr lang="en-US" sz="2400" dirty="0">
-                <a:solidFill>
-                  <a:prstClr val="black"/>
-                </a:solidFill>
-              </a:rPr>
-              <a:t>Data is generated by a tool</a:t>
-            </a:r>
-          </a:p>
-          <a:p>
-            <a:pPr marL="685800" lvl="1" indent="-228600">
-              <a:lnSpc>
-                <a:spcPct val="90000"/>
-              </a:lnSpc>
-              <a:spcBef>
-                <a:spcPts val="500"/>
-              </a:spcBef>
-              <a:buFont typeface="Arial" panose="020B0604020202020204" pitchFamily="34" charset="0"/>
-              <a:buChar char="•"/>
-            </a:pPr>
-            <a:r>
-              <a:rPr lang="en-US" sz="2400" dirty="0">
-                <a:solidFill>
-                  <a:prstClr val="black"/>
-                </a:solidFill>
-              </a:rPr>
-              <a:t>Developer can focus on functional specification</a:t>
-            </a:r>
-          </a:p>
-        </p:txBody>
-      </p:sp>
-    </p:spTree>
-    <p:extLst>
-      <p:ext uri="{BB962C8B-B14F-4D97-AF65-F5344CB8AC3E}">
-        <p14:creationId xmlns:p14="http://schemas.microsoft.com/office/powerpoint/2010/main" val="1624786301"/>
-      </p:ext>
-    </p:extLst>
-  </p:cSld>
-  <p:clrMapOvr>
-    <a:masterClrMapping/>
-  </p:clrMapOvr>
-  <p:timing>
-    <p:tnLst>
-      <p:par>
-        <p:cTn id="1" dur="indefinite" restart="never" nodeType="tmRoot"/>
-      </p:par>
-    </p:tnLst>
-  </p:timing>
-</p:sld>
-</file>
-
-<file path=ppt/slides/slide24.xml><?xml version="1.0" encoding="utf-8"?>
+<file path=ppt/slides/slide22.xml><?xml version="1.0" encoding="utf-8"?>
 <p:sld xmlns:a="http://schemas.openxmlformats.org/drawingml/2006/main" xmlns:r="http://schemas.openxmlformats.org/officeDocument/2006/relationships" xmlns:p="http://schemas.openxmlformats.org/presentationml/2006/main">
   <p:cSld>
     <p:spTree>
@@ -18764,362 +18436,14 @@
   <p:timing>
     <p:tnLst>
       <p:par>
-        <p:cTn id="1" dur="indefinite" restart="never" nodeType="tmRoot">
-          <p:childTnLst>
-            <p:seq concurrent="1" nextAc="seek">
-              <p:cTn id="2" dur="indefinite" nodeType="mainSeq">
-                <p:childTnLst>
-                  <p:par>
-                    <p:cTn id="3" fill="hold" nodeType="clickPar">
-                      <p:stCondLst>
-                        <p:cond delay="indefinite"/>
-                      </p:stCondLst>
-                      <p:childTnLst>
-                        <p:par>
-                          <p:cTn id="4" fill="hold" nodeType="withGroup">
-                            <p:stCondLst>
-                              <p:cond delay="0"/>
-                            </p:stCondLst>
-                            <p:childTnLst>
-                              <p:par>
-                                <p:cTn id="5" presetID="10" presetClass="entr" presetSubtype="0" fill="hold" nodeType="clickEffect">
-                                  <p:stCondLst>
-                                    <p:cond delay="0"/>
-                                  </p:stCondLst>
-                                  <p:childTnLst>
-                                    <p:set>
-                                      <p:cBhvr>
-                                        <p:cTn id="6" dur="1" fill="hold">
-                                          <p:stCondLst>
-                                            <p:cond delay="0"/>
-                                          </p:stCondLst>
-                                        </p:cTn>
-                                        <p:tgtEl>
-                                          <p:spTgt spid="375831"/>
-                                        </p:tgtEl>
-                                        <p:attrNameLst>
-                                          <p:attrName>style.visibility</p:attrName>
-                                        </p:attrNameLst>
-                                      </p:cBhvr>
-                                      <p:to>
-                                        <p:strVal val="visible"/>
-                                      </p:to>
-                                    </p:set>
-                                    <p:animEffect transition="in" filter="fade">
-                                      <p:cBhvr>
-                                        <p:cTn id="7" dur="500"/>
-                                        <p:tgtEl>
-                                          <p:spTgt spid="375831"/>
-                                        </p:tgtEl>
-                                      </p:cBhvr>
-                                    </p:animEffect>
-                                  </p:childTnLst>
-                                </p:cTn>
-                              </p:par>
-                            </p:childTnLst>
-                          </p:cTn>
-                        </p:par>
-                      </p:childTnLst>
-                    </p:cTn>
-                  </p:par>
-                  <p:par>
-                    <p:cTn id="8" fill="hold" nodeType="clickPar">
-                      <p:stCondLst>
-                        <p:cond delay="indefinite"/>
-                      </p:stCondLst>
-                      <p:childTnLst>
-                        <p:par>
-                          <p:cTn id="9" fill="hold" nodeType="withGroup">
-                            <p:stCondLst>
-                              <p:cond delay="0"/>
-                            </p:stCondLst>
-                            <p:childTnLst>
-                              <p:par>
-                                <p:cTn id="10" presetID="10" presetClass="entr" presetSubtype="0" fill="hold" grpId="0" nodeType="clickEffect">
-                                  <p:stCondLst>
-                                    <p:cond delay="0"/>
-                                  </p:stCondLst>
-                                  <p:childTnLst>
-                                    <p:set>
-                                      <p:cBhvr>
-                                        <p:cTn id="11" dur="1" fill="hold">
-                                          <p:stCondLst>
-                                            <p:cond delay="0"/>
-                                          </p:stCondLst>
-                                        </p:cTn>
-                                        <p:tgtEl>
-                                          <p:spTgt spid="375814"/>
-                                        </p:tgtEl>
-                                        <p:attrNameLst>
-                                          <p:attrName>style.visibility</p:attrName>
-                                        </p:attrNameLst>
-                                      </p:cBhvr>
-                                      <p:to>
-                                        <p:strVal val="visible"/>
-                                      </p:to>
-                                    </p:set>
-                                    <p:animEffect transition="in" filter="fade">
-                                      <p:cBhvr>
-                                        <p:cTn id="12" dur="500"/>
-                                        <p:tgtEl>
-                                          <p:spTgt spid="375814"/>
-                                        </p:tgtEl>
-                                      </p:cBhvr>
-                                    </p:animEffect>
-                                  </p:childTnLst>
-                                </p:cTn>
-                              </p:par>
-                              <p:par>
-                                <p:cTn id="13" presetID="10" presetClass="entr" presetSubtype="0" fill="hold" grpId="0" nodeType="withEffect">
-                                  <p:stCondLst>
-                                    <p:cond delay="0"/>
-                                  </p:stCondLst>
-                                  <p:childTnLst>
-                                    <p:set>
-                                      <p:cBhvr>
-                                        <p:cTn id="14" dur="1" fill="hold">
-                                          <p:stCondLst>
-                                            <p:cond delay="0"/>
-                                          </p:stCondLst>
-                                        </p:cTn>
-                                        <p:tgtEl>
-                                          <p:spTgt spid="375815"/>
-                                        </p:tgtEl>
-                                        <p:attrNameLst>
-                                          <p:attrName>style.visibility</p:attrName>
-                                        </p:attrNameLst>
-                                      </p:cBhvr>
-                                      <p:to>
-                                        <p:strVal val="visible"/>
-                                      </p:to>
-                                    </p:set>
-                                    <p:animEffect transition="in" filter="fade">
-                                      <p:cBhvr>
-                                        <p:cTn id="15" dur="500"/>
-                                        <p:tgtEl>
-                                          <p:spTgt spid="375815"/>
-                                        </p:tgtEl>
-                                      </p:cBhvr>
-                                    </p:animEffect>
-                                  </p:childTnLst>
-                                </p:cTn>
-                              </p:par>
-                              <p:par>
-                                <p:cTn id="16" presetID="10" presetClass="entr" presetSubtype="0" fill="hold" grpId="0" nodeType="withEffect">
-                                  <p:stCondLst>
-                                    <p:cond delay="0"/>
-                                  </p:stCondLst>
-                                  <p:childTnLst>
-                                    <p:set>
-                                      <p:cBhvr>
-                                        <p:cTn id="17" dur="1" fill="hold">
-                                          <p:stCondLst>
-                                            <p:cond delay="0"/>
-                                          </p:stCondLst>
-                                        </p:cTn>
-                                        <p:tgtEl>
-                                          <p:spTgt spid="375816"/>
-                                        </p:tgtEl>
-                                        <p:attrNameLst>
-                                          <p:attrName>style.visibility</p:attrName>
-                                        </p:attrNameLst>
-                                      </p:cBhvr>
-                                      <p:to>
-                                        <p:strVal val="visible"/>
-                                      </p:to>
-                                    </p:set>
-                                    <p:animEffect transition="in" filter="fade">
-                                      <p:cBhvr>
-                                        <p:cTn id="18" dur="500"/>
-                                        <p:tgtEl>
-                                          <p:spTgt spid="375816"/>
-                                        </p:tgtEl>
-                                      </p:cBhvr>
-                                    </p:animEffect>
-                                  </p:childTnLst>
-                                </p:cTn>
-                              </p:par>
-                            </p:childTnLst>
-                          </p:cTn>
-                        </p:par>
-                      </p:childTnLst>
-                    </p:cTn>
-                  </p:par>
-                  <p:par>
-                    <p:cTn id="19" fill="hold">
-                      <p:stCondLst>
-                        <p:cond delay="indefinite"/>
-                      </p:stCondLst>
-                      <p:childTnLst>
-                        <p:par>
-                          <p:cTn id="20" fill="hold">
-                            <p:stCondLst>
-                              <p:cond delay="0"/>
-                            </p:stCondLst>
-                            <p:childTnLst>
-                              <p:par>
-                                <p:cTn id="21" presetID="10" presetClass="entr" presetSubtype="0" fill="hold" grpId="0" nodeType="clickEffect">
-                                  <p:stCondLst>
-                                    <p:cond delay="0"/>
-                                  </p:stCondLst>
-                                  <p:childTnLst>
-                                    <p:set>
-                                      <p:cBhvr>
-                                        <p:cTn id="22" dur="1" fill="hold">
-                                          <p:stCondLst>
-                                            <p:cond delay="0"/>
-                                          </p:stCondLst>
-                                        </p:cTn>
-                                        <p:tgtEl>
-                                          <p:spTgt spid="26"/>
-                                        </p:tgtEl>
-                                        <p:attrNameLst>
-                                          <p:attrName>style.visibility</p:attrName>
-                                        </p:attrNameLst>
-                                      </p:cBhvr>
-                                      <p:to>
-                                        <p:strVal val="visible"/>
-                                      </p:to>
-                                    </p:set>
-                                    <p:animEffect transition="in" filter="fade">
-                                      <p:cBhvr>
-                                        <p:cTn id="23" dur="500"/>
-                                        <p:tgtEl>
-                                          <p:spTgt spid="26"/>
-                                        </p:tgtEl>
-                                      </p:cBhvr>
-                                    </p:animEffect>
-                                  </p:childTnLst>
-                                </p:cTn>
-                              </p:par>
-                              <p:par>
-                                <p:cTn id="24" presetID="10" presetClass="entr" presetSubtype="0" fill="hold" grpId="0" nodeType="withEffect">
-                                  <p:stCondLst>
-                                    <p:cond delay="0"/>
-                                  </p:stCondLst>
-                                  <p:childTnLst>
-                                    <p:set>
-                                      <p:cBhvr>
-                                        <p:cTn id="25" dur="1" fill="hold">
-                                          <p:stCondLst>
-                                            <p:cond delay="0"/>
-                                          </p:stCondLst>
-                                        </p:cTn>
-                                        <p:tgtEl>
-                                          <p:spTgt spid="28"/>
-                                        </p:tgtEl>
-                                        <p:attrNameLst>
-                                          <p:attrName>style.visibility</p:attrName>
-                                        </p:attrNameLst>
-                                      </p:cBhvr>
-                                      <p:to>
-                                        <p:strVal val="visible"/>
-                                      </p:to>
-                                    </p:set>
-                                    <p:animEffect transition="in" filter="fade">
-                                      <p:cBhvr>
-                                        <p:cTn id="26" dur="500"/>
-                                        <p:tgtEl>
-                                          <p:spTgt spid="28"/>
-                                        </p:tgtEl>
-                                      </p:cBhvr>
-                                    </p:animEffect>
-                                  </p:childTnLst>
-                                </p:cTn>
-                              </p:par>
-                            </p:childTnLst>
-                          </p:cTn>
-                        </p:par>
-                      </p:childTnLst>
-                    </p:cTn>
-                  </p:par>
-                  <p:par>
-                    <p:cTn id="27" fill="hold">
-                      <p:stCondLst>
-                        <p:cond delay="indefinite"/>
-                      </p:stCondLst>
-                      <p:childTnLst>
-                        <p:par>
-                          <p:cTn id="28" fill="hold">
-                            <p:stCondLst>
-                              <p:cond delay="0"/>
-                            </p:stCondLst>
-                            <p:childTnLst>
-                              <p:par>
-                                <p:cTn id="29" presetID="10" presetClass="entr" presetSubtype="0" fill="hold" grpId="0" nodeType="clickEffect">
-                                  <p:stCondLst>
-                                    <p:cond delay="0"/>
-                                  </p:stCondLst>
-                                  <p:childTnLst>
-                                    <p:set>
-                                      <p:cBhvr>
-                                        <p:cTn id="30" dur="1" fill="hold">
-                                          <p:stCondLst>
-                                            <p:cond delay="0"/>
-                                          </p:stCondLst>
-                                        </p:cTn>
-                                        <p:tgtEl>
-                                          <p:spTgt spid="29"/>
-                                        </p:tgtEl>
-                                        <p:attrNameLst>
-                                          <p:attrName>style.visibility</p:attrName>
-                                        </p:attrNameLst>
-                                      </p:cBhvr>
-                                      <p:to>
-                                        <p:strVal val="visible"/>
-                                      </p:to>
-                                    </p:set>
-                                    <p:animEffect transition="in" filter="fade">
-                                      <p:cBhvr>
-                                        <p:cTn id="31" dur="500"/>
-                                        <p:tgtEl>
-                                          <p:spTgt spid="29"/>
-                                        </p:tgtEl>
-                                      </p:cBhvr>
-                                    </p:animEffect>
-                                  </p:childTnLst>
-                                </p:cTn>
-                              </p:par>
-                            </p:childTnLst>
-                          </p:cTn>
-                        </p:par>
-                      </p:childTnLst>
-                    </p:cTn>
-                  </p:par>
-                </p:childTnLst>
-              </p:cTn>
-              <p:prevCondLst>
-                <p:cond evt="onPrev" delay="0">
-                  <p:tgtEl>
-                    <p:sldTgt/>
-                  </p:tgtEl>
-                </p:cond>
-              </p:prevCondLst>
-              <p:nextCondLst>
-                <p:cond evt="onNext" delay="0">
-                  <p:tgtEl>
-                    <p:sldTgt/>
-                  </p:tgtEl>
-                </p:cond>
-              </p:nextCondLst>
-            </p:seq>
-          </p:childTnLst>
-        </p:cTn>
+        <p:cTn id="1" dur="indefinite" restart="never" nodeType="tmRoot"/>
       </p:par>
     </p:tnLst>
-    <p:bldLst>
-      <p:bldP spid="375814" grpId="0"/>
-      <p:bldP spid="375815" grpId="0"/>
-      <p:bldP spid="375816" grpId="0"/>
-      <p:bldP spid="26" grpId="0"/>
-      <p:bldP spid="28" grpId="0"/>
-      <p:bldP spid="29" grpId="0"/>
-    </p:bldLst>
   </p:timing>
 </p:sld>
 </file>
 
-<file path=ppt/slides/slide25.xml><?xml version="1.0" encoding="utf-8"?>
+<file path=ppt/slides/slide23.xml><?xml version="1.0" encoding="utf-8"?>
 <p:sld xmlns:a="http://schemas.openxmlformats.org/drawingml/2006/main" xmlns:r="http://schemas.openxmlformats.org/officeDocument/2006/relationships" xmlns:p="http://schemas.openxmlformats.org/presentationml/2006/main">
   <p:cSld>
     <p:spTree>
@@ -19191,14 +18515,14 @@
           </a:prstGeom>
           <a:extLst>
             <a:ext uri="{909E8E84-426E-40dd-AFC4-6F175D3DCCD1}">
-              <a14:hiddenFill xmlns="" xmlns:a14="http://schemas.microsoft.com/office/drawing/2007/7/7/main">
+              <a14:hiddenFill xmlns:a14="http://schemas.microsoft.com/office/drawing/2007/7/7/main" xmlns="">
                 <a:solidFill>
                   <a:schemeClr val="accent1"/>
                 </a:solidFill>
               </a14:hiddenFill>
             </a:ext>
             <a:ext uri="{91240B29-F687-4f45-9708-019B960494DF}">
-              <a14:hiddenLine xmlns="" xmlns:a14="http://schemas.microsoft.com/office/drawing/2007/7/7/main" w="9525">
+              <a14:hiddenLine xmlns:a14="http://schemas.microsoft.com/office/drawing/2007/7/7/main" xmlns="" w="9525">
                 <a:solidFill>
                   <a:schemeClr val="tx1"/>
                 </a:solidFill>
@@ -19208,7 +18532,7 @@
               </a14:hiddenLine>
             </a:ext>
             <a:ext uri="{AF507438-7753-43e0-B8FC-AC1667EBCBE1}">
-              <a14:hiddenEffects xmlns="" xmlns:a14="http://schemas.microsoft.com/office/drawing/2007/7/7/main">
+              <a14:hiddenEffects xmlns:a14="http://schemas.microsoft.com/office/drawing/2007/7/7/main" xmlns="">
                 <a:effectLst>
                   <a:outerShdw blurRad="63500" dist="35921" dir="2700000" algn="ctr" rotWithShape="0">
                     <a:schemeClr val="bg2"/>
@@ -19223,6 +18547,252 @@
     <p:extLst>
       <p:ext uri="{BB962C8B-B14F-4D97-AF65-F5344CB8AC3E}">
         <p14:creationId xmlns:p14="http://schemas.microsoft.com/office/powerpoint/2010/main" val="1503283269"/>
+      </p:ext>
+    </p:extLst>
+  </p:cSld>
+  <p:clrMapOvr>
+    <a:masterClrMapping/>
+  </p:clrMapOvr>
+  <p:transition>
+    <p:fade/>
+  </p:transition>
+  <p:timing>
+    <p:tnLst>
+      <p:par>
+        <p:cTn id="1" dur="indefinite" restart="never" nodeType="tmRoot"/>
+      </p:par>
+    </p:tnLst>
+  </p:timing>
+</p:sld>
+</file>
+
+<file path=ppt/slides/slide24.xml><?xml version="1.0" encoding="utf-8"?>
+<p:sld xmlns:a="http://schemas.openxmlformats.org/drawingml/2006/main" xmlns:r="http://schemas.openxmlformats.org/officeDocument/2006/relationships" xmlns:p="http://schemas.openxmlformats.org/presentationml/2006/main">
+  <p:cSld>
+    <p:spTree>
+      <p:nvGrpSpPr>
+        <p:cNvPr id="1" name=""/>
+        <p:cNvGrpSpPr/>
+        <p:nvPr/>
+      </p:nvGrpSpPr>
+      <p:grpSpPr>
+        <a:xfrm>
+          <a:off x="0" y="0"/>
+          <a:ext cx="0" cy="0"/>
+          <a:chOff x="0" y="0"/>
+          <a:chExt cx="0" cy="0"/>
+        </a:xfrm>
+      </p:grpSpPr>
+      <p:sp>
+        <p:nvSpPr>
+          <p:cNvPr id="2" name="Title 1"/>
+          <p:cNvSpPr>
+            <a:spLocks noGrp="1"/>
+          </p:cNvSpPr>
+          <p:nvPr>
+            <p:ph type="title"/>
+          </p:nvPr>
+        </p:nvSpPr>
+        <p:spPr>
+          <a:xfrm>
+            <a:off x="1687069" y="422694"/>
+            <a:ext cx="8382000" cy="747897"/>
+          </a:xfrm>
+        </p:spPr>
+        <p:txBody>
+          <a:bodyPr/>
+          <a:lstStyle/>
+          <a:p>
+            <a:r>
+              <a:rPr lang="en-US" dirty="0" smtClean="0"/>
+              <a:t>SAT Solving via DPLL </a:t>
+            </a:r>
+            <a:endParaRPr lang="en-US" dirty="0"/>
+          </a:p>
+        </p:txBody>
+      </p:sp>
+      <p:pic>
+        <p:nvPicPr>
+          <p:cNvPr id="28674" name="Picture 2"/>
+          <p:cNvPicPr>
+            <a:picLocks noChangeAspect="1" noChangeArrowheads="1"/>
+          </p:cNvPicPr>
+          <p:nvPr/>
+        </p:nvPicPr>
+        <p:blipFill>
+          <a:blip r:embed="rId3">
+            <a:extLst/>
+          </a:blip>
+          <a:srcRect/>
+          <a:stretch>
+            <a:fillRect/>
+          </a:stretch>
+        </p:blipFill>
+        <p:spPr bwMode="auto">
+          <a:xfrm>
+            <a:off x="1687069" y="2094146"/>
+            <a:ext cx="5943600" cy="3390900"/>
+          </a:xfrm>
+          <a:prstGeom prst="rect">
+            <a:avLst/>
+          </a:prstGeom>
+          <a:extLst>
+            <a:ext uri="{909E8E84-426E-40dd-AFC4-6F175D3DCCD1}">
+              <a14:hiddenFill xmlns:a14="http://schemas.microsoft.com/office/drawing/2007/7/7/main" xmlns="">
+                <a:solidFill>
+                  <a:schemeClr val="accent1"/>
+                </a:solidFill>
+              </a14:hiddenFill>
+            </a:ext>
+            <a:ext uri="{91240B29-F687-4f45-9708-019B960494DF}">
+              <a14:hiddenLine xmlns:a14="http://schemas.microsoft.com/office/drawing/2007/7/7/main" xmlns="" w="9525">
+                <a:solidFill>
+                  <a:schemeClr val="tx1"/>
+                </a:solidFill>
+                <a:miter lim="800000"/>
+                <a:headEnd/>
+                <a:tailEnd/>
+              </a14:hiddenLine>
+            </a:ext>
+            <a:ext uri="{AF507438-7753-43e0-B8FC-AC1667EBCBE1}">
+              <a14:hiddenEffects xmlns:a14="http://schemas.microsoft.com/office/drawing/2007/7/7/main" xmlns="">
+                <a:effectLst>
+                  <a:outerShdw blurRad="63500" dist="35921" dir="2700000" algn="ctr" rotWithShape="0">
+                    <a:schemeClr val="bg2"/>
+                  </a:outerShdw>
+                </a:effectLst>
+              </a14:hiddenEffects>
+            </a:ext>
+          </a:extLst>
+        </p:spPr>
+      </p:pic>
+    </p:spTree>
+    <p:extLst>
+      <p:ext uri="{BB962C8B-B14F-4D97-AF65-F5344CB8AC3E}">
+        <p14:creationId xmlns:p14="http://schemas.microsoft.com/office/powerpoint/2010/main" val="2503492996"/>
+      </p:ext>
+    </p:extLst>
+  </p:cSld>
+  <p:clrMapOvr>
+    <a:masterClrMapping/>
+  </p:clrMapOvr>
+  <p:transition>
+    <p:fade/>
+  </p:transition>
+  <p:timing>
+    <p:tnLst>
+      <p:par>
+        <p:cTn id="1" dur="indefinite" restart="never" nodeType="tmRoot"/>
+      </p:par>
+    </p:tnLst>
+  </p:timing>
+</p:sld>
+</file>
+
+<file path=ppt/slides/slide25.xml><?xml version="1.0" encoding="utf-8"?>
+<p:sld xmlns:a="http://schemas.openxmlformats.org/drawingml/2006/main" xmlns:r="http://schemas.openxmlformats.org/officeDocument/2006/relationships" xmlns:p="http://schemas.openxmlformats.org/presentationml/2006/main">
+  <p:cSld>
+    <p:spTree>
+      <p:nvGrpSpPr>
+        <p:cNvPr id="1" name=""/>
+        <p:cNvGrpSpPr/>
+        <p:nvPr/>
+      </p:nvGrpSpPr>
+      <p:grpSpPr>
+        <a:xfrm>
+          <a:off x="0" y="0"/>
+          <a:ext cx="0" cy="0"/>
+          <a:chOff x="0" y="0"/>
+          <a:chExt cx="0" cy="0"/>
+        </a:xfrm>
+      </p:grpSpPr>
+      <p:sp>
+        <p:nvSpPr>
+          <p:cNvPr id="2" name="Title 1"/>
+          <p:cNvSpPr>
+            <a:spLocks noGrp="1"/>
+          </p:cNvSpPr>
+          <p:nvPr>
+            <p:ph type="title"/>
+          </p:nvPr>
+        </p:nvSpPr>
+        <p:spPr>
+          <a:xfrm>
+            <a:off x="1905000" y="230188"/>
+            <a:ext cx="8382000" cy="747897"/>
+          </a:xfrm>
+        </p:spPr>
+        <p:txBody>
+          <a:bodyPr/>
+          <a:lstStyle/>
+          <a:p>
+            <a:r>
+              <a:rPr lang="en-US" dirty="0" smtClean="0"/>
+              <a:t>DPLL (example)</a:t>
+            </a:r>
+            <a:endParaRPr lang="en-US" dirty="0"/>
+          </a:p>
+        </p:txBody>
+      </p:sp>
+      <p:pic>
+        <p:nvPicPr>
+          <p:cNvPr id="29699" name="Picture 3"/>
+          <p:cNvPicPr>
+            <a:picLocks noChangeAspect="1" noChangeArrowheads="1"/>
+          </p:cNvPicPr>
+          <p:nvPr/>
+        </p:nvPicPr>
+        <p:blipFill>
+          <a:blip r:embed="rId2">
+            <a:extLst/>
+          </a:blip>
+          <a:srcRect/>
+          <a:stretch>
+            <a:fillRect/>
+          </a:stretch>
+        </p:blipFill>
+        <p:spPr bwMode="auto">
+          <a:xfrm>
+            <a:off x="1763701" y="1937969"/>
+            <a:ext cx="5429250" cy="1685925"/>
+          </a:xfrm>
+          <a:prstGeom prst="rect">
+            <a:avLst/>
+          </a:prstGeom>
+          <a:extLst>
+            <a:ext uri="{909E8E84-426E-40dd-AFC4-6F175D3DCCD1}">
+              <a14:hiddenFill xmlns:a14="http://schemas.microsoft.com/office/drawing/2007/7/7/main" xmlns="">
+                <a:solidFill>
+                  <a:schemeClr val="accent1"/>
+                </a:solidFill>
+              </a14:hiddenFill>
+            </a:ext>
+            <a:ext uri="{91240B29-F687-4f45-9708-019B960494DF}">
+              <a14:hiddenLine xmlns:a14="http://schemas.microsoft.com/office/drawing/2007/7/7/main" xmlns="" w="9525">
+                <a:solidFill>
+                  <a:schemeClr val="tx1"/>
+                </a:solidFill>
+                <a:miter lim="800000"/>
+                <a:headEnd/>
+                <a:tailEnd/>
+              </a14:hiddenLine>
+            </a:ext>
+            <a:ext uri="{AF507438-7753-43e0-B8FC-AC1667EBCBE1}">
+              <a14:hiddenEffects xmlns:a14="http://schemas.microsoft.com/office/drawing/2007/7/7/main" xmlns="">
+                <a:effectLst>
+                  <a:outerShdw blurRad="63500" dist="35921" dir="2700000" algn="ctr" rotWithShape="0">
+                    <a:schemeClr val="bg2"/>
+                  </a:outerShdw>
+                </a:effectLst>
+              </a14:hiddenEffects>
+            </a:ext>
+          </a:extLst>
+        </p:spPr>
+      </p:pic>
+    </p:spTree>
+    <p:extLst>
+      <p:ext uri="{BB962C8B-B14F-4D97-AF65-F5344CB8AC3E}">
+        <p14:creationId xmlns:p14="http://schemas.microsoft.com/office/powerpoint/2010/main" val="618312571"/>
       </p:ext>
     </p:extLst>
   </p:cSld>
@@ -19271,7 +18841,7 @@
         </p:nvSpPr>
         <p:spPr>
           <a:xfrm>
-            <a:off x="1687069" y="422694"/>
+            <a:off x="1905000" y="230188"/>
             <a:ext cx="8382000" cy="747897"/>
           </a:xfrm>
         </p:spPr>
@@ -19281,7 +18851,7 @@
           <a:p>
             <a:r>
               <a:rPr lang="en-US" dirty="0" smtClean="0"/>
-              <a:t>SAT Solving via DPLL </a:t>
+              <a:t>DPLL (example)</a:t>
             </a:r>
             <a:endParaRPr lang="en-US" dirty="0"/>
           </a:p>
@@ -19289,14 +18859,14 @@
       </p:sp>
       <p:pic>
         <p:nvPicPr>
-          <p:cNvPr id="28674" name="Picture 2"/>
+          <p:cNvPr id="30722" name="Picture 2"/>
           <p:cNvPicPr>
             <a:picLocks noChangeAspect="1" noChangeArrowheads="1"/>
           </p:cNvPicPr>
           <p:nvPr/>
         </p:nvPicPr>
         <p:blipFill>
-          <a:blip r:embed="rId3">
+          <a:blip r:embed="rId2">
             <a:extLst/>
           </a:blip>
           <a:srcRect/>
@@ -19306,22 +18876,22 @@
         </p:blipFill>
         <p:spPr bwMode="auto">
           <a:xfrm>
-            <a:off x="1687069" y="2094146"/>
-            <a:ext cx="5943600" cy="3390900"/>
+            <a:off x="1750499" y="1911736"/>
+            <a:ext cx="8305800" cy="1952625"/>
           </a:xfrm>
           <a:prstGeom prst="rect">
             <a:avLst/>
           </a:prstGeom>
           <a:extLst>
             <a:ext uri="{909E8E84-426E-40dd-AFC4-6F175D3DCCD1}">
-              <a14:hiddenFill xmlns="" xmlns:a14="http://schemas.microsoft.com/office/drawing/2007/7/7/main">
+              <a14:hiddenFill xmlns:a14="http://schemas.microsoft.com/office/drawing/2007/7/7/main" xmlns="">
                 <a:solidFill>
                   <a:schemeClr val="accent1"/>
                 </a:solidFill>
               </a14:hiddenFill>
             </a:ext>
             <a:ext uri="{91240B29-F687-4f45-9708-019B960494DF}">
-              <a14:hiddenLine xmlns="" xmlns:a14="http://schemas.microsoft.com/office/drawing/2007/7/7/main" w="9525">
+              <a14:hiddenLine xmlns:a14="http://schemas.microsoft.com/office/drawing/2007/7/7/main" xmlns="" w="9525">
                 <a:solidFill>
                   <a:schemeClr val="tx1"/>
                 </a:solidFill>
@@ -19331,7 +18901,7 @@
               </a14:hiddenLine>
             </a:ext>
             <a:ext uri="{AF507438-7753-43e0-B8FC-AC1667EBCBE1}">
-              <a14:hiddenEffects xmlns="" xmlns:a14="http://schemas.microsoft.com/office/drawing/2007/7/7/main">
+              <a14:hiddenEffects xmlns:a14="http://schemas.microsoft.com/office/drawing/2007/7/7/main" xmlns="">
                 <a:effectLst>
                   <a:outerShdw blurRad="63500" dist="35921" dir="2700000" algn="ctr" rotWithShape="0">
                     <a:schemeClr val="bg2"/>
@@ -19345,7 +18915,7 @@
     </p:spTree>
     <p:extLst>
       <p:ext uri="{BB962C8B-B14F-4D97-AF65-F5344CB8AC3E}">
-        <p14:creationId xmlns:p14="http://schemas.microsoft.com/office/powerpoint/2010/main" val="2503492996"/>
+        <p14:creationId xmlns:p14="http://schemas.microsoft.com/office/powerpoint/2010/main" val="1117231369"/>
       </p:ext>
     </p:extLst>
   </p:cSld>
@@ -19412,7 +18982,7 @@
       </p:sp>
       <p:pic>
         <p:nvPicPr>
-          <p:cNvPr id="29699" name="Picture 3"/>
+          <p:cNvPr id="31746" name="Picture 2"/>
           <p:cNvPicPr>
             <a:picLocks noChangeAspect="1" noChangeArrowheads="1"/>
           </p:cNvPicPr>
@@ -19429,22 +18999,22 @@
         </p:blipFill>
         <p:spPr bwMode="auto">
           <a:xfrm>
-            <a:off x="1763701" y="1937969"/>
-            <a:ext cx="5429250" cy="1685925"/>
+            <a:off x="1652333" y="1795212"/>
+            <a:ext cx="7981950" cy="3219450"/>
           </a:xfrm>
           <a:prstGeom prst="rect">
             <a:avLst/>
           </a:prstGeom>
           <a:extLst>
             <a:ext uri="{909E8E84-426E-40dd-AFC4-6F175D3DCCD1}">
-              <a14:hiddenFill xmlns="" xmlns:a14="http://schemas.microsoft.com/office/drawing/2007/7/7/main">
+              <a14:hiddenFill xmlns:a14="http://schemas.microsoft.com/office/drawing/2007/7/7/main" xmlns="">
                 <a:solidFill>
                   <a:schemeClr val="accent1"/>
                 </a:solidFill>
               </a14:hiddenFill>
             </a:ext>
             <a:ext uri="{91240B29-F687-4f45-9708-019B960494DF}">
-              <a14:hiddenLine xmlns="" xmlns:a14="http://schemas.microsoft.com/office/drawing/2007/7/7/main" w="9525">
+              <a14:hiddenLine xmlns:a14="http://schemas.microsoft.com/office/drawing/2007/7/7/main" xmlns="" w="9525">
                 <a:solidFill>
                   <a:schemeClr val="tx1"/>
                 </a:solidFill>
@@ -19454,7 +19024,7 @@
               </a14:hiddenLine>
             </a:ext>
             <a:ext uri="{AF507438-7753-43e0-B8FC-AC1667EBCBE1}">
-              <a14:hiddenEffects xmlns="" xmlns:a14="http://schemas.microsoft.com/office/drawing/2007/7/7/main">
+              <a14:hiddenEffects xmlns:a14="http://schemas.microsoft.com/office/drawing/2007/7/7/main" xmlns="">
                 <a:effectLst>
                   <a:outerShdw blurRad="63500" dist="35921" dir="2700000" algn="ctr" rotWithShape="0">
                     <a:schemeClr val="bg2"/>
@@ -19468,7 +19038,7 @@
     </p:spTree>
     <p:extLst>
       <p:ext uri="{BB962C8B-B14F-4D97-AF65-F5344CB8AC3E}">
-        <p14:creationId xmlns:p14="http://schemas.microsoft.com/office/powerpoint/2010/main" val="618312571"/>
+        <p14:creationId xmlns:p14="http://schemas.microsoft.com/office/powerpoint/2010/main" val="3765130159"/>
       </p:ext>
     </p:extLst>
   </p:cSld>
@@ -19535,7 +19105,7 @@
       </p:sp>
       <p:pic>
         <p:nvPicPr>
-          <p:cNvPr id="30722" name="Picture 2"/>
+          <p:cNvPr id="32770" name="Picture 2"/>
           <p:cNvPicPr>
             <a:picLocks noChangeAspect="1" noChangeArrowheads="1"/>
           </p:cNvPicPr>
@@ -19552,22 +19122,22 @@
         </p:blipFill>
         <p:spPr bwMode="auto">
           <a:xfrm>
-            <a:off x="1750499" y="1911736"/>
-            <a:ext cx="8305800" cy="1952625"/>
+            <a:off x="1758865" y="1798474"/>
+            <a:ext cx="8505825" cy="3381375"/>
           </a:xfrm>
           <a:prstGeom prst="rect">
             <a:avLst/>
           </a:prstGeom>
           <a:extLst>
             <a:ext uri="{909E8E84-426E-40dd-AFC4-6F175D3DCCD1}">
-              <a14:hiddenFill xmlns="" xmlns:a14="http://schemas.microsoft.com/office/drawing/2007/7/7/main">
+              <a14:hiddenFill xmlns:a14="http://schemas.microsoft.com/office/drawing/2007/7/7/main" xmlns="">
                 <a:solidFill>
                   <a:schemeClr val="accent1"/>
                 </a:solidFill>
               </a14:hiddenFill>
             </a:ext>
             <a:ext uri="{91240B29-F687-4f45-9708-019B960494DF}">
-              <a14:hiddenLine xmlns="" xmlns:a14="http://schemas.microsoft.com/office/drawing/2007/7/7/main" w="9525">
+              <a14:hiddenLine xmlns:a14="http://schemas.microsoft.com/office/drawing/2007/7/7/main" xmlns="" w="9525">
                 <a:solidFill>
                   <a:schemeClr val="tx1"/>
                 </a:solidFill>
@@ -19577,7 +19147,7 @@
               </a14:hiddenLine>
             </a:ext>
             <a:ext uri="{AF507438-7753-43e0-B8FC-AC1667EBCBE1}">
-              <a14:hiddenEffects xmlns="" xmlns:a14="http://schemas.microsoft.com/office/drawing/2007/7/7/main">
+              <a14:hiddenEffects xmlns:a14="http://schemas.microsoft.com/office/drawing/2007/7/7/main" xmlns="">
                 <a:effectLst>
                   <a:outerShdw blurRad="63500" dist="35921" dir="2700000" algn="ctr" rotWithShape="0">
                     <a:schemeClr val="bg2"/>
@@ -19591,7 +19161,7 @@
     </p:spTree>
     <p:extLst>
       <p:ext uri="{BB962C8B-B14F-4D97-AF65-F5344CB8AC3E}">
-        <p14:creationId xmlns:p14="http://schemas.microsoft.com/office/powerpoint/2010/main" val="1117231369"/>
+        <p14:creationId xmlns:p14="http://schemas.microsoft.com/office/powerpoint/2010/main" val="2582956764"/>
       </p:ext>
     </p:extLst>
   </p:cSld>
@@ -19658,7 +19228,7 @@
       </p:sp>
       <p:pic>
         <p:nvPicPr>
-          <p:cNvPr id="31746" name="Picture 2"/>
+          <p:cNvPr id="33794" name="Picture 2"/>
           <p:cNvPicPr>
             <a:picLocks noChangeAspect="1" noChangeArrowheads="1"/>
           </p:cNvPicPr>
@@ -19675,22 +19245,22 @@
         </p:blipFill>
         <p:spPr bwMode="auto">
           <a:xfrm>
-            <a:off x="1652333" y="1795212"/>
-            <a:ext cx="7981950" cy="3219450"/>
+            <a:off x="1738528" y="1724646"/>
+            <a:ext cx="8458200" cy="4295775"/>
           </a:xfrm>
           <a:prstGeom prst="rect">
             <a:avLst/>
           </a:prstGeom>
           <a:extLst>
             <a:ext uri="{909E8E84-426E-40dd-AFC4-6F175D3DCCD1}">
-              <a14:hiddenFill xmlns="" xmlns:a14="http://schemas.microsoft.com/office/drawing/2007/7/7/main">
+              <a14:hiddenFill xmlns:a14="http://schemas.microsoft.com/office/drawing/2007/7/7/main" xmlns="">
                 <a:solidFill>
                   <a:schemeClr val="accent1"/>
                 </a:solidFill>
               </a14:hiddenFill>
             </a:ext>
             <a:ext uri="{91240B29-F687-4f45-9708-019B960494DF}">
-              <a14:hiddenLine xmlns="" xmlns:a14="http://schemas.microsoft.com/office/drawing/2007/7/7/main" w="9525">
+              <a14:hiddenLine xmlns:a14="http://schemas.microsoft.com/office/drawing/2007/7/7/main" xmlns="" w="9525">
                 <a:solidFill>
                   <a:schemeClr val="tx1"/>
                 </a:solidFill>
@@ -19700,7 +19270,7 @@
               </a14:hiddenLine>
             </a:ext>
             <a:ext uri="{AF507438-7753-43e0-B8FC-AC1667EBCBE1}">
-              <a14:hiddenEffects xmlns="" xmlns:a14="http://schemas.microsoft.com/office/drawing/2007/7/7/main">
+              <a14:hiddenEffects xmlns:a14="http://schemas.microsoft.com/office/drawing/2007/7/7/main" xmlns="">
                 <a:effectLst>
                   <a:outerShdw blurRad="63500" dist="35921" dir="2700000" algn="ctr" rotWithShape="0">
                     <a:schemeClr val="bg2"/>
@@ -19714,7 +19284,7 @@
     </p:spTree>
     <p:extLst>
       <p:ext uri="{BB962C8B-B14F-4D97-AF65-F5344CB8AC3E}">
-        <p14:creationId xmlns:p14="http://schemas.microsoft.com/office/powerpoint/2010/main" val="3765130159"/>
+        <p14:creationId xmlns:p14="http://schemas.microsoft.com/office/powerpoint/2010/main" val="938298835"/>
       </p:ext>
     </p:extLst>
   </p:cSld>
@@ -19899,7 +19469,7 @@
       </p:sp>
       <p:pic>
         <p:nvPicPr>
-          <p:cNvPr id="32770" name="Picture 2"/>
+          <p:cNvPr id="34818" name="Picture 2"/>
           <p:cNvPicPr>
             <a:picLocks noChangeAspect="1" noChangeArrowheads="1"/>
           </p:cNvPicPr>
@@ -19916,22 +19486,22 @@
         </p:blipFill>
         <p:spPr bwMode="auto">
           <a:xfrm>
-            <a:off x="1758865" y="1798474"/>
-            <a:ext cx="8505825" cy="3381375"/>
+            <a:off x="1639719" y="1787330"/>
+            <a:ext cx="8505825" cy="4238625"/>
           </a:xfrm>
           <a:prstGeom prst="rect">
             <a:avLst/>
           </a:prstGeom>
           <a:extLst>
             <a:ext uri="{909E8E84-426E-40dd-AFC4-6F175D3DCCD1}">
-              <a14:hiddenFill xmlns="" xmlns:a14="http://schemas.microsoft.com/office/drawing/2007/7/7/main">
+              <a14:hiddenFill xmlns:a14="http://schemas.microsoft.com/office/drawing/2007/7/7/main" xmlns="">
                 <a:solidFill>
                   <a:schemeClr val="accent1"/>
                 </a:solidFill>
               </a14:hiddenFill>
             </a:ext>
             <a:ext uri="{91240B29-F687-4f45-9708-019B960494DF}">
-              <a14:hiddenLine xmlns="" xmlns:a14="http://schemas.microsoft.com/office/drawing/2007/7/7/main" w="9525">
+              <a14:hiddenLine xmlns:a14="http://schemas.microsoft.com/office/drawing/2007/7/7/main" xmlns="" w="9525">
                 <a:solidFill>
                   <a:schemeClr val="tx1"/>
                 </a:solidFill>
@@ -19941,7 +19511,7 @@
               </a14:hiddenLine>
             </a:ext>
             <a:ext uri="{AF507438-7753-43e0-B8FC-AC1667EBCBE1}">
-              <a14:hiddenEffects xmlns="" xmlns:a14="http://schemas.microsoft.com/office/drawing/2007/7/7/main">
+              <a14:hiddenEffects xmlns:a14="http://schemas.microsoft.com/office/drawing/2007/7/7/main" xmlns="">
                 <a:effectLst>
                   <a:outerShdw blurRad="63500" dist="35921" dir="2700000" algn="ctr" rotWithShape="0">
                     <a:schemeClr val="bg2"/>
@@ -19955,7 +19525,7 @@
     </p:spTree>
     <p:extLst>
       <p:ext uri="{BB962C8B-B14F-4D97-AF65-F5344CB8AC3E}">
-        <p14:creationId xmlns:p14="http://schemas.microsoft.com/office/powerpoint/2010/main" val="2582956764"/>
+        <p14:creationId xmlns:p14="http://schemas.microsoft.com/office/powerpoint/2010/main" val="1666510144"/>
       </p:ext>
     </p:extLst>
   </p:cSld>
@@ -20022,14 +19592,14 @@
       </p:sp>
       <p:pic>
         <p:nvPicPr>
-          <p:cNvPr id="33794" name="Picture 2"/>
+          <p:cNvPr id="35842" name="Picture 2"/>
           <p:cNvPicPr>
             <a:picLocks noChangeAspect="1" noChangeArrowheads="1"/>
           </p:cNvPicPr>
           <p:nvPr/>
         </p:nvPicPr>
         <p:blipFill>
-          <a:blip r:embed="rId2">
+          <a:blip r:embed="rId3">
             <a:extLst/>
           </a:blip>
           <a:srcRect/>
@@ -20039,22 +19609,22 @@
         </p:blipFill>
         <p:spPr bwMode="auto">
           <a:xfrm>
-            <a:off x="1738528" y="1724646"/>
-            <a:ext cx="8458200" cy="4295775"/>
+            <a:off x="1649829" y="1662358"/>
+            <a:ext cx="8601075" cy="4286250"/>
           </a:xfrm>
           <a:prstGeom prst="rect">
             <a:avLst/>
           </a:prstGeom>
           <a:extLst>
             <a:ext uri="{909E8E84-426E-40dd-AFC4-6F175D3DCCD1}">
-              <a14:hiddenFill xmlns="" xmlns:a14="http://schemas.microsoft.com/office/drawing/2007/7/7/main">
+              <a14:hiddenFill xmlns:a14="http://schemas.microsoft.com/office/drawing/2007/7/7/main" xmlns="">
                 <a:solidFill>
                   <a:schemeClr val="accent1"/>
                 </a:solidFill>
               </a14:hiddenFill>
             </a:ext>
             <a:ext uri="{91240B29-F687-4f45-9708-019B960494DF}">
-              <a14:hiddenLine xmlns="" xmlns:a14="http://schemas.microsoft.com/office/drawing/2007/7/7/main" w="9525">
+              <a14:hiddenLine xmlns:a14="http://schemas.microsoft.com/office/drawing/2007/7/7/main" xmlns="" w="9525">
                 <a:solidFill>
                   <a:schemeClr val="tx1"/>
                 </a:solidFill>
@@ -20064,7 +19634,7 @@
               </a14:hiddenLine>
             </a:ext>
             <a:ext uri="{AF507438-7753-43e0-B8FC-AC1667EBCBE1}">
-              <a14:hiddenEffects xmlns="" xmlns:a14="http://schemas.microsoft.com/office/drawing/2007/7/7/main">
+              <a14:hiddenEffects xmlns:a14="http://schemas.microsoft.com/office/drawing/2007/7/7/main" xmlns="">
                 <a:effectLst>
                   <a:outerShdw blurRad="63500" dist="35921" dir="2700000" algn="ctr" rotWithShape="0">
                     <a:schemeClr val="bg2"/>
@@ -20078,7 +19648,7 @@
     </p:spTree>
     <p:extLst>
       <p:ext uri="{BB962C8B-B14F-4D97-AF65-F5344CB8AC3E}">
-        <p14:creationId xmlns:p14="http://schemas.microsoft.com/office/powerpoint/2010/main" val="938298835"/>
+        <p14:creationId xmlns:p14="http://schemas.microsoft.com/office/powerpoint/2010/main" val="847035075"/>
       </p:ext>
     </p:extLst>
   </p:cSld>
@@ -20145,7 +19715,7 @@
       </p:sp>
       <p:pic>
         <p:nvPicPr>
-          <p:cNvPr id="34818" name="Picture 2"/>
+          <p:cNvPr id="36866" name="Picture 2"/>
           <p:cNvPicPr>
             <a:picLocks noChangeAspect="1" noChangeArrowheads="1"/>
           </p:cNvPicPr>
@@ -20162,22 +19732,22 @@
         </p:blipFill>
         <p:spPr bwMode="auto">
           <a:xfrm>
-            <a:off x="1639719" y="1787330"/>
-            <a:ext cx="8505825" cy="4238625"/>
+            <a:off x="1685925" y="1770244"/>
+            <a:ext cx="8820150" cy="4019550"/>
           </a:xfrm>
           <a:prstGeom prst="rect">
             <a:avLst/>
           </a:prstGeom>
           <a:extLst>
             <a:ext uri="{909E8E84-426E-40dd-AFC4-6F175D3DCCD1}">
-              <a14:hiddenFill xmlns="" xmlns:a14="http://schemas.microsoft.com/office/drawing/2007/7/7/main">
+              <a14:hiddenFill xmlns:a14="http://schemas.microsoft.com/office/drawing/2007/7/7/main" xmlns="">
                 <a:solidFill>
                   <a:schemeClr val="accent1"/>
                 </a:solidFill>
               </a14:hiddenFill>
             </a:ext>
             <a:ext uri="{91240B29-F687-4f45-9708-019B960494DF}">
-              <a14:hiddenLine xmlns="" xmlns:a14="http://schemas.microsoft.com/office/drawing/2007/7/7/main" w="9525">
+              <a14:hiddenLine xmlns:a14="http://schemas.microsoft.com/office/drawing/2007/7/7/main" xmlns="" w="9525">
                 <a:solidFill>
                   <a:schemeClr val="tx1"/>
                 </a:solidFill>
@@ -20187,7 +19757,7 @@
               </a14:hiddenLine>
             </a:ext>
             <a:ext uri="{AF507438-7753-43e0-B8FC-AC1667EBCBE1}">
-              <a14:hiddenEffects xmlns="" xmlns:a14="http://schemas.microsoft.com/office/drawing/2007/7/7/main">
+              <a14:hiddenEffects xmlns:a14="http://schemas.microsoft.com/office/drawing/2007/7/7/main" xmlns="">
                 <a:effectLst>
                   <a:outerShdw blurRad="63500" dist="35921" dir="2700000" algn="ctr" rotWithShape="0">
                     <a:schemeClr val="bg2"/>
@@ -20201,7 +19771,7 @@
     </p:spTree>
     <p:extLst>
       <p:ext uri="{BB962C8B-B14F-4D97-AF65-F5344CB8AC3E}">
-        <p14:creationId xmlns:p14="http://schemas.microsoft.com/office/powerpoint/2010/main" val="1666510144"/>
+        <p14:creationId xmlns:p14="http://schemas.microsoft.com/office/powerpoint/2010/main" val="330769772"/>
       </p:ext>
     </p:extLst>
   </p:cSld>
@@ -20248,83 +19818,585 @@
             <p:ph type="title"/>
           </p:nvPr>
         </p:nvSpPr>
+        <p:spPr/>
+        <p:txBody>
+          <a:bodyPr/>
+          <a:lstStyle/>
+          <a:p>
+            <a:r>
+              <a:rPr lang="en-US" dirty="0" smtClean="0"/>
+              <a:t>Bit-vector / Machine arithmetic</a:t>
+            </a:r>
+            <a:endParaRPr lang="en-US" dirty="0"/>
+          </a:p>
+        </p:txBody>
+      </p:sp>
+      <p:sp>
+        <p:nvSpPr>
+          <p:cNvPr id="3" name="Content Placeholder 2"/>
+          <p:cNvSpPr>
+            <a:spLocks noGrp="1"/>
+          </p:cNvSpPr>
+          <p:nvPr>
+            <p:ph idx="1"/>
+          </p:nvPr>
+        </p:nvSpPr>
         <p:spPr>
           <a:xfrm>
-            <a:off x="1905000" y="230188"/>
-            <a:ext cx="8382000" cy="747897"/>
+            <a:off x="352425" y="1892287"/>
+            <a:ext cx="7400925" cy="5601533"/>
           </a:xfrm>
         </p:spPr>
         <p:txBody>
           <a:bodyPr/>
           <a:lstStyle/>
           <a:p>
+            <a:pPr marL="0" indent="0">
+              <a:buNone/>
+            </a:pPr>
             <a:r>
               <a:rPr lang="en-US" dirty="0" smtClean="0"/>
-              <a:t>DPLL (example)</a:t>
-            </a:r>
+              <a:t>Let x, y and z be 8-bit (unsigned) integers.</a:t>
+            </a:r>
+          </a:p>
+          <a:p>
+            <a:pPr marL="0" indent="0">
+              <a:buNone/>
+            </a:pPr>
             <a:endParaRPr lang="en-US" dirty="0"/>
           </a:p>
-        </p:txBody>
-      </p:sp>
-      <p:pic>
-        <p:nvPicPr>
-          <p:cNvPr id="35842" name="Picture 2"/>
-          <p:cNvPicPr>
-            <a:picLocks noChangeAspect="1" noChangeArrowheads="1"/>
-          </p:cNvPicPr>
+          <a:p>
+            <a:pPr marL="0" indent="0">
+              <a:buNone/>
+            </a:pPr>
+            <a:r>
+              <a:rPr lang="en-US" dirty="0" smtClean="0"/>
+              <a:t>Is </a:t>
+            </a:r>
+            <a:r>
+              <a:rPr lang="en-US" dirty="0"/>
+              <a:t>	</a:t>
+            </a:r>
+            <a:r>
+              <a:rPr lang="en-US" dirty="0" smtClean="0"/>
+              <a:t>x &gt; 0 </a:t>
+            </a:r>
+            <a:r>
+              <a:rPr lang="en-US" dirty="0" smtClean="0">
+                <a:sym typeface="Symbol"/>
+              </a:rPr>
+              <a:t> y </a:t>
+            </a:r>
+            <a:r>
+              <a:rPr lang="en-US" dirty="0"/>
+              <a:t>&gt; </a:t>
+            </a:r>
+            <a:r>
+              <a:rPr lang="en-US" dirty="0" smtClean="0"/>
+              <a:t>0 </a:t>
+            </a:r>
+            <a:r>
+              <a:rPr lang="en-US" dirty="0" smtClean="0">
+                <a:sym typeface="Symbol"/>
+              </a:rPr>
+              <a:t> z = x + y  z &gt; 0  </a:t>
+            </a:r>
+          </a:p>
+          <a:p>
+            <a:pPr marL="0" indent="0">
+              <a:buNone/>
+            </a:pPr>
+            <a:r>
+              <a:rPr lang="en-US" dirty="0" smtClean="0">
+                <a:sym typeface="Symbol"/>
+              </a:rPr>
+              <a:t>	valid?</a:t>
+            </a:r>
+          </a:p>
+          <a:p>
+            <a:pPr marL="0" indent="0">
+              <a:buNone/>
+            </a:pPr>
+            <a:endParaRPr lang="en-US" dirty="0">
+              <a:sym typeface="Symbol"/>
+            </a:endParaRPr>
+          </a:p>
+          <a:p>
+            <a:pPr marL="0" indent="0">
+              <a:buNone/>
+            </a:pPr>
+            <a:r>
+              <a:rPr lang="en-US" dirty="0">
+                <a:sym typeface="Symbol"/>
+              </a:rPr>
+              <a:t>e</a:t>
+            </a:r>
+            <a:r>
+              <a:rPr lang="en-US" dirty="0" smtClean="0">
+                <a:sym typeface="Symbol"/>
+              </a:rPr>
+              <a:t>quivalently,</a:t>
+            </a:r>
+          </a:p>
+          <a:p>
+            <a:pPr marL="0" indent="0">
+              <a:buNone/>
+            </a:pPr>
+            <a:endParaRPr lang="en-US" dirty="0" smtClean="0">
+              <a:sym typeface="Symbol"/>
+            </a:endParaRPr>
+          </a:p>
+          <a:p>
+            <a:pPr marL="0" indent="0">
+              <a:buNone/>
+            </a:pPr>
+            <a:r>
+              <a:rPr lang="en-US" dirty="0"/>
+              <a:t>Is </a:t>
+            </a:r>
+            <a:r>
+              <a:rPr lang="en-US" dirty="0" smtClean="0"/>
+              <a:t>	x </a:t>
+            </a:r>
+            <a:r>
+              <a:rPr lang="en-US" dirty="0"/>
+              <a:t>&gt; 0 </a:t>
+            </a:r>
+            <a:r>
+              <a:rPr lang="en-US" dirty="0">
+                <a:sym typeface="Symbol"/>
+              </a:rPr>
+              <a:t> y </a:t>
+            </a:r>
+            <a:r>
+              <a:rPr lang="en-US" dirty="0"/>
+              <a:t>&gt; 0 </a:t>
+            </a:r>
+            <a:r>
+              <a:rPr lang="en-US" dirty="0">
+                <a:sym typeface="Symbol"/>
+              </a:rPr>
+              <a:t> z = x + y  </a:t>
+            </a:r>
+            <a:r>
+              <a:rPr lang="en-US" dirty="0" smtClean="0">
+                <a:sym typeface="Symbol"/>
+              </a:rPr>
+              <a:t>(z </a:t>
+            </a:r>
+            <a:r>
+              <a:rPr lang="en-US" dirty="0">
+                <a:sym typeface="Symbol"/>
+              </a:rPr>
+              <a:t>&gt; </a:t>
+            </a:r>
+            <a:r>
+              <a:rPr lang="en-US" dirty="0" smtClean="0">
+                <a:sym typeface="Symbol"/>
+              </a:rPr>
+              <a:t>0)  </a:t>
+            </a:r>
+          </a:p>
+          <a:p>
+            <a:pPr marL="0" indent="0">
+              <a:buNone/>
+            </a:pPr>
+            <a:r>
+              <a:rPr lang="en-US" dirty="0" smtClean="0">
+                <a:sym typeface="Symbol"/>
+              </a:rPr>
+              <a:t>	</a:t>
+            </a:r>
+            <a:r>
+              <a:rPr lang="en-US" dirty="0" err="1" smtClean="0">
+                <a:sym typeface="Symbol"/>
+              </a:rPr>
+              <a:t>unsatisfiable</a:t>
+            </a:r>
+            <a:r>
+              <a:rPr lang="en-US" dirty="0" smtClean="0">
+                <a:sym typeface="Symbol"/>
+              </a:rPr>
+              <a:t>?</a:t>
+            </a:r>
+            <a:endParaRPr lang="en-US" dirty="0">
+              <a:sym typeface="Symbol"/>
+            </a:endParaRPr>
+          </a:p>
+          <a:p>
+            <a:pPr marL="0" indent="0">
+              <a:buNone/>
+            </a:pPr>
+            <a:endParaRPr lang="en-US" dirty="0">
+              <a:sym typeface="Symbol"/>
+            </a:endParaRPr>
+          </a:p>
+          <a:p>
+            <a:pPr marL="0" indent="0">
+              <a:buNone/>
+            </a:pPr>
+            <a:endParaRPr lang="en-US" dirty="0">
+              <a:sym typeface="Symbol"/>
+            </a:endParaRPr>
+          </a:p>
+          <a:p>
+            <a:pPr marL="0" indent="0">
+              <a:buNone/>
+            </a:pPr>
+            <a:r>
+              <a:rPr lang="en-US" dirty="0" smtClean="0"/>
+              <a:t> </a:t>
+            </a:r>
+            <a:endParaRPr lang="en-US" dirty="0"/>
+          </a:p>
+        </p:txBody>
+      </p:sp>
+      <p:sp>
+        <p:nvSpPr>
+          <p:cNvPr id="5" name="Rectangle 4"/>
+          <p:cNvSpPr/>
           <p:nvPr/>
-        </p:nvPicPr>
-        <p:blipFill>
-          <a:blip r:embed="rId2">
-            <a:extLst/>
-          </a:blip>
-          <a:srcRect/>
-          <a:stretch>
-            <a:fillRect/>
-          </a:stretch>
-        </p:blipFill>
-        <p:spPr bwMode="auto">
+        </p:nvSpPr>
+        <p:spPr>
           <a:xfrm>
-            <a:off x="1649829" y="1662358"/>
-            <a:ext cx="8601075" cy="4286250"/>
+            <a:off x="7724775" y="1805018"/>
+            <a:ext cx="4559299" cy="4524315"/>
           </a:xfrm>
           <a:prstGeom prst="rect">
             <a:avLst/>
           </a:prstGeom>
-          <a:extLst>
-            <a:ext uri="{909E8E84-426E-40dd-AFC4-6F175D3DCCD1}">
-              <a14:hiddenFill xmlns="" xmlns:a14="http://schemas.microsoft.com/office/drawing/2007/7/7/main">
+        </p:spPr>
+        <p:txBody>
+          <a:bodyPr wrap="square">
+            <a:spAutoFit/>
+          </a:bodyPr>
+          <a:lstStyle/>
+          <a:p>
+            <a:r>
+              <a:rPr lang="en-US" dirty="0">
                 <a:solidFill>
-                  <a:schemeClr val="accent1"/>
+                  <a:sysClr val="windowText" lastClr="000000"/>
                 </a:solidFill>
-              </a14:hiddenFill>
-            </a:ext>
-            <a:ext uri="{91240B29-F687-4f45-9708-019B960494DF}">
-              <a14:hiddenLine xmlns="" xmlns:a14="http://schemas.microsoft.com/office/drawing/2007/7/7/main" w="9525">
+                <a:latin typeface="Courier New" panose="02070309020205020404" pitchFamily="49" charset="0"/>
+                <a:cs typeface="Courier New" panose="02070309020205020404" pitchFamily="49" charset="0"/>
+              </a:rPr>
+              <a:t>from z3 import *</a:t>
+            </a:r>
+          </a:p>
+          <a:p>
+            <a:endParaRPr lang="en-US" dirty="0">
+              <a:solidFill>
+                <a:sysClr val="windowText" lastClr="000000"/>
+              </a:solidFill>
+              <a:latin typeface="Courier New" panose="02070309020205020404" pitchFamily="49" charset="0"/>
+              <a:cs typeface="Courier New" panose="02070309020205020404" pitchFamily="49" charset="0"/>
+            </a:endParaRPr>
+          </a:p>
+          <a:p>
+            <a:r>
+              <a:rPr lang="en-US" dirty="0">
                 <a:solidFill>
-                  <a:schemeClr val="tx1"/>
+                  <a:sysClr val="windowText" lastClr="000000"/>
                 </a:solidFill>
-                <a:miter lim="800000"/>
-                <a:headEnd/>
-                <a:tailEnd/>
-              </a14:hiddenLine>
-            </a:ext>
-            <a:ext uri="{AF507438-7753-43e0-B8FC-AC1667EBCBE1}">
-              <a14:hiddenEffects xmlns="" xmlns:a14="http://schemas.microsoft.com/office/drawing/2007/7/7/main">
-                <a:effectLst>
-                  <a:outerShdw blurRad="63500" dist="35921" dir="2700000" algn="ctr" rotWithShape="0">
-                    <a:schemeClr val="bg2"/>
-                  </a:outerShdw>
-                </a:effectLst>
-              </a14:hiddenEffects>
-            </a:ext>
-          </a:extLst>
-        </p:spPr>
-      </p:pic>
+                <a:latin typeface="Courier New" panose="02070309020205020404" pitchFamily="49" charset="0"/>
+                <a:cs typeface="Courier New" panose="02070309020205020404" pitchFamily="49" charset="0"/>
+              </a:rPr>
+              <a:t>x = </a:t>
+            </a:r>
+            <a:r>
+              <a:rPr lang="en-US" dirty="0" err="1">
+                <a:solidFill>
+                  <a:sysClr val="windowText" lastClr="000000"/>
+                </a:solidFill>
+                <a:latin typeface="Courier New" panose="02070309020205020404" pitchFamily="49" charset="0"/>
+                <a:cs typeface="Courier New" panose="02070309020205020404" pitchFamily="49" charset="0"/>
+              </a:rPr>
+              <a:t>BitVec</a:t>
+            </a:r>
+            <a:r>
+              <a:rPr lang="en-US" dirty="0">
+                <a:solidFill>
+                  <a:sysClr val="windowText" lastClr="000000"/>
+                </a:solidFill>
+                <a:latin typeface="Courier New" panose="02070309020205020404" pitchFamily="49" charset="0"/>
+                <a:cs typeface="Courier New" panose="02070309020205020404" pitchFamily="49" charset="0"/>
+              </a:rPr>
+              <a:t>("x",8)</a:t>
+            </a:r>
+          </a:p>
+          <a:p>
+            <a:r>
+              <a:rPr lang="en-US" dirty="0">
+                <a:solidFill>
+                  <a:sysClr val="windowText" lastClr="000000"/>
+                </a:solidFill>
+                <a:latin typeface="Courier New" panose="02070309020205020404" pitchFamily="49" charset="0"/>
+                <a:cs typeface="Courier New" panose="02070309020205020404" pitchFamily="49" charset="0"/>
+              </a:rPr>
+              <a:t>y = </a:t>
+            </a:r>
+            <a:r>
+              <a:rPr lang="en-US" dirty="0" err="1">
+                <a:solidFill>
+                  <a:sysClr val="windowText" lastClr="000000"/>
+                </a:solidFill>
+                <a:latin typeface="Courier New" panose="02070309020205020404" pitchFamily="49" charset="0"/>
+                <a:cs typeface="Courier New" panose="02070309020205020404" pitchFamily="49" charset="0"/>
+              </a:rPr>
+              <a:t>BitVec</a:t>
+            </a:r>
+            <a:r>
+              <a:rPr lang="en-US" dirty="0">
+                <a:solidFill>
+                  <a:sysClr val="windowText" lastClr="000000"/>
+                </a:solidFill>
+                <a:latin typeface="Courier New" panose="02070309020205020404" pitchFamily="49" charset="0"/>
+                <a:cs typeface="Courier New" panose="02070309020205020404" pitchFamily="49" charset="0"/>
+              </a:rPr>
+              <a:t>("y",8)</a:t>
+            </a:r>
+          </a:p>
+          <a:p>
+            <a:r>
+              <a:rPr lang="en-US" dirty="0">
+                <a:solidFill>
+                  <a:sysClr val="windowText" lastClr="000000"/>
+                </a:solidFill>
+                <a:latin typeface="Courier New" panose="02070309020205020404" pitchFamily="49" charset="0"/>
+                <a:cs typeface="Courier New" panose="02070309020205020404" pitchFamily="49" charset="0"/>
+              </a:rPr>
+              <a:t>z = </a:t>
+            </a:r>
+            <a:r>
+              <a:rPr lang="en-US" dirty="0" err="1">
+                <a:solidFill>
+                  <a:sysClr val="windowText" lastClr="000000"/>
+                </a:solidFill>
+                <a:latin typeface="Courier New" panose="02070309020205020404" pitchFamily="49" charset="0"/>
+                <a:cs typeface="Courier New" panose="02070309020205020404" pitchFamily="49" charset="0"/>
+              </a:rPr>
+              <a:t>BitVec</a:t>
+            </a:r>
+            <a:r>
+              <a:rPr lang="en-US" dirty="0">
+                <a:solidFill>
+                  <a:sysClr val="windowText" lastClr="000000"/>
+                </a:solidFill>
+                <a:latin typeface="Courier New" panose="02070309020205020404" pitchFamily="49" charset="0"/>
+                <a:cs typeface="Courier New" panose="02070309020205020404" pitchFamily="49" charset="0"/>
+              </a:rPr>
+              <a:t>("z",8)</a:t>
+            </a:r>
+          </a:p>
+          <a:p>
+            <a:endParaRPr lang="en-US" dirty="0">
+              <a:solidFill>
+                <a:sysClr val="windowText" lastClr="000000"/>
+              </a:solidFill>
+              <a:latin typeface="Courier New" panose="02070309020205020404" pitchFamily="49" charset="0"/>
+              <a:cs typeface="Courier New" panose="02070309020205020404" pitchFamily="49" charset="0"/>
+            </a:endParaRPr>
+          </a:p>
+          <a:p>
+            <a:r>
+              <a:rPr lang="en-US" dirty="0">
+                <a:solidFill>
+                  <a:sysClr val="windowText" lastClr="000000"/>
+                </a:solidFill>
+                <a:latin typeface="Courier New" panose="02070309020205020404" pitchFamily="49" charset="0"/>
+                <a:cs typeface="Courier New" panose="02070309020205020404" pitchFamily="49" charset="0"/>
+              </a:rPr>
+              <a:t>s = Solver()</a:t>
+            </a:r>
+          </a:p>
+          <a:p>
+            <a:r>
+              <a:rPr lang="en-US" dirty="0" err="1">
+                <a:solidFill>
+                  <a:sysClr val="windowText" lastClr="000000"/>
+                </a:solidFill>
+                <a:latin typeface="Courier New" panose="02070309020205020404" pitchFamily="49" charset="0"/>
+                <a:cs typeface="Courier New" panose="02070309020205020404" pitchFamily="49" charset="0"/>
+              </a:rPr>
+              <a:t>s.add</a:t>
+            </a:r>
+            <a:r>
+              <a:rPr lang="en-US" dirty="0">
+                <a:solidFill>
+                  <a:sysClr val="windowText" lastClr="000000"/>
+                </a:solidFill>
+                <a:latin typeface="Courier New" panose="02070309020205020404" pitchFamily="49" charset="0"/>
+                <a:cs typeface="Courier New" panose="02070309020205020404" pitchFamily="49" charset="0"/>
+              </a:rPr>
+              <a:t>(UGT(x,0),UGT(y,0),z==</a:t>
+            </a:r>
+            <a:r>
+              <a:rPr lang="en-US" dirty="0" err="1">
+                <a:solidFill>
+                  <a:sysClr val="windowText" lastClr="000000"/>
+                </a:solidFill>
+                <a:latin typeface="Courier New" panose="02070309020205020404" pitchFamily="49" charset="0"/>
+                <a:cs typeface="Courier New" panose="02070309020205020404" pitchFamily="49" charset="0"/>
+              </a:rPr>
+              <a:t>x+y</a:t>
+            </a:r>
+            <a:r>
+              <a:rPr lang="en-US" dirty="0">
+                <a:solidFill>
+                  <a:sysClr val="windowText" lastClr="000000"/>
+                </a:solidFill>
+                <a:latin typeface="Courier New" panose="02070309020205020404" pitchFamily="49" charset="0"/>
+                <a:cs typeface="Courier New" panose="02070309020205020404" pitchFamily="49" charset="0"/>
+              </a:rPr>
+              <a:t>)</a:t>
+            </a:r>
+          </a:p>
+          <a:p>
+            <a:r>
+              <a:rPr lang="en-US" dirty="0" err="1">
+                <a:solidFill>
+                  <a:sysClr val="windowText" lastClr="000000"/>
+                </a:solidFill>
+                <a:latin typeface="Courier New" panose="02070309020205020404" pitchFamily="49" charset="0"/>
+                <a:cs typeface="Courier New" panose="02070309020205020404" pitchFamily="49" charset="0"/>
+              </a:rPr>
+              <a:t>s.add</a:t>
+            </a:r>
+            <a:r>
+              <a:rPr lang="en-US" dirty="0">
+                <a:solidFill>
+                  <a:sysClr val="windowText" lastClr="000000"/>
+                </a:solidFill>
+                <a:latin typeface="Courier New" panose="02070309020205020404" pitchFamily="49" charset="0"/>
+                <a:cs typeface="Courier New" panose="02070309020205020404" pitchFamily="49" charset="0"/>
+              </a:rPr>
+              <a:t>(Not(UGT(z,0)))</a:t>
+            </a:r>
+          </a:p>
+          <a:p>
+            <a:endParaRPr lang="en-US" dirty="0">
+              <a:solidFill>
+                <a:sysClr val="windowText" lastClr="000000"/>
+              </a:solidFill>
+              <a:latin typeface="Courier New" panose="02070309020205020404" pitchFamily="49" charset="0"/>
+              <a:cs typeface="Courier New" panose="02070309020205020404" pitchFamily="49" charset="0"/>
+            </a:endParaRPr>
+          </a:p>
+          <a:p>
+            <a:r>
+              <a:rPr lang="en-US" dirty="0">
+                <a:solidFill>
+                  <a:sysClr val="windowText" lastClr="000000"/>
+                </a:solidFill>
+                <a:latin typeface="Courier New" panose="02070309020205020404" pitchFamily="49" charset="0"/>
+                <a:cs typeface="Courier New" panose="02070309020205020404" pitchFamily="49" charset="0"/>
+              </a:rPr>
+              <a:t>result = </a:t>
+            </a:r>
+            <a:r>
+              <a:rPr lang="en-US" dirty="0" err="1">
+                <a:solidFill>
+                  <a:sysClr val="windowText" lastClr="000000"/>
+                </a:solidFill>
+                <a:latin typeface="Courier New" panose="02070309020205020404" pitchFamily="49" charset="0"/>
+                <a:cs typeface="Courier New" panose="02070309020205020404" pitchFamily="49" charset="0"/>
+              </a:rPr>
+              <a:t>s.check</a:t>
+            </a:r>
+            <a:r>
+              <a:rPr lang="en-US" dirty="0">
+                <a:solidFill>
+                  <a:sysClr val="windowText" lastClr="000000"/>
+                </a:solidFill>
+                <a:latin typeface="Courier New" panose="02070309020205020404" pitchFamily="49" charset="0"/>
+                <a:cs typeface="Courier New" panose="02070309020205020404" pitchFamily="49" charset="0"/>
+              </a:rPr>
+              <a:t>()</a:t>
+            </a:r>
+          </a:p>
+          <a:p>
+            <a:r>
+              <a:rPr lang="en-US" dirty="0">
+                <a:solidFill>
+                  <a:sysClr val="windowText" lastClr="000000"/>
+                </a:solidFill>
+                <a:latin typeface="Courier New" panose="02070309020205020404" pitchFamily="49" charset="0"/>
+                <a:cs typeface="Courier New" panose="02070309020205020404" pitchFamily="49" charset="0"/>
+              </a:rPr>
+              <a:t>if result == sat:</a:t>
+            </a:r>
+          </a:p>
+          <a:p>
+            <a:r>
+              <a:rPr lang="en-US" dirty="0">
+                <a:solidFill>
+                  <a:sysClr val="windowText" lastClr="000000"/>
+                </a:solidFill>
+                <a:latin typeface="Courier New" panose="02070309020205020404" pitchFamily="49" charset="0"/>
+                <a:cs typeface="Courier New" panose="02070309020205020404" pitchFamily="49" charset="0"/>
+              </a:rPr>
+              <a:t>	print(</a:t>
+            </a:r>
+            <a:r>
+              <a:rPr lang="en-US" dirty="0" err="1">
+                <a:solidFill>
+                  <a:sysClr val="windowText" lastClr="000000"/>
+                </a:solidFill>
+                <a:latin typeface="Courier New" panose="02070309020205020404" pitchFamily="49" charset="0"/>
+                <a:cs typeface="Courier New" panose="02070309020205020404" pitchFamily="49" charset="0"/>
+              </a:rPr>
+              <a:t>s.model</a:t>
+            </a:r>
+            <a:r>
+              <a:rPr lang="en-US" dirty="0">
+                <a:solidFill>
+                  <a:sysClr val="windowText" lastClr="000000"/>
+                </a:solidFill>
+                <a:latin typeface="Courier New" panose="02070309020205020404" pitchFamily="49" charset="0"/>
+                <a:cs typeface="Courier New" panose="02070309020205020404" pitchFamily="49" charset="0"/>
+              </a:rPr>
+              <a:t>())</a:t>
+            </a:r>
+          </a:p>
+          <a:p>
+            <a:r>
+              <a:rPr lang="en-US" dirty="0">
+                <a:solidFill>
+                  <a:sysClr val="windowText" lastClr="000000"/>
+                </a:solidFill>
+                <a:latin typeface="Courier New" panose="02070309020205020404" pitchFamily="49" charset="0"/>
+                <a:cs typeface="Courier New" panose="02070309020205020404" pitchFamily="49" charset="0"/>
+              </a:rPr>
+              <a:t>else:</a:t>
+            </a:r>
+          </a:p>
+          <a:p>
+            <a:r>
+              <a:rPr lang="en-US" dirty="0">
+                <a:solidFill>
+                  <a:sysClr val="windowText" lastClr="000000"/>
+                </a:solidFill>
+                <a:latin typeface="Courier New" panose="02070309020205020404" pitchFamily="49" charset="0"/>
+                <a:cs typeface="Courier New" panose="02070309020205020404" pitchFamily="49" charset="0"/>
+              </a:rPr>
+              <a:t>	print(result)</a:t>
+            </a:r>
+          </a:p>
+          <a:p>
+            <a:endParaRPr lang="en-US" dirty="0">
+              <a:solidFill>
+                <a:sysClr val="windowText" lastClr="000000"/>
+              </a:solidFill>
+              <a:latin typeface="Courier New" panose="02070309020205020404" pitchFamily="49" charset="0"/>
+              <a:cs typeface="Courier New" panose="02070309020205020404" pitchFamily="49" charset="0"/>
+            </a:endParaRPr>
+          </a:p>
+        </p:txBody>
+      </p:sp>
     </p:spTree>
     <p:extLst>
       <p:ext uri="{BB962C8B-B14F-4D97-AF65-F5344CB8AC3E}">
-        <p14:creationId xmlns:p14="http://schemas.microsoft.com/office/powerpoint/2010/main" val="847035075"/>
+        <p14:creationId xmlns:p14="http://schemas.microsoft.com/office/powerpoint/2010/main" val="966986378"/>
       </p:ext>
     </p:extLst>
   </p:cSld>
@@ -20337,9 +20409,88 @@
   <p:timing>
     <p:tnLst>
       <p:par>
-        <p:cTn id="1" dur="indefinite" restart="never" nodeType="tmRoot"/>
+        <p:cTn id="1" dur="indefinite" restart="never" nodeType="tmRoot">
+          <p:childTnLst>
+            <p:seq concurrent="1" nextAc="seek">
+              <p:cTn id="2" dur="indefinite" nodeType="mainSeq">
+                <p:childTnLst>
+                  <p:par>
+                    <p:cTn id="3" fill="hold">
+                      <p:stCondLst>
+                        <p:cond delay="indefinite"/>
+                      </p:stCondLst>
+                      <p:childTnLst>
+                        <p:par>
+                          <p:cTn id="4" fill="hold">
+                            <p:stCondLst>
+                              <p:cond delay="0"/>
+                            </p:stCondLst>
+                            <p:childTnLst>
+                              <p:par>
+                                <p:cTn id="5" presetID="10" presetClass="entr" presetSubtype="0" fill="hold" grpId="0" nodeType="clickEffect">
+                                  <p:stCondLst>
+                                    <p:cond delay="0"/>
+                                  </p:stCondLst>
+                                  <p:childTnLst>
+                                    <p:set>
+                                      <p:cBhvr>
+                                        <p:cTn id="6" dur="1" fill="hold">
+                                          <p:stCondLst>
+                                            <p:cond delay="0"/>
+                                          </p:stCondLst>
+                                        </p:cTn>
+                                        <p:tgtEl>
+                                          <p:spTgt spid="5"/>
+                                        </p:tgtEl>
+                                        <p:attrNameLst>
+                                          <p:attrName>style.visibility</p:attrName>
+                                        </p:attrNameLst>
+                                      </p:cBhvr>
+                                      <p:to>
+                                        <p:strVal val="visible"/>
+                                      </p:to>
+                                    </p:set>
+                                    <p:animEffect transition="in" filter="fade">
+                                      <p:cBhvr>
+                                        <p:cTn id="7" dur="500"/>
+                                        <p:tgtEl>
+                                          <p:spTgt spid="5"/>
+                                        </p:tgtEl>
+                                      </p:cBhvr>
+                                    </p:animEffect>
+                                  </p:childTnLst>
+                                </p:cTn>
+                              </p:par>
+                            </p:childTnLst>
+                          </p:cTn>
+                        </p:par>
+                      </p:childTnLst>
+                    </p:cTn>
+                  </p:par>
+                </p:childTnLst>
+              </p:cTn>
+              <p:prevCondLst>
+                <p:cond evt="onPrev" delay="0">
+                  <p:tgtEl>
+                    <p:sldTgt/>
+                  </p:tgtEl>
+                </p:cond>
+              </p:prevCondLst>
+              <p:nextCondLst>
+                <p:cond evt="onNext" delay="0">
+                  <p:tgtEl>
+                    <p:sldTgt/>
+                  </p:tgtEl>
+                </p:cond>
+              </p:nextCondLst>
+            </p:seq>
+          </p:childTnLst>
+        </p:cTn>
       </p:par>
     </p:tnLst>
+    <p:bldLst>
+      <p:bldP spid="5" grpId="0"/>
+    </p:bldLst>
   </p:timing>
 </p:sld>
 </file>
@@ -20371,83 +20522,200 @@
             <p:ph type="title"/>
           </p:nvPr>
         </p:nvSpPr>
+        <p:spPr/>
+        <p:txBody>
+          <a:bodyPr/>
+          <a:lstStyle/>
+          <a:p>
+            <a:r>
+              <a:rPr lang="en-US" dirty="0" smtClean="0"/>
+              <a:t>Bit-vector / Machine arithmetic</a:t>
+            </a:r>
+            <a:endParaRPr lang="en-US" dirty="0"/>
+          </a:p>
+        </p:txBody>
+      </p:sp>
+      <p:sp>
+        <p:nvSpPr>
+          <p:cNvPr id="3" name="Content Placeholder 2"/>
+          <p:cNvSpPr>
+            <a:spLocks noGrp="1"/>
+          </p:cNvSpPr>
+          <p:nvPr>
+            <p:ph idx="1"/>
+          </p:nvPr>
+        </p:nvSpPr>
         <p:spPr>
           <a:xfrm>
-            <a:off x="1905000" y="230188"/>
-            <a:ext cx="8382000" cy="747897"/>
+            <a:off x="1905000" y="1892287"/>
+            <a:ext cx="8382000" cy="4567404"/>
           </a:xfrm>
         </p:spPr>
         <p:txBody>
           <a:bodyPr/>
           <a:lstStyle/>
           <a:p>
+            <a:pPr marL="0" indent="0">
+              <a:buNone/>
+            </a:pPr>
+            <a:r>
+              <a:rPr lang="en-US" dirty="0" smtClean="0">
+                <a:solidFill>
+                  <a:srgbClr val="FF0000"/>
+                </a:solidFill>
+              </a:rPr>
+              <a:t>We can encode bit-vector </a:t>
+            </a:r>
+            <a:r>
+              <a:rPr lang="en-US" dirty="0" err="1" smtClean="0">
+                <a:solidFill>
+                  <a:srgbClr val="FF0000"/>
+                </a:solidFill>
+              </a:rPr>
+              <a:t>satisfiability</a:t>
+            </a:r>
+            <a:r>
+              <a:rPr lang="en-US" dirty="0" smtClean="0">
+                <a:solidFill>
+                  <a:srgbClr val="FF0000"/>
+                </a:solidFill>
+              </a:rPr>
+              <a:t> problems in propositional logic.</a:t>
+            </a:r>
+          </a:p>
+          <a:p>
+            <a:pPr marL="0" indent="0">
+              <a:buNone/>
+            </a:pPr>
+            <a:endParaRPr lang="en-US" dirty="0" smtClean="0"/>
+          </a:p>
+          <a:p>
+            <a:pPr marL="0" indent="0">
+              <a:buNone/>
+            </a:pPr>
             <a:r>
               <a:rPr lang="en-US" dirty="0" smtClean="0"/>
-              <a:t>DPLL (example)</a:t>
+              <a:t>Idea 1:</a:t>
+            </a:r>
+          </a:p>
+          <a:p>
+            <a:pPr marL="0" indent="0">
+              <a:buNone/>
+            </a:pPr>
+            <a:r>
+              <a:rPr lang="en-US" dirty="0" smtClean="0"/>
+              <a:t>Use </a:t>
+            </a:r>
+            <a:r>
+              <a:rPr lang="en-US" i="1" dirty="0" smtClean="0"/>
+              <a:t>n </a:t>
+            </a:r>
+            <a:r>
+              <a:rPr lang="en-US" dirty="0" smtClean="0"/>
+              <a:t>propositional variables to encode </a:t>
+            </a:r>
+            <a:r>
+              <a:rPr lang="en-US" i="1" dirty="0" smtClean="0"/>
+              <a:t>n</a:t>
+            </a:r>
+            <a:r>
+              <a:rPr lang="en-US" dirty="0" smtClean="0"/>
+              <a:t>-bit integers.</a:t>
+            </a:r>
+          </a:p>
+          <a:p>
+            <a:pPr marL="0" indent="0" algn="ctr">
+              <a:buNone/>
+            </a:pPr>
+            <a:r>
+              <a:rPr lang="en-US" dirty="0" smtClean="0"/>
+              <a:t>x </a:t>
+            </a:r>
+            <a:r>
+              <a:rPr lang="en-US" dirty="0" smtClean="0">
+                <a:sym typeface="Wingdings" pitchFamily="2" charset="2"/>
+              </a:rPr>
+              <a:t> (x</a:t>
+            </a:r>
+            <a:r>
+              <a:rPr lang="en-US" baseline="-25000" dirty="0" smtClean="0">
+                <a:sym typeface="Wingdings" pitchFamily="2" charset="2"/>
+              </a:rPr>
+              <a:t>1</a:t>
+            </a:r>
+            <a:r>
+              <a:rPr lang="en-US" dirty="0" smtClean="0">
+                <a:sym typeface="Wingdings" pitchFamily="2" charset="2"/>
+              </a:rPr>
+              <a:t>, …, </a:t>
+            </a:r>
+            <a:r>
+              <a:rPr lang="en-US" dirty="0" err="1" smtClean="0">
+                <a:sym typeface="Wingdings" pitchFamily="2" charset="2"/>
+              </a:rPr>
+              <a:t>x</a:t>
+            </a:r>
+            <a:r>
+              <a:rPr lang="en-US" baseline="-25000" dirty="0" err="1" smtClean="0">
+                <a:sym typeface="Wingdings" pitchFamily="2" charset="2"/>
+              </a:rPr>
+              <a:t>n</a:t>
+            </a:r>
+            <a:r>
+              <a:rPr lang="en-US" dirty="0" smtClean="0">
+                <a:sym typeface="Wingdings" pitchFamily="2" charset="2"/>
+              </a:rPr>
+              <a:t>)</a:t>
             </a:r>
             <a:endParaRPr lang="en-US" dirty="0"/>
           </a:p>
-        </p:txBody>
-      </p:sp>
-      <p:pic>
-        <p:nvPicPr>
-          <p:cNvPr id="36866" name="Picture 2"/>
-          <p:cNvPicPr>
-            <a:picLocks noChangeAspect="1" noChangeArrowheads="1"/>
-          </p:cNvPicPr>
-          <p:nvPr/>
-        </p:nvPicPr>
-        <p:blipFill>
-          <a:blip r:embed="rId2">
-            <a:extLst/>
-          </a:blip>
-          <a:srcRect/>
-          <a:stretch>
-            <a:fillRect/>
-          </a:stretch>
-        </p:blipFill>
-        <p:spPr bwMode="auto">
-          <a:xfrm>
-            <a:off x="1685925" y="1770244"/>
-            <a:ext cx="8820150" cy="4019550"/>
-          </a:xfrm>
-          <a:prstGeom prst="rect">
-            <a:avLst/>
-          </a:prstGeom>
-          <a:extLst>
-            <a:ext uri="{909E8E84-426E-40dd-AFC4-6F175D3DCCD1}">
-              <a14:hiddenFill xmlns="" xmlns:a14="http://schemas.microsoft.com/office/drawing/2007/7/7/main">
-                <a:solidFill>
-                  <a:schemeClr val="accent1"/>
-                </a:solidFill>
-              </a14:hiddenFill>
-            </a:ext>
-            <a:ext uri="{91240B29-F687-4f45-9708-019B960494DF}">
-              <a14:hiddenLine xmlns="" xmlns:a14="http://schemas.microsoft.com/office/drawing/2007/7/7/main" w="9525">
-                <a:solidFill>
-                  <a:schemeClr val="tx1"/>
-                </a:solidFill>
-                <a:miter lim="800000"/>
-                <a:headEnd/>
-                <a:tailEnd/>
-              </a14:hiddenLine>
-            </a:ext>
-            <a:ext uri="{AF507438-7753-43e0-B8FC-AC1667EBCBE1}">
-              <a14:hiddenEffects xmlns="" xmlns:a14="http://schemas.microsoft.com/office/drawing/2007/7/7/main">
-                <a:effectLst>
-                  <a:outerShdw blurRad="63500" dist="35921" dir="2700000" algn="ctr" rotWithShape="0">
-                    <a:schemeClr val="bg2"/>
-                  </a:outerShdw>
-                </a:effectLst>
-              </a14:hiddenEffects>
-            </a:ext>
-          </a:extLst>
-        </p:spPr>
-      </p:pic>
+          <a:p>
+            <a:pPr marL="0" indent="0">
+              <a:buNone/>
+            </a:pPr>
+            <a:endParaRPr lang="en-US" dirty="0" smtClean="0">
+              <a:sym typeface="Symbol"/>
+            </a:endParaRPr>
+          </a:p>
+          <a:p>
+            <a:pPr marL="0" indent="0">
+              <a:buNone/>
+            </a:pPr>
+            <a:r>
+              <a:rPr lang="en-US" dirty="0" smtClean="0">
+                <a:sym typeface="Symbol"/>
+              </a:rPr>
+              <a:t>Idea 2:</a:t>
+            </a:r>
+          </a:p>
+          <a:p>
+            <a:pPr marL="0" indent="0">
+              <a:buNone/>
+            </a:pPr>
+            <a:r>
+              <a:rPr lang="en-US" dirty="0" smtClean="0">
+                <a:sym typeface="Symbol"/>
+              </a:rPr>
+              <a:t>Encode arithmetic operations using hardware circuits.</a:t>
+            </a:r>
+            <a:endParaRPr lang="en-US" dirty="0">
+              <a:sym typeface="Symbol"/>
+            </a:endParaRPr>
+          </a:p>
+          <a:p>
+            <a:pPr marL="0" indent="0">
+              <a:buNone/>
+            </a:pPr>
+            <a:endParaRPr lang="en-US" dirty="0">
+              <a:sym typeface="Symbol"/>
+            </a:endParaRPr>
+          </a:p>
+        </p:txBody>
+      </p:sp>
     </p:spTree>
     <p:extLst>
       <p:ext uri="{BB962C8B-B14F-4D97-AF65-F5344CB8AC3E}">
-        <p14:creationId xmlns:p14="http://schemas.microsoft.com/office/powerpoint/2010/main" val="330769772"/>
+        <p14:creationId xmlns:p14="http://schemas.microsoft.com/office/powerpoint/2010/main" val="2523732218"/>
       </p:ext>
     </p:extLst>
   </p:cSld>
@@ -20494,466 +20762,6 @@
             <p:ph type="title"/>
           </p:nvPr>
         </p:nvSpPr>
-        <p:spPr/>
-        <p:txBody>
-          <a:bodyPr/>
-          <a:lstStyle/>
-          <a:p>
-            <a:r>
-              <a:rPr lang="en-US" dirty="0" smtClean="0"/>
-              <a:t>Bit-vector / Machine arithmetic</a:t>
-            </a:r>
-            <a:endParaRPr lang="en-US" dirty="0"/>
-          </a:p>
-        </p:txBody>
-      </p:sp>
-      <p:sp>
-        <p:nvSpPr>
-          <p:cNvPr id="3" name="Content Placeholder 2"/>
-          <p:cNvSpPr>
-            <a:spLocks noGrp="1"/>
-          </p:cNvSpPr>
-          <p:nvPr>
-            <p:ph idx="1"/>
-          </p:nvPr>
-        </p:nvSpPr>
-        <p:spPr>
-          <a:xfrm>
-            <a:off x="1905000" y="1892287"/>
-            <a:ext cx="8382000" cy="3705630"/>
-          </a:xfrm>
-        </p:spPr>
-        <p:txBody>
-          <a:bodyPr/>
-          <a:lstStyle/>
-          <a:p>
-            <a:pPr marL="0" indent="0">
-              <a:buNone/>
-            </a:pPr>
-            <a:r>
-              <a:rPr lang="en-US" dirty="0" smtClean="0"/>
-              <a:t>Let x, y and z be 8-bit (unsigned) integers.</a:t>
-            </a:r>
-          </a:p>
-          <a:p>
-            <a:pPr marL="0" indent="0">
-              <a:buNone/>
-            </a:pPr>
-            <a:endParaRPr lang="en-US" dirty="0"/>
-          </a:p>
-          <a:p>
-            <a:pPr marL="0" indent="0">
-              <a:buNone/>
-            </a:pPr>
-            <a:r>
-              <a:rPr lang="en-US" dirty="0" smtClean="0"/>
-              <a:t>Is x &gt; 0 </a:t>
-            </a:r>
-            <a:r>
-              <a:rPr lang="en-US" dirty="0" smtClean="0">
-                <a:sym typeface="Symbol"/>
-              </a:rPr>
-              <a:t> y </a:t>
-            </a:r>
-            <a:r>
-              <a:rPr lang="en-US" dirty="0"/>
-              <a:t>&gt; </a:t>
-            </a:r>
-            <a:r>
-              <a:rPr lang="en-US" dirty="0" smtClean="0"/>
-              <a:t>0 </a:t>
-            </a:r>
-            <a:r>
-              <a:rPr lang="en-US" dirty="0" smtClean="0">
-                <a:sym typeface="Symbol"/>
-              </a:rPr>
-              <a:t> z = x + y  z &gt; 0    valid?</a:t>
-            </a:r>
-          </a:p>
-          <a:p>
-            <a:pPr marL="0" indent="0">
-              <a:buNone/>
-            </a:pPr>
-            <a:endParaRPr lang="en-US" dirty="0" smtClean="0">
-              <a:sym typeface="Symbol"/>
-            </a:endParaRPr>
-          </a:p>
-          <a:p>
-            <a:pPr marL="0" indent="0">
-              <a:buNone/>
-            </a:pPr>
-            <a:r>
-              <a:rPr lang="en-US" dirty="0"/>
-              <a:t>Is x &gt; 0 </a:t>
-            </a:r>
-            <a:r>
-              <a:rPr lang="en-US" dirty="0">
-                <a:sym typeface="Symbol"/>
-              </a:rPr>
-              <a:t> y </a:t>
-            </a:r>
-            <a:r>
-              <a:rPr lang="en-US" dirty="0"/>
-              <a:t>&gt; 0 </a:t>
-            </a:r>
-            <a:r>
-              <a:rPr lang="en-US" dirty="0">
-                <a:sym typeface="Symbol"/>
-              </a:rPr>
-              <a:t> z = x + y  </a:t>
-            </a:r>
-            <a:r>
-              <a:rPr lang="en-US" dirty="0" smtClean="0">
-                <a:sym typeface="Symbol"/>
-              </a:rPr>
-              <a:t>(z </a:t>
-            </a:r>
-            <a:r>
-              <a:rPr lang="en-US" dirty="0">
-                <a:sym typeface="Symbol"/>
-              </a:rPr>
-              <a:t>&gt; </a:t>
-            </a:r>
-            <a:r>
-              <a:rPr lang="en-US" dirty="0" smtClean="0">
-                <a:sym typeface="Symbol"/>
-              </a:rPr>
-              <a:t>0)  </a:t>
-            </a:r>
-            <a:r>
-              <a:rPr lang="en-US" dirty="0" err="1" smtClean="0">
-                <a:sym typeface="Symbol"/>
-              </a:rPr>
-              <a:t>satisfiable</a:t>
-            </a:r>
-            <a:r>
-              <a:rPr lang="en-US" dirty="0" smtClean="0">
-                <a:sym typeface="Symbol"/>
-              </a:rPr>
-              <a:t>?</a:t>
-            </a:r>
-            <a:endParaRPr lang="en-US" dirty="0">
-              <a:sym typeface="Symbol"/>
-            </a:endParaRPr>
-          </a:p>
-          <a:p>
-            <a:pPr marL="0" indent="0">
-              <a:buNone/>
-            </a:pPr>
-            <a:endParaRPr lang="en-US" dirty="0">
-              <a:sym typeface="Symbol"/>
-            </a:endParaRPr>
-          </a:p>
-          <a:p>
-            <a:pPr marL="0" indent="0">
-              <a:buNone/>
-            </a:pPr>
-            <a:endParaRPr lang="en-US" dirty="0">
-              <a:sym typeface="Symbol"/>
-            </a:endParaRPr>
-          </a:p>
-          <a:p>
-            <a:pPr marL="0" indent="0">
-              <a:buNone/>
-            </a:pPr>
-            <a:r>
-              <a:rPr lang="en-US" dirty="0" smtClean="0"/>
-              <a:t> </a:t>
-            </a:r>
-            <a:endParaRPr lang="en-US" dirty="0"/>
-          </a:p>
-        </p:txBody>
-      </p:sp>
-    </p:spTree>
-    <p:extLst>
-      <p:ext uri="{BB962C8B-B14F-4D97-AF65-F5344CB8AC3E}">
-        <p14:creationId xmlns:p14="http://schemas.microsoft.com/office/powerpoint/2010/main" val="966986378"/>
-      </p:ext>
-    </p:extLst>
-  </p:cSld>
-  <p:clrMapOvr>
-    <a:masterClrMapping/>
-  </p:clrMapOvr>
-  <p:transition>
-    <p:fade/>
-  </p:transition>
-  <p:timing>
-    <p:tnLst>
-      <p:par>
-        <p:cTn id="1" dur="indefinite" restart="never" nodeType="tmRoot"/>
-      </p:par>
-    </p:tnLst>
-  </p:timing>
-</p:sld>
-</file>
-
-<file path=ppt/slides/slide36.xml><?xml version="1.0" encoding="utf-8"?>
-<p:sld xmlns:a="http://schemas.openxmlformats.org/drawingml/2006/main" xmlns:r="http://schemas.openxmlformats.org/officeDocument/2006/relationships" xmlns:p="http://schemas.openxmlformats.org/presentationml/2006/main">
-  <p:cSld>
-    <p:spTree>
-      <p:nvGrpSpPr>
-        <p:cNvPr id="1" name=""/>
-        <p:cNvGrpSpPr/>
-        <p:nvPr/>
-      </p:nvGrpSpPr>
-      <p:grpSpPr>
-        <a:xfrm>
-          <a:off x="0" y="0"/>
-          <a:ext cx="0" cy="0"/>
-          <a:chOff x="0" y="0"/>
-          <a:chExt cx="0" cy="0"/>
-        </a:xfrm>
-      </p:grpSpPr>
-      <p:sp>
-        <p:nvSpPr>
-          <p:cNvPr id="2" name="Title 1"/>
-          <p:cNvSpPr>
-            <a:spLocks noGrp="1"/>
-          </p:cNvSpPr>
-          <p:nvPr>
-            <p:ph type="title"/>
-          </p:nvPr>
-        </p:nvSpPr>
-        <p:spPr/>
-        <p:txBody>
-          <a:bodyPr/>
-          <a:lstStyle/>
-          <a:p>
-            <a:r>
-              <a:rPr lang="en-US" dirty="0" smtClean="0"/>
-              <a:t>Bit-vector / Machine arithmetic</a:t>
-            </a:r>
-            <a:endParaRPr lang="en-US" dirty="0"/>
-          </a:p>
-        </p:txBody>
-      </p:sp>
-      <p:sp>
-        <p:nvSpPr>
-          <p:cNvPr id="3" name="Content Placeholder 2"/>
-          <p:cNvSpPr>
-            <a:spLocks noGrp="1"/>
-          </p:cNvSpPr>
-          <p:nvPr>
-            <p:ph idx="1"/>
-          </p:nvPr>
-        </p:nvSpPr>
-        <p:spPr>
-          <a:xfrm>
-            <a:off x="1905000" y="1892287"/>
-            <a:ext cx="8382000" cy="4567404"/>
-          </a:xfrm>
-        </p:spPr>
-        <p:txBody>
-          <a:bodyPr/>
-          <a:lstStyle/>
-          <a:p>
-            <a:pPr marL="0" indent="0">
-              <a:buNone/>
-            </a:pPr>
-            <a:r>
-              <a:rPr lang="en-US" dirty="0" smtClean="0">
-                <a:solidFill>
-                  <a:srgbClr val="FF0000"/>
-                </a:solidFill>
-              </a:rPr>
-              <a:t>We can encode bit-vector </a:t>
-            </a:r>
-            <a:r>
-              <a:rPr lang="en-US" dirty="0" err="1" smtClean="0">
-                <a:solidFill>
-                  <a:srgbClr val="FF0000"/>
-                </a:solidFill>
-              </a:rPr>
-              <a:t>satisfiability</a:t>
-            </a:r>
-            <a:r>
-              <a:rPr lang="en-US" dirty="0" smtClean="0">
-                <a:solidFill>
-                  <a:srgbClr val="FF0000"/>
-                </a:solidFill>
-              </a:rPr>
-              <a:t> problems in propositional logic.</a:t>
-            </a:r>
-          </a:p>
-          <a:p>
-            <a:pPr marL="0" indent="0">
-              <a:buNone/>
-            </a:pPr>
-            <a:endParaRPr lang="en-US" dirty="0" smtClean="0"/>
-          </a:p>
-          <a:p>
-            <a:pPr marL="0" indent="0">
-              <a:buNone/>
-            </a:pPr>
-            <a:r>
-              <a:rPr lang="en-US" dirty="0" smtClean="0"/>
-              <a:t>Idea 1:</a:t>
-            </a:r>
-          </a:p>
-          <a:p>
-            <a:pPr marL="0" indent="0">
-              <a:buNone/>
-            </a:pPr>
-            <a:r>
-              <a:rPr lang="en-US" dirty="0" smtClean="0"/>
-              <a:t>Use </a:t>
-            </a:r>
-            <a:r>
-              <a:rPr lang="en-US" i="1" dirty="0" smtClean="0"/>
-              <a:t>n </a:t>
-            </a:r>
-            <a:r>
-              <a:rPr lang="en-US" dirty="0" smtClean="0"/>
-              <a:t>propositional variables to encode </a:t>
-            </a:r>
-            <a:r>
-              <a:rPr lang="en-US" i="1" dirty="0" smtClean="0"/>
-              <a:t>n</a:t>
-            </a:r>
-            <a:r>
-              <a:rPr lang="en-US" dirty="0" smtClean="0"/>
-              <a:t>-bit integers.</a:t>
-            </a:r>
-          </a:p>
-          <a:p>
-            <a:pPr marL="0" indent="0" algn="ctr">
-              <a:buNone/>
-            </a:pPr>
-            <a:r>
-              <a:rPr lang="en-US" dirty="0" smtClean="0"/>
-              <a:t>x </a:t>
-            </a:r>
-            <a:r>
-              <a:rPr lang="en-US" dirty="0" smtClean="0">
-                <a:sym typeface="Wingdings" pitchFamily="2" charset="2"/>
-              </a:rPr>
-              <a:t> (x</a:t>
-            </a:r>
-            <a:r>
-              <a:rPr lang="en-US" baseline="-25000" dirty="0" smtClean="0">
-                <a:sym typeface="Wingdings" pitchFamily="2" charset="2"/>
-              </a:rPr>
-              <a:t>1</a:t>
-            </a:r>
-            <a:r>
-              <a:rPr lang="en-US" dirty="0" smtClean="0">
-                <a:sym typeface="Wingdings" pitchFamily="2" charset="2"/>
-              </a:rPr>
-              <a:t>, …, </a:t>
-            </a:r>
-            <a:r>
-              <a:rPr lang="en-US" dirty="0" err="1" smtClean="0">
-                <a:sym typeface="Wingdings" pitchFamily="2" charset="2"/>
-              </a:rPr>
-              <a:t>x</a:t>
-            </a:r>
-            <a:r>
-              <a:rPr lang="en-US" baseline="-25000" dirty="0" err="1" smtClean="0">
-                <a:sym typeface="Wingdings" pitchFamily="2" charset="2"/>
-              </a:rPr>
-              <a:t>n</a:t>
-            </a:r>
-            <a:r>
-              <a:rPr lang="en-US" dirty="0" smtClean="0">
-                <a:sym typeface="Wingdings" pitchFamily="2" charset="2"/>
-              </a:rPr>
-              <a:t>)</a:t>
-            </a:r>
-            <a:endParaRPr lang="en-US" dirty="0"/>
-          </a:p>
-          <a:p>
-            <a:pPr marL="0" indent="0">
-              <a:buNone/>
-            </a:pPr>
-            <a:endParaRPr lang="en-US" dirty="0" smtClean="0">
-              <a:sym typeface="Symbol"/>
-            </a:endParaRPr>
-          </a:p>
-          <a:p>
-            <a:pPr marL="0" indent="0">
-              <a:buNone/>
-            </a:pPr>
-            <a:r>
-              <a:rPr lang="en-US" dirty="0" smtClean="0">
-                <a:sym typeface="Symbol"/>
-              </a:rPr>
-              <a:t>Idea 2:</a:t>
-            </a:r>
-          </a:p>
-          <a:p>
-            <a:pPr marL="0" indent="0">
-              <a:buNone/>
-            </a:pPr>
-            <a:r>
-              <a:rPr lang="en-US" dirty="0" smtClean="0">
-                <a:sym typeface="Symbol"/>
-              </a:rPr>
-              <a:t>Encode arithmetic operations using hardware circuits.</a:t>
-            </a:r>
-            <a:endParaRPr lang="en-US" dirty="0">
-              <a:sym typeface="Symbol"/>
-            </a:endParaRPr>
-          </a:p>
-          <a:p>
-            <a:pPr marL="0" indent="0">
-              <a:buNone/>
-            </a:pPr>
-            <a:endParaRPr lang="en-US" dirty="0">
-              <a:sym typeface="Symbol"/>
-            </a:endParaRPr>
-          </a:p>
-        </p:txBody>
-      </p:sp>
-    </p:spTree>
-    <p:extLst>
-      <p:ext uri="{BB962C8B-B14F-4D97-AF65-F5344CB8AC3E}">
-        <p14:creationId xmlns:p14="http://schemas.microsoft.com/office/powerpoint/2010/main" val="2523732218"/>
-      </p:ext>
-    </p:extLst>
-  </p:cSld>
-  <p:clrMapOvr>
-    <a:masterClrMapping/>
-  </p:clrMapOvr>
-  <p:transition>
-    <p:fade/>
-  </p:transition>
-  <p:timing>
-    <p:tnLst>
-      <p:par>
-        <p:cTn id="1" dur="indefinite" restart="never" nodeType="tmRoot"/>
-      </p:par>
-    </p:tnLst>
-  </p:timing>
-</p:sld>
-</file>
-
-<file path=ppt/slides/slide37.xml><?xml version="1.0" encoding="utf-8"?>
-<p:sld xmlns:a="http://schemas.openxmlformats.org/drawingml/2006/main" xmlns:r="http://schemas.openxmlformats.org/officeDocument/2006/relationships" xmlns:p="http://schemas.openxmlformats.org/presentationml/2006/main">
-  <p:cSld>
-    <p:spTree>
-      <p:nvGrpSpPr>
-        <p:cNvPr id="1" name=""/>
-        <p:cNvGrpSpPr/>
-        <p:nvPr/>
-      </p:nvGrpSpPr>
-      <p:grpSpPr>
-        <a:xfrm>
-          <a:off x="0" y="0"/>
-          <a:ext cx="0" cy="0"/>
-          <a:chOff x="0" y="0"/>
-          <a:chExt cx="0" cy="0"/>
-        </a:xfrm>
-      </p:grpSpPr>
-      <p:sp>
-        <p:nvSpPr>
-          <p:cNvPr id="2" name="Title 1"/>
-          <p:cNvSpPr>
-            <a:spLocks noGrp="1"/>
-          </p:cNvSpPr>
-          <p:nvPr>
-            <p:ph type="title"/>
-          </p:nvPr>
-        </p:nvSpPr>
         <p:spPr>
           <a:xfrm>
             <a:off x="1905000" y="230188"/>
@@ -21216,7 +21024,7 @@
 </p:sld>
 </file>
 
-<file path=ppt/slides/slide38.xml><?xml version="1.0" encoding="utf-8"?>
+<file path=ppt/slides/slide36.xml><?xml version="1.0" encoding="utf-8"?>
 <p:sld xmlns:a="http://schemas.openxmlformats.org/drawingml/2006/main" xmlns:r="http://schemas.openxmlformats.org/officeDocument/2006/relationships" xmlns:p="http://schemas.openxmlformats.org/presentationml/2006/main">
   <p:cSld>
     <p:spTree>
@@ -21879,7 +21687,7 @@
 </p:sld>
 </file>
 
-<file path=ppt/slides/slide39.xml><?xml version="1.0" encoding="utf-8"?>
+<file path=ppt/slides/slide37.xml><?xml version="1.0" encoding="utf-8"?>
 <p:sld xmlns:a="http://schemas.openxmlformats.org/drawingml/2006/main" xmlns:r="http://schemas.openxmlformats.org/officeDocument/2006/relationships" xmlns:p="http://schemas.openxmlformats.org/presentationml/2006/main">
   <p:cSld>
     <p:spTree>
@@ -22980,7 +22788,7 @@
 </p:sld>
 </file>
 
-<file path=ppt/slides/slide4.xml><?xml version="1.0" encoding="utf-8"?>
+<file path=ppt/slides/slide38.xml><?xml version="1.0" encoding="utf-8"?>
 <p:sld xmlns:a="http://schemas.openxmlformats.org/drawingml/2006/main" xmlns:r="http://schemas.openxmlformats.org/officeDocument/2006/relationships" xmlns:p="http://schemas.openxmlformats.org/presentationml/2006/main">
   <p:cSld>
     <p:spTree>
@@ -23007,14 +22815,19 @@
             <p:ph type="title"/>
           </p:nvPr>
         </p:nvSpPr>
-        <p:spPr/>
+        <p:spPr>
+          <a:xfrm>
+            <a:off x="1905000" y="230188"/>
+            <a:ext cx="8382000" cy="747897"/>
+          </a:xfrm>
+        </p:spPr>
         <p:txBody>
           <a:bodyPr/>
           <a:lstStyle/>
           <a:p>
             <a:r>
               <a:rPr lang="en-US" dirty="0" smtClean="0"/>
-              <a:t>Lecture 3</a:t>
+              <a:t>Encoding n-bit adder</a:t>
             </a:r>
             <a:endParaRPr lang="en-US" dirty="0"/>
           </a:p>
@@ -23030,160 +22843,19 @@
             <p:ph idx="1"/>
           </p:nvPr>
         </p:nvSpPr>
-        <p:spPr/>
+        <p:spPr>
+          <a:xfrm>
+            <a:off x="1905000" y="1741362"/>
+            <a:ext cx="8382000" cy="8445389"/>
+          </a:xfrm>
+        </p:spPr>
         <p:txBody>
           <a:bodyPr/>
           <a:lstStyle/>
-          <a:p>
-            <a:r>
-              <a:rPr lang="en-US" dirty="0" smtClean="0"/>
-              <a:t>On the power/limits of dynamic symbolic execution</a:t>
-            </a:r>
-          </a:p>
-          <a:p>
-            <a:endParaRPr lang="en-US" dirty="0" smtClean="0"/>
-          </a:p>
-          <a:p>
-            <a:r>
-              <a:rPr lang="en-US" dirty="0" err="1" smtClean="0"/>
-              <a:t>Satisfiability</a:t>
-            </a:r>
-            <a:r>
-              <a:rPr lang="en-US" dirty="0" smtClean="0"/>
-              <a:t> </a:t>
-            </a:r>
-            <a:r>
-              <a:rPr lang="en-US" dirty="0"/>
-              <a:t>modulo theories (SMT) solvers</a:t>
-            </a:r>
-          </a:p>
-          <a:p>
-            <a:endParaRPr lang="en-US" dirty="0"/>
-          </a:p>
-          <a:p>
-            <a:r>
-              <a:rPr lang="en-US" dirty="0"/>
-              <a:t>Extending </a:t>
-            </a:r>
-            <a:r>
-              <a:rPr lang="en-US" dirty="0" smtClean="0"/>
-              <a:t>DSE for Python with </a:t>
-            </a:r>
-            <a:r>
-              <a:rPr lang="en-US" dirty="0" err="1" smtClean="0"/>
-              <a:t>SymbolicDict</a:t>
-            </a:r>
-            <a:r>
-              <a:rPr lang="en-US" dirty="0" smtClean="0"/>
-              <a:t> via array theory</a:t>
-            </a:r>
-            <a:endParaRPr lang="en-US" dirty="0"/>
-          </a:p>
           <a:p>
             <a:pPr marL="0" indent="0">
               <a:buNone/>
             </a:pPr>
-            <a:endParaRPr lang="en-US" dirty="0"/>
-          </a:p>
-          <a:p>
-            <a:endParaRPr lang="en-US" dirty="0" smtClean="0"/>
-          </a:p>
-          <a:p>
-            <a:endParaRPr lang="en-US" dirty="0" smtClean="0"/>
-          </a:p>
-          <a:p>
-            <a:endParaRPr lang="en-US" dirty="0"/>
-          </a:p>
-        </p:txBody>
-      </p:sp>
-    </p:spTree>
-    <p:extLst>
-      <p:ext uri="{BB962C8B-B14F-4D97-AF65-F5344CB8AC3E}">
-        <p14:creationId xmlns:p14="http://schemas.microsoft.com/office/powerpoint/2010/main" val="1679710587"/>
-      </p:ext>
-    </p:extLst>
-  </p:cSld>
-  <p:clrMapOvr>
-    <a:masterClrMapping/>
-  </p:clrMapOvr>
-  <p:timing>
-    <p:tnLst>
-      <p:par>
-        <p:cTn id="1" dur="indefinite" restart="never" nodeType="tmRoot"/>
-      </p:par>
-    </p:tnLst>
-  </p:timing>
-</p:sld>
-</file>
-
-<file path=ppt/slides/slide40.xml><?xml version="1.0" encoding="utf-8"?>
-<p:sld xmlns:a="http://schemas.openxmlformats.org/drawingml/2006/main" xmlns:r="http://schemas.openxmlformats.org/officeDocument/2006/relationships" xmlns:p="http://schemas.openxmlformats.org/presentationml/2006/main">
-  <p:cSld>
-    <p:spTree>
-      <p:nvGrpSpPr>
-        <p:cNvPr id="1" name=""/>
-        <p:cNvGrpSpPr/>
-        <p:nvPr/>
-      </p:nvGrpSpPr>
-      <p:grpSpPr>
-        <a:xfrm>
-          <a:off x="0" y="0"/>
-          <a:ext cx="0" cy="0"/>
-          <a:chOff x="0" y="0"/>
-          <a:chExt cx="0" cy="0"/>
-        </a:xfrm>
-      </p:grpSpPr>
-      <p:sp>
-        <p:nvSpPr>
-          <p:cNvPr id="2" name="Title 1"/>
-          <p:cNvSpPr>
-            <a:spLocks noGrp="1"/>
-          </p:cNvSpPr>
-          <p:nvPr>
-            <p:ph type="title"/>
-          </p:nvPr>
-        </p:nvSpPr>
-        <p:spPr>
-          <a:xfrm>
-            <a:off x="1905000" y="230188"/>
-            <a:ext cx="8382000" cy="747897"/>
-          </a:xfrm>
-        </p:spPr>
-        <p:txBody>
-          <a:bodyPr/>
-          <a:lstStyle/>
-          <a:p>
-            <a:r>
-              <a:rPr lang="en-US" dirty="0" smtClean="0"/>
-              <a:t>Encoding n-bit adder</a:t>
-            </a:r>
-            <a:endParaRPr lang="en-US" dirty="0"/>
-          </a:p>
-        </p:txBody>
-      </p:sp>
-      <p:sp>
-        <p:nvSpPr>
-          <p:cNvPr id="3" name="Content Placeholder 2"/>
-          <p:cNvSpPr>
-            <a:spLocks noGrp="1"/>
-          </p:cNvSpPr>
-          <p:nvPr>
-            <p:ph idx="1"/>
-          </p:nvPr>
-        </p:nvSpPr>
-        <p:spPr>
-          <a:xfrm>
-            <a:off x="1905000" y="1741362"/>
-            <a:ext cx="8382000" cy="8919365"/>
-          </a:xfrm>
-        </p:spPr>
-        <p:txBody>
-          <a:bodyPr/>
-          <a:lstStyle/>
-          <a:p>
-            <a:pPr marL="0" indent="0">
-              <a:buNone/>
-            </a:pPr>
             <a:r>
               <a:rPr lang="en-US" dirty="0" smtClean="0">
                 <a:sym typeface="Symbol"/>
@@ -23255,59 +22927,6 @@
                 <a:sym typeface="Symbol"/>
               </a:rPr>
               <a:t>,</a:t>
-            </a:r>
-          </a:p>
-          <a:p>
-            <a:pPr marL="0" indent="0">
-              <a:buNone/>
-            </a:pPr>
-            <a:r>
-              <a:rPr lang="en-US" dirty="0">
-                <a:sym typeface="Symbol"/>
-              </a:rPr>
-              <a:t>a</a:t>
-            </a:r>
-            <a:r>
-              <a:rPr lang="en-US" dirty="0" smtClean="0">
-                <a:sym typeface="Symbol"/>
-              </a:rPr>
-              <a:t>nd (</a:t>
-            </a:r>
-            <a:r>
-              <a:rPr lang="en-US" i="1" dirty="0" smtClean="0">
-                <a:sym typeface="Symbol"/>
-              </a:rPr>
-              <a:t>c</a:t>
-            </a:r>
-            <a:r>
-              <a:rPr lang="en-US" i="1" baseline="-25000" dirty="0" smtClean="0">
-                <a:sym typeface="Symbol"/>
-              </a:rPr>
-              <a:t>1</a:t>
-            </a:r>
-            <a:r>
-              <a:rPr lang="en-US" dirty="0">
-                <a:sym typeface="Symbol"/>
-              </a:rPr>
-              <a:t>, …, </a:t>
-            </a:r>
-            <a:r>
-              <a:rPr lang="en-US" i="1" dirty="0" err="1" smtClean="0">
-                <a:sym typeface="Symbol"/>
-              </a:rPr>
-              <a:t>c</a:t>
-            </a:r>
-            <a:r>
-              <a:rPr lang="en-US" i="1" baseline="-25000" dirty="0" err="1" smtClean="0">
-                <a:sym typeface="Symbol"/>
-              </a:rPr>
-              <a:t>n</a:t>
-            </a:r>
-            <a:r>
-              <a:rPr lang="en-US" dirty="0" smtClean="0">
-                <a:sym typeface="Symbol"/>
-              </a:rPr>
-              <a:t>)</a:t>
             </a:r>
           </a:p>
           <a:p>
@@ -24168,7 +23787,7 @@
 </p:sld>
 </file>
 
-<file path=ppt/slides/slide41.xml><?xml version="1.0" encoding="utf-8"?>
+<file path=ppt/slides/slide39.xml><?xml version="1.0" encoding="utf-8"?>
 <p:sld xmlns:a="http://schemas.openxmlformats.org/drawingml/2006/main" xmlns:r="http://schemas.openxmlformats.org/officeDocument/2006/relationships" xmlns:p="http://schemas.openxmlformats.org/presentationml/2006/main">
   <p:cSld>
     <p:spTree>
@@ -25029,362 +24648,150 @@
   <p:timing>
     <p:tnLst>
       <p:par>
-        <p:cTn id="1" dur="indefinite" restart="never" nodeType="tmRoot">
-          <p:childTnLst>
-            <p:seq concurrent="1" nextAc="seek">
-              <p:cTn id="2" dur="indefinite" nodeType="mainSeq">
-                <p:childTnLst>
-                  <p:par>
-                    <p:cTn id="3" fill="hold" nodeType="clickPar">
-                      <p:stCondLst>
-                        <p:cond delay="indefinite"/>
-                      </p:stCondLst>
-                      <p:childTnLst>
-                        <p:par>
-                          <p:cTn id="4" fill="hold" nodeType="withGroup">
-                            <p:stCondLst>
-                              <p:cond delay="0"/>
-                            </p:stCondLst>
-                            <p:childTnLst>
-                              <p:par>
-                                <p:cTn id="5" presetID="10" presetClass="entr" presetSubtype="0" fill="hold" nodeType="clickEffect">
-                                  <p:stCondLst>
-                                    <p:cond delay="0"/>
-                                  </p:stCondLst>
-                                  <p:childTnLst>
-                                    <p:set>
-                                      <p:cBhvr>
-                                        <p:cTn id="6" dur="1" fill="hold">
-                                          <p:stCondLst>
-                                            <p:cond delay="0"/>
-                                          </p:stCondLst>
-                                        </p:cTn>
-                                        <p:tgtEl>
-                                          <p:spTgt spid="375831"/>
-                                        </p:tgtEl>
-                                        <p:attrNameLst>
-                                          <p:attrName>style.visibility</p:attrName>
-                                        </p:attrNameLst>
-                                      </p:cBhvr>
-                                      <p:to>
-                                        <p:strVal val="visible"/>
-                                      </p:to>
-                                    </p:set>
-                                    <p:animEffect transition="in" filter="fade">
-                                      <p:cBhvr>
-                                        <p:cTn id="7" dur="500"/>
-                                        <p:tgtEl>
-                                          <p:spTgt spid="375831"/>
-                                        </p:tgtEl>
-                                      </p:cBhvr>
-                                    </p:animEffect>
-                                  </p:childTnLst>
-                                </p:cTn>
-                              </p:par>
-                            </p:childTnLst>
-                          </p:cTn>
-                        </p:par>
-                      </p:childTnLst>
-                    </p:cTn>
-                  </p:par>
-                  <p:par>
-                    <p:cTn id="8" fill="hold" nodeType="clickPar">
-                      <p:stCondLst>
-                        <p:cond delay="indefinite"/>
-                      </p:stCondLst>
-                      <p:childTnLst>
-                        <p:par>
-                          <p:cTn id="9" fill="hold" nodeType="withGroup">
-                            <p:stCondLst>
-                              <p:cond delay="0"/>
-                            </p:stCondLst>
-                            <p:childTnLst>
-                              <p:par>
-                                <p:cTn id="10" presetID="10" presetClass="entr" presetSubtype="0" fill="hold" grpId="0" nodeType="clickEffect">
-                                  <p:stCondLst>
-                                    <p:cond delay="0"/>
-                                  </p:stCondLst>
-                                  <p:childTnLst>
-                                    <p:set>
-                                      <p:cBhvr>
-                                        <p:cTn id="11" dur="1" fill="hold">
-                                          <p:stCondLst>
-                                            <p:cond delay="0"/>
-                                          </p:stCondLst>
-                                        </p:cTn>
-                                        <p:tgtEl>
-                                          <p:spTgt spid="375814"/>
-                                        </p:tgtEl>
-                                        <p:attrNameLst>
-                                          <p:attrName>style.visibility</p:attrName>
-                                        </p:attrNameLst>
-                                      </p:cBhvr>
-                                      <p:to>
-                                        <p:strVal val="visible"/>
-                                      </p:to>
-                                    </p:set>
-                                    <p:animEffect transition="in" filter="fade">
-                                      <p:cBhvr>
-                                        <p:cTn id="12" dur="500"/>
-                                        <p:tgtEl>
-                                          <p:spTgt spid="375814"/>
-                                        </p:tgtEl>
-                                      </p:cBhvr>
-                                    </p:animEffect>
-                                  </p:childTnLst>
-                                </p:cTn>
-                              </p:par>
-                              <p:par>
-                                <p:cTn id="13" presetID="10" presetClass="entr" presetSubtype="0" fill="hold" grpId="0" nodeType="withEffect">
-                                  <p:stCondLst>
-                                    <p:cond delay="0"/>
-                                  </p:stCondLst>
-                                  <p:childTnLst>
-                                    <p:set>
-                                      <p:cBhvr>
-                                        <p:cTn id="14" dur="1" fill="hold">
-                                          <p:stCondLst>
-                                            <p:cond delay="0"/>
-                                          </p:stCondLst>
-                                        </p:cTn>
-                                        <p:tgtEl>
-                                          <p:spTgt spid="375815"/>
-                                        </p:tgtEl>
-                                        <p:attrNameLst>
-                                          <p:attrName>style.visibility</p:attrName>
-                                        </p:attrNameLst>
-                                      </p:cBhvr>
-                                      <p:to>
-                                        <p:strVal val="visible"/>
-                                      </p:to>
-                                    </p:set>
-                                    <p:animEffect transition="in" filter="fade">
-                                      <p:cBhvr>
-                                        <p:cTn id="15" dur="500"/>
-                                        <p:tgtEl>
-                                          <p:spTgt spid="375815"/>
-                                        </p:tgtEl>
-                                      </p:cBhvr>
-                                    </p:animEffect>
-                                  </p:childTnLst>
-                                </p:cTn>
-                              </p:par>
-                              <p:par>
-                                <p:cTn id="16" presetID="10" presetClass="entr" presetSubtype="0" fill="hold" grpId="0" nodeType="withEffect">
-                                  <p:stCondLst>
-                                    <p:cond delay="0"/>
-                                  </p:stCondLst>
-                                  <p:childTnLst>
-                                    <p:set>
-                                      <p:cBhvr>
-                                        <p:cTn id="17" dur="1" fill="hold">
-                                          <p:stCondLst>
-                                            <p:cond delay="0"/>
-                                          </p:stCondLst>
-                                        </p:cTn>
-                                        <p:tgtEl>
-                                          <p:spTgt spid="375816"/>
-                                        </p:tgtEl>
-                                        <p:attrNameLst>
-                                          <p:attrName>style.visibility</p:attrName>
-                                        </p:attrNameLst>
-                                      </p:cBhvr>
-                                      <p:to>
-                                        <p:strVal val="visible"/>
-                                      </p:to>
-                                    </p:set>
-                                    <p:animEffect transition="in" filter="fade">
-                                      <p:cBhvr>
-                                        <p:cTn id="18" dur="500"/>
-                                        <p:tgtEl>
-                                          <p:spTgt spid="375816"/>
-                                        </p:tgtEl>
-                                      </p:cBhvr>
-                                    </p:animEffect>
-                                  </p:childTnLst>
-                                </p:cTn>
-                              </p:par>
-                            </p:childTnLst>
-                          </p:cTn>
-                        </p:par>
-                      </p:childTnLst>
-                    </p:cTn>
-                  </p:par>
-                  <p:par>
-                    <p:cTn id="19" fill="hold">
-                      <p:stCondLst>
-                        <p:cond delay="indefinite"/>
-                      </p:stCondLst>
-                      <p:childTnLst>
-                        <p:par>
-                          <p:cTn id="20" fill="hold">
-                            <p:stCondLst>
-                              <p:cond delay="0"/>
-                            </p:stCondLst>
-                            <p:childTnLst>
-                              <p:par>
-                                <p:cTn id="21" presetID="10" presetClass="entr" presetSubtype="0" fill="hold" grpId="0" nodeType="clickEffect">
-                                  <p:stCondLst>
-                                    <p:cond delay="0"/>
-                                  </p:stCondLst>
-                                  <p:childTnLst>
-                                    <p:set>
-                                      <p:cBhvr>
-                                        <p:cTn id="22" dur="1" fill="hold">
-                                          <p:stCondLst>
-                                            <p:cond delay="0"/>
-                                          </p:stCondLst>
-                                        </p:cTn>
-                                        <p:tgtEl>
-                                          <p:spTgt spid="26"/>
-                                        </p:tgtEl>
-                                        <p:attrNameLst>
-                                          <p:attrName>style.visibility</p:attrName>
-                                        </p:attrNameLst>
-                                      </p:cBhvr>
-                                      <p:to>
-                                        <p:strVal val="visible"/>
-                                      </p:to>
-                                    </p:set>
-                                    <p:animEffect transition="in" filter="fade">
-                                      <p:cBhvr>
-                                        <p:cTn id="23" dur="500"/>
-                                        <p:tgtEl>
-                                          <p:spTgt spid="26"/>
-                                        </p:tgtEl>
-                                      </p:cBhvr>
-                                    </p:animEffect>
-                                  </p:childTnLst>
-                                </p:cTn>
-                              </p:par>
-                              <p:par>
-                                <p:cTn id="24" presetID="10" presetClass="entr" presetSubtype="0" fill="hold" grpId="0" nodeType="withEffect">
-                                  <p:stCondLst>
-                                    <p:cond delay="0"/>
-                                  </p:stCondLst>
-                                  <p:childTnLst>
-                                    <p:set>
-                                      <p:cBhvr>
-                                        <p:cTn id="25" dur="1" fill="hold">
-                                          <p:stCondLst>
-                                            <p:cond delay="0"/>
-                                          </p:stCondLst>
-                                        </p:cTn>
-                                        <p:tgtEl>
-                                          <p:spTgt spid="28"/>
-                                        </p:tgtEl>
-                                        <p:attrNameLst>
-                                          <p:attrName>style.visibility</p:attrName>
-                                        </p:attrNameLst>
-                                      </p:cBhvr>
-                                      <p:to>
-                                        <p:strVal val="visible"/>
-                                      </p:to>
-                                    </p:set>
-                                    <p:animEffect transition="in" filter="fade">
-                                      <p:cBhvr>
-                                        <p:cTn id="26" dur="500"/>
-                                        <p:tgtEl>
-                                          <p:spTgt spid="28"/>
-                                        </p:tgtEl>
-                                      </p:cBhvr>
-                                    </p:animEffect>
-                                  </p:childTnLst>
-                                </p:cTn>
-                              </p:par>
-                            </p:childTnLst>
-                          </p:cTn>
-                        </p:par>
-                      </p:childTnLst>
-                    </p:cTn>
-                  </p:par>
-                  <p:par>
-                    <p:cTn id="27" fill="hold">
-                      <p:stCondLst>
-                        <p:cond delay="indefinite"/>
-                      </p:stCondLst>
-                      <p:childTnLst>
-                        <p:par>
-                          <p:cTn id="28" fill="hold">
-                            <p:stCondLst>
-                              <p:cond delay="0"/>
-                            </p:stCondLst>
-                            <p:childTnLst>
-                              <p:par>
-                                <p:cTn id="29" presetID="10" presetClass="entr" presetSubtype="0" fill="hold" grpId="0" nodeType="clickEffect">
-                                  <p:stCondLst>
-                                    <p:cond delay="0"/>
-                                  </p:stCondLst>
-                                  <p:childTnLst>
-                                    <p:set>
-                                      <p:cBhvr>
-                                        <p:cTn id="30" dur="1" fill="hold">
-                                          <p:stCondLst>
-                                            <p:cond delay="0"/>
-                                          </p:stCondLst>
-                                        </p:cTn>
-                                        <p:tgtEl>
-                                          <p:spTgt spid="29"/>
-                                        </p:tgtEl>
-                                        <p:attrNameLst>
-                                          <p:attrName>style.visibility</p:attrName>
-                                        </p:attrNameLst>
-                                      </p:cBhvr>
-                                      <p:to>
-                                        <p:strVal val="visible"/>
-                                      </p:to>
-                                    </p:set>
-                                    <p:animEffect transition="in" filter="fade">
-                                      <p:cBhvr>
-                                        <p:cTn id="31" dur="500"/>
-                                        <p:tgtEl>
-                                          <p:spTgt spid="29"/>
-                                        </p:tgtEl>
-                                      </p:cBhvr>
-                                    </p:animEffect>
-                                  </p:childTnLst>
-                                </p:cTn>
-                              </p:par>
-                            </p:childTnLst>
-                          </p:cTn>
-                        </p:par>
-                      </p:childTnLst>
-                    </p:cTn>
-                  </p:par>
-                </p:childTnLst>
-              </p:cTn>
-              <p:prevCondLst>
-                <p:cond evt="onPrev" delay="0">
-                  <p:tgtEl>
-                    <p:sldTgt/>
-                  </p:tgtEl>
-                </p:cond>
-              </p:prevCondLst>
-              <p:nextCondLst>
-                <p:cond evt="onNext" delay="0">
-                  <p:tgtEl>
-                    <p:sldTgt/>
-                  </p:tgtEl>
-                </p:cond>
-              </p:nextCondLst>
-            </p:seq>
-          </p:childTnLst>
-        </p:cTn>
+        <p:cTn id="1" dur="indefinite" restart="never" nodeType="tmRoot"/>
       </p:par>
     </p:tnLst>
-    <p:bldLst>
-      <p:bldP spid="375814" grpId="0"/>
-      <p:bldP spid="375815" grpId="0"/>
-      <p:bldP spid="375816" grpId="0"/>
-      <p:bldP spid="26" grpId="0"/>
-      <p:bldP spid="28" grpId="0"/>
-      <p:bldP spid="29" grpId="0"/>
-    </p:bldLst>
   </p:timing>
 </p:sld>
 </file>
 
-<file path=ppt/slides/slide42.xml><?xml version="1.0" encoding="utf-8"?>
+<file path=ppt/slides/slide4.xml><?xml version="1.0" encoding="utf-8"?>
+<p:sld xmlns:a="http://schemas.openxmlformats.org/drawingml/2006/main" xmlns:r="http://schemas.openxmlformats.org/officeDocument/2006/relationships" xmlns:p="http://schemas.openxmlformats.org/presentationml/2006/main">
+  <p:cSld>
+    <p:spTree>
+      <p:nvGrpSpPr>
+        <p:cNvPr id="1" name=""/>
+        <p:cNvGrpSpPr/>
+        <p:nvPr/>
+      </p:nvGrpSpPr>
+      <p:grpSpPr>
+        <a:xfrm>
+          <a:off x="0" y="0"/>
+          <a:ext cx="0" cy="0"/>
+          <a:chOff x="0" y="0"/>
+          <a:chExt cx="0" cy="0"/>
+        </a:xfrm>
+      </p:grpSpPr>
+      <p:sp>
+        <p:nvSpPr>
+          <p:cNvPr id="2" name="Title 1"/>
+          <p:cNvSpPr>
+            <a:spLocks noGrp="1"/>
+          </p:cNvSpPr>
+          <p:nvPr>
+            <p:ph type="title"/>
+          </p:nvPr>
+        </p:nvSpPr>
+        <p:spPr/>
+        <p:txBody>
+          <a:bodyPr/>
+          <a:lstStyle/>
+          <a:p>
+            <a:r>
+              <a:rPr lang="en-US" dirty="0" smtClean="0"/>
+              <a:t>Lecture 3</a:t>
+            </a:r>
+            <a:endParaRPr lang="en-US" dirty="0"/>
+          </a:p>
+        </p:txBody>
+      </p:sp>
+      <p:sp>
+        <p:nvSpPr>
+          <p:cNvPr id="3" name="Content Placeholder 2"/>
+          <p:cNvSpPr>
+            <a:spLocks noGrp="1"/>
+          </p:cNvSpPr>
+          <p:nvPr>
+            <p:ph idx="1"/>
+          </p:nvPr>
+        </p:nvSpPr>
+        <p:spPr/>
+        <p:txBody>
+          <a:bodyPr/>
+          <a:lstStyle/>
+          <a:p>
+            <a:r>
+              <a:rPr lang="en-US" dirty="0" smtClean="0"/>
+              <a:t>On the power/limits of dynamic symbolic execution</a:t>
+            </a:r>
+          </a:p>
+          <a:p>
+            <a:endParaRPr lang="en-US" dirty="0" smtClean="0"/>
+          </a:p>
+          <a:p>
+            <a:r>
+              <a:rPr lang="en-US" dirty="0" err="1" smtClean="0"/>
+              <a:t>Satisfiability</a:t>
+            </a:r>
+            <a:r>
+              <a:rPr lang="en-US" dirty="0" smtClean="0"/>
+              <a:t> </a:t>
+            </a:r>
+            <a:r>
+              <a:rPr lang="en-US" dirty="0"/>
+              <a:t>modulo theories (SMT) solvers</a:t>
+            </a:r>
+          </a:p>
+          <a:p>
+            <a:endParaRPr lang="en-US" dirty="0"/>
+          </a:p>
+          <a:p>
+            <a:r>
+              <a:rPr lang="en-US" dirty="0"/>
+              <a:t>Extending </a:t>
+            </a:r>
+            <a:r>
+              <a:rPr lang="en-US" dirty="0" smtClean="0"/>
+              <a:t>DSE for Python with </a:t>
+            </a:r>
+            <a:r>
+              <a:rPr lang="en-US" dirty="0" err="1" smtClean="0"/>
+              <a:t>SymbolicDict</a:t>
+            </a:r>
+            <a:r>
+              <a:rPr lang="en-US" dirty="0" smtClean="0"/>
+              <a:t> via array theory</a:t>
+            </a:r>
+            <a:endParaRPr lang="en-US" dirty="0"/>
+          </a:p>
+          <a:p>
+            <a:pPr marL="0" indent="0">
+              <a:buNone/>
+            </a:pPr>
+            <a:endParaRPr lang="en-US" dirty="0"/>
+          </a:p>
+          <a:p>
+            <a:endParaRPr lang="en-US" dirty="0" smtClean="0"/>
+          </a:p>
+          <a:p>
+            <a:endParaRPr lang="en-US" dirty="0" smtClean="0"/>
+          </a:p>
+          <a:p>
+            <a:endParaRPr lang="en-US" dirty="0"/>
+          </a:p>
+        </p:txBody>
+      </p:sp>
+    </p:spTree>
+    <p:extLst>
+      <p:ext uri="{BB962C8B-B14F-4D97-AF65-F5344CB8AC3E}">
+        <p14:creationId xmlns:p14="http://schemas.microsoft.com/office/powerpoint/2010/main" val="1679710587"/>
+      </p:ext>
+    </p:extLst>
+  </p:cSld>
+  <p:clrMapOvr>
+    <a:masterClrMapping/>
+  </p:clrMapOvr>
+  <p:timing>
+    <p:tnLst>
+      <p:par>
+        <p:cTn id="1" dur="indefinite" restart="never" nodeType="tmRoot"/>
+      </p:par>
+    </p:tnLst>
+  </p:timing>
+</p:sld>
+</file>
+
+<file path=ppt/slides/slide40.xml><?xml version="1.0" encoding="utf-8"?>
 <p:sld xmlns:a="http://schemas.openxmlformats.org/drawingml/2006/main" xmlns:r="http://schemas.openxmlformats.org/officeDocument/2006/relationships" xmlns:p="http://schemas.openxmlformats.org/presentationml/2006/main">
   <p:cSld>
     <p:spTree>
@@ -25517,7 +24924,7 @@
 </p:sld>
 </file>
 
-<file path=ppt/slides/slide43.xml><?xml version="1.0" encoding="utf-8"?>
+<file path=ppt/slides/slide41.xml><?xml version="1.0" encoding="utf-8"?>
 <p:sld xmlns:a="http://schemas.openxmlformats.org/drawingml/2006/main" xmlns:r="http://schemas.openxmlformats.org/officeDocument/2006/relationships" xmlns:p="http://schemas.openxmlformats.org/presentationml/2006/main">
   <p:cSld>
     <p:spTree>
@@ -26715,7 +26122,7 @@
 </p:sld>
 </file>
 
-<file path=ppt/slides/slide44.xml><?xml version="1.0" encoding="utf-8"?>
+<file path=ppt/slides/slide42.xml><?xml version="1.0" encoding="utf-8"?>
 <p:sld xmlns:a="http://schemas.openxmlformats.org/drawingml/2006/main" xmlns:r="http://schemas.openxmlformats.org/officeDocument/2006/relationships" xmlns:p="http://schemas.openxmlformats.org/presentationml/2006/main">
   <p:cSld>
     <p:spTree>
@@ -27331,7 +26738,7 @@
 </p:sld>
 </file>
 
-<file path=ppt/slides/slide45.xml><?xml version="1.0" encoding="utf-8"?>
+<file path=ppt/slides/slide43.xml><?xml version="1.0" encoding="utf-8"?>
 <p:sld xmlns:a="http://schemas.openxmlformats.org/drawingml/2006/main" xmlns:r="http://schemas.openxmlformats.org/officeDocument/2006/relationships" xmlns:p="http://schemas.openxmlformats.org/presentationml/2006/main">
   <p:cSld>
     <p:spTree>
@@ -27530,7 +26937,7 @@
 </p:sld>
 </file>
 
-<file path=ppt/slides/slide46.xml><?xml version="1.0" encoding="utf-8"?>
+<file path=ppt/slides/slide44.xml><?xml version="1.0" encoding="utf-8"?>
 <p:sld xmlns:a="http://schemas.openxmlformats.org/drawingml/2006/main" xmlns:r="http://schemas.openxmlformats.org/officeDocument/2006/relationships" xmlns:p="http://schemas.openxmlformats.org/presentationml/2006/main">
   <p:cSld>
     <p:spTree>
@@ -27913,7 +27320,7 @@
 </p:sld>
 </file>
 
-<file path=ppt/slides/slide47.xml><?xml version="1.0" encoding="utf-8"?>
+<file path=ppt/slides/slide45.xml><?xml version="1.0" encoding="utf-8"?>
 <p:sld xmlns:a="http://schemas.openxmlformats.org/drawingml/2006/main" xmlns:r="http://schemas.openxmlformats.org/officeDocument/2006/relationships" xmlns:p="http://schemas.openxmlformats.org/presentationml/2006/main">
   <p:cSld>
     <p:spTree>
@@ -29391,7 +28798,7 @@
 </p:sld>
 </file>
 
-<file path=ppt/slides/slide48.xml><?xml version="1.0" encoding="utf-8"?>
+<file path=ppt/slides/slide46.xml><?xml version="1.0" encoding="utf-8"?>
 <p:sld xmlns:a="http://schemas.openxmlformats.org/drawingml/2006/main" xmlns:r="http://schemas.openxmlformats.org/officeDocument/2006/relationships" xmlns:p="http://schemas.openxmlformats.org/presentationml/2006/main">
   <p:cSld>
     <p:spTree>
@@ -34140,7 +33547,7 @@
 </p:sld>
 </file>
 
-<file path=ppt/slides/slide49.xml><?xml version="1.0" encoding="utf-8"?>
+<file path=ppt/slides/slide47.xml><?xml version="1.0" encoding="utf-8"?>
 <p:sld xmlns:a="http://schemas.openxmlformats.org/drawingml/2006/main" xmlns:r="http://schemas.openxmlformats.org/officeDocument/2006/relationships" xmlns:p="http://schemas.openxmlformats.org/presentationml/2006/main">
   <p:cSld>
     <p:spTree>
@@ -34183,7 +33590,7 @@
             <a:fld id="{B3B2106F-877A-4110-9088-7E02C3BA47CD}" type="slidenum">
               <a:rPr lang="en-US" smtClean="0"/>
               <a:pPr/>
-              <a:t>49</a:t>
+              <a:t>47</a:t>
             </a:fld>
             <a:endParaRPr lang="en-US"/>
           </a:p>
@@ -34550,104 +33957,7 @@
 </p:sld>
 </file>
 
-<file path=ppt/slides/slide5.xml><?xml version="1.0" encoding="utf-8"?>
-<p:sld xmlns:a="http://schemas.openxmlformats.org/drawingml/2006/main" xmlns:r="http://schemas.openxmlformats.org/officeDocument/2006/relationships" xmlns:p="http://schemas.openxmlformats.org/presentationml/2006/main">
-  <p:cSld>
-    <p:spTree>
-      <p:nvGrpSpPr>
-        <p:cNvPr id="1" name=""/>
-        <p:cNvGrpSpPr/>
-        <p:nvPr/>
-      </p:nvGrpSpPr>
-      <p:grpSpPr>
-        <a:xfrm>
-          <a:off x="0" y="0"/>
-          <a:ext cx="0" cy="0"/>
-          <a:chOff x="0" y="0"/>
-          <a:chExt cx="0" cy="0"/>
-        </a:xfrm>
-      </p:grpSpPr>
-      <p:sp>
-        <p:nvSpPr>
-          <p:cNvPr id="2" name="Title 1"/>
-          <p:cNvSpPr>
-            <a:spLocks noGrp="1"/>
-          </p:cNvSpPr>
-          <p:nvPr>
-            <p:ph type="title"/>
-          </p:nvPr>
-        </p:nvSpPr>
-        <p:spPr/>
-        <p:txBody>
-          <a:bodyPr/>
-          <a:lstStyle/>
-          <a:p>
-            <a:r>
-              <a:rPr lang="en-US" dirty="0" smtClean="0"/>
-              <a:t>Lecture 4</a:t>
-            </a:r>
-            <a:endParaRPr lang="en-US" dirty="0"/>
-          </a:p>
-        </p:txBody>
-      </p:sp>
-      <p:sp>
-        <p:nvSpPr>
-          <p:cNvPr id="3" name="Content Placeholder 2"/>
-          <p:cNvSpPr>
-            <a:spLocks noGrp="1"/>
-          </p:cNvSpPr>
-          <p:nvPr>
-            <p:ph idx="1"/>
-          </p:nvPr>
-        </p:nvSpPr>
-        <p:spPr/>
-        <p:txBody>
-          <a:bodyPr/>
-          <a:lstStyle/>
-          <a:p>
-            <a:r>
-              <a:rPr lang="en-US" dirty="0"/>
-              <a:t>Strings, Regular Expressions and Symbolic Automata</a:t>
-            </a:r>
-          </a:p>
-          <a:p>
-            <a:pPr marL="0" indent="0">
-              <a:buNone/>
-            </a:pPr>
-            <a:endParaRPr lang="en-US" dirty="0"/>
-          </a:p>
-          <a:p>
-            <a:endParaRPr lang="en-US" dirty="0" smtClean="0"/>
-          </a:p>
-          <a:p>
-            <a:endParaRPr lang="en-US" dirty="0" smtClean="0"/>
-          </a:p>
-          <a:p>
-            <a:endParaRPr lang="en-US" dirty="0"/>
-          </a:p>
-        </p:txBody>
-      </p:sp>
-    </p:spTree>
-    <p:extLst>
-      <p:ext uri="{BB962C8B-B14F-4D97-AF65-F5344CB8AC3E}">
-        <p14:creationId xmlns:p14="http://schemas.microsoft.com/office/powerpoint/2010/main" val="3365034019"/>
-      </p:ext>
-    </p:extLst>
-  </p:cSld>
-  <p:clrMapOvr>
-    <a:masterClrMapping/>
-  </p:clrMapOvr>
-  <p:timing>
-    <p:tnLst>
-      <p:par>
-        <p:cTn id="1" dur="indefinite" restart="never" nodeType="tmRoot"/>
-      </p:par>
-    </p:tnLst>
-  </p:timing>
-</p:sld>
-</file>
-
-<file path=ppt/slides/slide50.xml><?xml version="1.0" encoding="utf-8"?>
+<file path=ppt/slides/slide48.xml><?xml version="1.0" encoding="utf-8"?>
 <p:sld xmlns:a="http://schemas.openxmlformats.org/drawingml/2006/main" xmlns:r="http://schemas.openxmlformats.org/officeDocument/2006/relationships" xmlns:p="http://schemas.openxmlformats.org/presentationml/2006/main">
   <p:cSld>
     <p:spTree>
@@ -34958,7 +34268,7 @@
 </p:sld>
 </file>
 
-<file path=ppt/slides/slide51.xml><?xml version="1.0" encoding="utf-8"?>
+<file path=ppt/slides/slide49.xml><?xml version="1.0" encoding="utf-8"?>
 <p:sld xmlns:a="http://schemas.openxmlformats.org/drawingml/2006/main" xmlns:r="http://schemas.openxmlformats.org/officeDocument/2006/relationships" xmlns:p="http://schemas.openxmlformats.org/presentationml/2006/main">
   <p:cSld>
     <p:spTree>
@@ -36067,7 +35377,104 @@
 </p:sld>
 </file>
 
-<file path=ppt/slides/slide52.xml><?xml version="1.0" encoding="utf-8"?>
+<file path=ppt/slides/slide5.xml><?xml version="1.0" encoding="utf-8"?>
+<p:sld xmlns:a="http://schemas.openxmlformats.org/drawingml/2006/main" xmlns:r="http://schemas.openxmlformats.org/officeDocument/2006/relationships" xmlns:p="http://schemas.openxmlformats.org/presentationml/2006/main">
+  <p:cSld>
+    <p:spTree>
+      <p:nvGrpSpPr>
+        <p:cNvPr id="1" name=""/>
+        <p:cNvGrpSpPr/>
+        <p:nvPr/>
+      </p:nvGrpSpPr>
+      <p:grpSpPr>
+        <a:xfrm>
+          <a:off x="0" y="0"/>
+          <a:ext cx="0" cy="0"/>
+          <a:chOff x="0" y="0"/>
+          <a:chExt cx="0" cy="0"/>
+        </a:xfrm>
+      </p:grpSpPr>
+      <p:sp>
+        <p:nvSpPr>
+          <p:cNvPr id="2" name="Title 1"/>
+          <p:cNvSpPr>
+            <a:spLocks noGrp="1"/>
+          </p:cNvSpPr>
+          <p:nvPr>
+            <p:ph type="title"/>
+          </p:nvPr>
+        </p:nvSpPr>
+        <p:spPr/>
+        <p:txBody>
+          <a:bodyPr/>
+          <a:lstStyle/>
+          <a:p>
+            <a:r>
+              <a:rPr lang="en-US" dirty="0" smtClean="0"/>
+              <a:t>Lecture 4</a:t>
+            </a:r>
+            <a:endParaRPr lang="en-US" dirty="0"/>
+          </a:p>
+        </p:txBody>
+      </p:sp>
+      <p:sp>
+        <p:nvSpPr>
+          <p:cNvPr id="3" name="Content Placeholder 2"/>
+          <p:cNvSpPr>
+            <a:spLocks noGrp="1"/>
+          </p:cNvSpPr>
+          <p:nvPr>
+            <p:ph idx="1"/>
+          </p:nvPr>
+        </p:nvSpPr>
+        <p:spPr/>
+        <p:txBody>
+          <a:bodyPr/>
+          <a:lstStyle/>
+          <a:p>
+            <a:r>
+              <a:rPr lang="en-US" dirty="0"/>
+              <a:t>Strings, Regular Expressions and Symbolic Automata</a:t>
+            </a:r>
+          </a:p>
+          <a:p>
+            <a:pPr marL="0" indent="0">
+              <a:buNone/>
+            </a:pPr>
+            <a:endParaRPr lang="en-US" dirty="0"/>
+          </a:p>
+          <a:p>
+            <a:endParaRPr lang="en-US" dirty="0" smtClean="0"/>
+          </a:p>
+          <a:p>
+            <a:endParaRPr lang="en-US" dirty="0" smtClean="0"/>
+          </a:p>
+          <a:p>
+            <a:endParaRPr lang="en-US" dirty="0"/>
+          </a:p>
+        </p:txBody>
+      </p:sp>
+    </p:spTree>
+    <p:extLst>
+      <p:ext uri="{BB962C8B-B14F-4D97-AF65-F5344CB8AC3E}">
+        <p14:creationId xmlns:p14="http://schemas.microsoft.com/office/powerpoint/2010/main" val="3365034019"/>
+      </p:ext>
+    </p:extLst>
+  </p:cSld>
+  <p:clrMapOvr>
+    <a:masterClrMapping/>
+  </p:clrMapOvr>
+  <p:timing>
+    <p:tnLst>
+      <p:par>
+        <p:cTn id="1" dur="indefinite" restart="never" nodeType="tmRoot"/>
+      </p:par>
+    </p:tnLst>
+  </p:timing>
+</p:sld>
+</file>
+
+<file path=ppt/slides/slide50.xml><?xml version="1.0" encoding="utf-8"?>
 <p:sld xmlns:a="http://schemas.openxmlformats.org/drawingml/2006/main" xmlns:r="http://schemas.openxmlformats.org/officeDocument/2006/relationships" xmlns:p="http://schemas.openxmlformats.org/presentationml/2006/main">
   <p:cSld>
     <p:spTree>
@@ -36335,7 +35742,7 @@
 </p:sld>
 </file>
 
-<file path=ppt/slides/slide53.xml><?xml version="1.0" encoding="utf-8"?>
+<file path=ppt/slides/slide51.xml><?xml version="1.0" encoding="utf-8"?>
 <p:sld xmlns:a="http://schemas.openxmlformats.org/drawingml/2006/main" xmlns:r="http://schemas.openxmlformats.org/officeDocument/2006/relationships" xmlns:p="http://schemas.openxmlformats.org/presentationml/2006/main">
   <p:cSld>
     <p:spTree>
@@ -36388,7 +35795,7 @@
         <p:spPr/>
         <p:txBody>
           <a:bodyPr>
-            <a:normAutofit lnSpcReduction="10000"/>
+            <a:normAutofit fontScale="85000" lnSpcReduction="20000"/>
           </a:bodyPr>
           <a:lstStyle/>
           <a:p>
@@ -36401,7 +35808,7 @@
             <a:pPr lvl="1"/>
             <a:r>
               <a:rPr lang="en-US" dirty="0" smtClean="0"/>
-              <a:t>Python 3.4 (</a:t>
+              <a:t>Python 3.2.3 or later (</a:t>
             </a:r>
             <a:r>
               <a:rPr lang="en-US" dirty="0" smtClean="0">
@@ -36418,7 +35825,7 @@
             <a:pPr lvl="1"/>
             <a:r>
               <a:rPr lang="en-US" dirty="0" smtClean="0"/>
-              <a:t>Z3 'unstable’ (</a:t>
+              <a:t>Z3 'unstable’ for your platform (</a:t>
             </a:r>
             <a:r>
               <a:rPr lang="en-US" dirty="0" smtClean="0">
@@ -36453,26 +35860,61 @@
             </a:r>
           </a:p>
           <a:p>
+            <a:pPr lvl="1"/>
+            <a:r>
+              <a:rPr lang="en-US" dirty="0" smtClean="0"/>
+              <a:t>Clone </a:t>
+            </a:r>
+            <a:r>
+              <a:rPr lang="en-US" dirty="0">
+                <a:hlinkClick r:id="rId5"/>
+              </a:rPr>
+              <a:t>https://</a:t>
+            </a:r>
+            <a:r>
+              <a:rPr lang="en-US" dirty="0" smtClean="0">
+                <a:hlinkClick r:id="rId5"/>
+              </a:rPr>
+              <a:t>github.com/thomasjball/PyExZ3.git</a:t>
+            </a:r>
+            <a:r>
+              <a:rPr lang="en-US" dirty="0" smtClean="0"/>
+              <a:t> </a:t>
+            </a:r>
+          </a:p>
+          <a:p>
             <a:endParaRPr lang="en-US" dirty="0" smtClean="0"/>
           </a:p>
           <a:p>
             <a:r>
               <a:rPr lang="en-US" dirty="0" smtClean="0"/>
-              <a:t>Write a Python function to encode (unsigned) n-bit multiplication using Z3 </a:t>
+              <a:t>Or get the code I have on USB key for Windows (and Z3 for all platforms)</a:t>
+            </a:r>
+          </a:p>
+          <a:p>
+            <a:endParaRPr lang="en-US" dirty="0" smtClean="0"/>
+          </a:p>
+          <a:p>
+            <a:r>
+              <a:rPr lang="en-US" dirty="0" smtClean="0"/>
+              <a:t>Write a Python function to encode n-bit multiplication using Z3 </a:t>
             </a:r>
             <a:r>
               <a:rPr lang="en-US" dirty="0" err="1" smtClean="0"/>
               <a:t>Bools</a:t>
             </a:r>
+            <a:r>
+              <a:rPr lang="en-US" dirty="0" smtClean="0"/>
+              <a:t> (you can use PyExZ3\examples\adder.py)</a:t>
+            </a:r>
+          </a:p>
+          <a:p>
             <a:endParaRPr lang="en-US" dirty="0" smtClean="0"/>
           </a:p>
           <a:p>
-            <a:endParaRPr lang="en-US" dirty="0" smtClean="0"/>
-          </a:p>
-          <a:p>
             <a:r>
               <a:rPr lang="en-US" dirty="0" smtClean="0"/>
-              <a:t>Use Z3 (via Python) to prove that your multiplier is equivalent to Z3’s (unsigned) </a:t>
+              <a:t>Use Z3 to prove that your multiplier is equivalent to Z3’s </a:t>
             </a:r>
             <a:r>
               <a:rPr lang="en-US" dirty="0" err="1" smtClean="0"/>
@@ -36480,7 +35922,7 @@
             </a:r>
             <a:r>
               <a:rPr lang="en-US" dirty="0" smtClean="0"/>
-              <a:t> multiplier</a:t>
+              <a:t> multiplier (you can use PyExZ3\examples\check_adder.py)</a:t>
             </a:r>
             <a:endParaRPr lang="en-US" dirty="0"/>
           </a:p>
@@ -36496,6 +35938,13 @@
   <p:clrMapOvr>
     <a:masterClrMapping/>
   </p:clrMapOvr>
+  <p:timing>
+    <p:tnLst>
+      <p:par>
+        <p:cTn id="1" dur="indefinite" restart="never" nodeType="tmRoot"/>
+      </p:par>
+    </p:tnLst>
+  </p:timing>
 </p:sld>
 </file>
 
@@ -36584,6 +36033,13 @@
   <p:clrMapOvr>
     <a:masterClrMapping/>
   </p:clrMapOvr>
+  <p:timing>
+    <p:tnLst>
+      <p:par>
+        <p:cTn id="1" dur="indefinite" restart="never" nodeType="tmRoot"/>
+      </p:par>
+    </p:tnLst>
+  </p:timing>
 </p:sld>
 </file>
 
@@ -36783,45 +36239,72 @@
           <a:lstStyle/>
           <a:p>
             <a:r>
+              <a:rPr lang="en-US" dirty="0" smtClean="0"/>
+              <a:t>Security: </a:t>
+            </a:r>
+            <a:r>
+              <a:rPr lang="en-US" dirty="0" err="1" smtClean="0"/>
+              <a:t>Whitebox</a:t>
+            </a:r>
+            <a:r>
+              <a:rPr lang="en-US" dirty="0" smtClean="0"/>
+              <a:t> </a:t>
+            </a:r>
+            <a:r>
               <a:rPr lang="en-US" dirty="0"/>
-              <a:t>Security </a:t>
+              <a:t>File </a:t>
+            </a:r>
+            <a:r>
+              <a:rPr lang="en-US" dirty="0" smtClean="0"/>
+              <a:t>Fuzzing (MSR’s SAGE)</a:t>
+            </a:r>
+          </a:p>
+          <a:p>
+            <a:endParaRPr lang="en-US" dirty="0" smtClean="0"/>
+          </a:p>
+          <a:p>
+            <a:r>
+              <a:rPr lang="en-US" dirty="0" smtClean="0"/>
+              <a:t>Software development: Parameterized Unit Testing (MSR’s Pex)</a:t>
+            </a:r>
+            <a:endParaRPr lang="en-US" dirty="0"/>
+          </a:p>
+          <a:p>
+            <a:endParaRPr lang="en-US" dirty="0" smtClean="0"/>
+          </a:p>
+          <a:p>
+            <a:r>
+              <a:rPr lang="en-US" dirty="0" smtClean="0"/>
+              <a:t>Many others</a:t>
             </a:r>
           </a:p>
           <a:p>
             <a:pPr lvl="1"/>
             <a:r>
-              <a:rPr lang="en-US" dirty="0" err="1"/>
-              <a:t>Whitebox</a:t>
-            </a:r>
-            <a:r>
-              <a:rPr lang="en-US" dirty="0"/>
-              <a:t> File Fuzzing</a:t>
-            </a:r>
-          </a:p>
-          <a:p>
-            <a:endParaRPr lang="en-US" dirty="0" smtClean="0"/>
-          </a:p>
-          <a:p>
-            <a:r>
               <a:rPr lang="en-US" dirty="0" smtClean="0"/>
-              <a:t>Software development</a:t>
+              <a:t>Performance testing of operating systems (MIT’s Commuter)</a:t>
             </a:r>
           </a:p>
           <a:p>
             <a:pPr lvl="1"/>
             <a:r>
               <a:rPr lang="en-US" dirty="0" smtClean="0"/>
-              <a:t>Parameterized Unit Testing</a:t>
+              <a:t>Malware analysis (CMU/Berkeley’s </a:t>
+            </a:r>
+            <a:r>
+              <a:rPr lang="en-US" dirty="0" err="1" smtClean="0"/>
+              <a:t>BitScope</a:t>
+            </a:r>
+            <a:r>
+              <a:rPr lang="en-US" dirty="0" smtClean="0"/>
+              <a:t>)</a:t>
             </a:r>
           </a:p>
           <a:p>
             <a:pPr lvl="1"/>
-            <a:endParaRPr lang="en-US" dirty="0"/>
-          </a:p>
-          <a:p>
             <a:r>
               <a:rPr lang="en-US" dirty="0" smtClean="0"/>
-              <a:t>Many more!</a:t>
+              <a:t>Generate of worm filters (MSR’s Vigilante)</a:t>
             </a:r>
           </a:p>
           <a:p>
@@ -38862,15 +38345,6 @@
 </file>
 
 <file path=customXml/item1.xml><?xml version="1.0" encoding="utf-8"?>
-<?mso-contentType ?>
-<FormTemplates xmlns="http://schemas.microsoft.com/sharepoint/v3/contenttype/forms">
-  <Display>DocumentLibraryForm</Display>
-  <Edit>DocumentLibraryForm</Edit>
-  <New>DocumentLibraryForm</New>
-</FormTemplates>
-</file>
-
-<file path=customXml/item2.xml><?xml version="1.0" encoding="utf-8"?>
 <ct:contentTypeSchema xmlns:ct="http://schemas.microsoft.com/office/2006/metadata/contentType" xmlns:ma="http://schemas.microsoft.com/office/2006/metadata/properties/metaAttributes" ct:_="" ma:_="" ma:contentTypeName="Document" ma:contentTypeID="0x010100437DDF9C4307334E89ED110A86A7ABC6" ma:contentTypeVersion="1" ma:contentTypeDescription="Create a new document." ma:contentTypeScope="" ma:versionID="b9373c3bbaf6b411fd7f63f021d4d6fc">
   <xsd:schema xmlns:xsd="http://www.w3.org/2001/XMLSchema" xmlns:xs="http://www.w3.org/2001/XMLSchema" xmlns:p="http://schemas.microsoft.com/office/2006/metadata/properties" xmlns:ns3="e38774e6-6428-4dbd-b505-0acc1faa5601" targetNamespace="http://schemas.microsoft.com/office/2006/metadata/properties" ma:root="true" ma:fieldsID="2b233a94cf1960505182d9874862e24f" ns3:_="">
     <xsd:import namespace="e38774e6-6428-4dbd-b505-0acc1faa5601"/>
@@ -39010,6 +38484,15 @@
 </ct:contentTypeSchema>
 </file>
 
+<file path=customXml/item2.xml><?xml version="1.0" encoding="utf-8"?>
+<?mso-contentType ?>
+<FormTemplates xmlns="http://schemas.microsoft.com/sharepoint/v3/contenttype/forms">
+  <Display>DocumentLibraryForm</Display>
+  <Edit>DocumentLibraryForm</Edit>
+  <New>DocumentLibraryForm</New>
+</FormTemplates>
+</file>
+
 <file path=customXml/item3.xml><?xml version="1.0" encoding="utf-8"?>
 <p:properties xmlns:p="http://schemas.microsoft.com/office/2006/metadata/properties" xmlns:xsi="http://www.w3.org/2001/XMLSchema-instance" xmlns:pc="http://schemas.microsoft.com/office/infopath/2007/PartnerControls">
   <documentManagement/>
@@ -39017,14 +38500,6 @@
 </file>
 
 <file path=customXml/itemProps1.xml><?xml version="1.0" encoding="utf-8"?>
-<ds:datastoreItem xmlns:ds="http://schemas.openxmlformats.org/officeDocument/2006/customXml" ds:itemID="{30CE9295-D642-4A8B-8E3E-E3ABE16B63E4}">
-  <ds:schemaRefs>
-    <ds:schemaRef ds:uri="http://schemas.microsoft.com/sharepoint/v3/contenttype/forms"/>
-  </ds:schemaRefs>
-</ds:datastoreItem>
-</file>
-
-<file path=customXml/itemProps2.xml><?xml version="1.0" encoding="utf-8"?>
 <ds:datastoreItem xmlns:ds="http://schemas.openxmlformats.org/officeDocument/2006/customXml" ds:itemID="{485104E6-C828-4FC3-A33C-64336A6E8D07}">
   <ds:schemaRefs>
     <ds:schemaRef ds:uri="http://schemas.microsoft.com/office/2006/metadata/contentType"/>
@@ -39042,16 +38517,24 @@
 </ds:datastoreItem>
 </file>
 
+<file path=customXml/itemProps2.xml><?xml version="1.0" encoding="utf-8"?>
+<ds:datastoreItem xmlns:ds="http://schemas.openxmlformats.org/officeDocument/2006/customXml" ds:itemID="{30CE9295-D642-4A8B-8E3E-E3ABE16B63E4}">
+  <ds:schemaRefs>
+    <ds:schemaRef ds:uri="http://schemas.microsoft.com/sharepoint/v3/contenttype/forms"/>
+  </ds:schemaRefs>
+</ds:datastoreItem>
+</file>
+
 <file path=customXml/itemProps3.xml><?xml version="1.0" encoding="utf-8"?>
 <ds:datastoreItem xmlns:ds="http://schemas.openxmlformats.org/officeDocument/2006/customXml" ds:itemID="{FB6BFFDC-454B-4126-B386-28229AA96DAC}">
   <ds:schemaRefs>
     <ds:schemaRef ds:uri="http://schemas.microsoft.com/office/2006/metadata/properties"/>
+    <ds:schemaRef ds:uri="http://schemas.microsoft.com/office/2006/documentManagement/types"/>
     <ds:schemaRef ds:uri="http://purl.org/dc/terms/"/>
-    <ds:schemaRef ds:uri="http://schemas.microsoft.com/office/2006/documentManagement/types"/>
+    <ds:schemaRef ds:uri="http://schemas.openxmlformats.org/package/2006/metadata/core-properties"/>
     <ds:schemaRef ds:uri="http://purl.org/dc/dcmitype/"/>
     <ds:schemaRef ds:uri="http://schemas.microsoft.com/office/infopath/2007/PartnerControls"/>
     <ds:schemaRef ds:uri="http://purl.org/dc/elements/1.1/"/>
-    <ds:schemaRef ds:uri="http://schemas.openxmlformats.org/package/2006/metadata/core-properties"/>
     <ds:schemaRef ds:uri="e38774e6-6428-4dbd-b505-0acc1faa5601"/>
     <ds:schemaRef ds:uri="http://www.w3.org/XML/1998/namespace"/>
   </ds:schemaRefs>
